--- a/processed/mvccc/新的異象，新的方向.pptx
+++ b/processed/mvccc/新的異象，新的方向.pptx
@@ -1,27 +1,28 @@
 
 <file path=ppt/presentation.xml><?xml version="1.0" encoding="utf-8"?>
-<p:presentation xmlns:a="http://schemas.openxmlformats.org/drawingml/2006/main" xmlns:r="http://schemas.openxmlformats.org/officeDocument/2006/relationships" xmlns:p="http://schemas.openxmlformats.org/presentationml/2006/main">
+<p:presentation xmlns:a="http://schemas.openxmlformats.org/drawingml/2006/main" xmlns:r="http://schemas.openxmlformats.org/officeDocument/2006/relationships" xmlns:p="http://schemas.openxmlformats.org/presentationml/2006/main" xmlns:m="http://schemas.openxmlformats.org/officeDocument/2006/math" xmlns:a14="http://schemas.microsoft.com/office/drawing/2010/main">
   <p:sldMasterIdLst>
-    <p:sldMasterId id="2147483648" r:id="rId1"/>
+    <p:sldMasterId id="2147483648" r:id="rId5"/>
   </p:sldMasterIdLst>
   <p:notesMasterIdLst>
-    <p:notesMasterId r:id="rId14"/>
+    <p:notesMasterId r:id="rId7"/>
   </p:notesMasterIdLst>
   <p:sldIdLst>
-    <p:sldId id="261" r:id="rId2"/>
-    <p:sldId id="262" r:id="rId3"/>
-    <p:sldId id="263" r:id="rId4"/>
-    <p:sldId id="264" r:id="rId5"/>
-    <p:sldId id="265" r:id="rId6"/>
-    <p:sldId id="266" r:id="rId7"/>
-    <p:sldId id="267" r:id="rId8"/>
-    <p:sldId id="268" r:id="rId9"/>
-    <p:sldId id="269" r:id="rId10"/>
-    <p:sldId id="270" r:id="rId11"/>
-    <p:sldId id="271" r:id="rId12"/>
-    <p:sldId id="272" r:id="rId13"/>
+    <p:sldId id="256" r:id="rId8"/>
+    <p:sldId id="257" r:id="rId9"/>
+    <p:sldId id="258" r:id="rId10"/>
+    <p:sldId id="259" r:id="rId11"/>
+    <p:sldId id="260" r:id="rId12"/>
+    <p:sldId id="261" r:id="rId13"/>
+    <p:sldId id="262" r:id="rId14"/>
+    <p:sldId id="263" r:id="rId15"/>
+    <p:sldId id="264" r:id="rId16"/>
+    <p:sldId id="265" r:id="rId17"/>
+    <p:sldId id="266" r:id="rId18"/>
+    <p:sldId id="267" r:id="rId19"/>
+    <p:sldId id="268" r:id="rId20"/>
   </p:sldIdLst>
-  <p:sldSz cx="9144000" cy="5143500" type="screen16x9"/>
+  <p:sldSz cx="12192000" cy="6858000"/>
   <p:notesSz cx="6858000" cy="9144000"/>
   <p:defaultTextStyle>
     <a:defPPr marL="0" marR="0" indent="0" algn="l" defTabSz="914400" rtl="0" fontAlgn="auto" latinLnBrk="1" hangingPunct="0">
@@ -39,7 +40,7 @@
       <a:buFontTx/>
       <a:buNone/>
       <a:tabLst/>
-      <a:defRPr kumimoji="0" sz="1800" b="0" i="0" u="none" strike="noStrike" cap="none" spc="0" normalizeH="0" baseline="0">
+      <a:defRPr b="0" baseline="0" cap="none" i="0" spc="0" strike="noStrike" sz="1800" u="none" kumimoji="0" normalizeH="0">
         <a:ln>
           <a:noFill/>
         </a:ln>
@@ -65,22 +66,22 @@
       <a:buFontTx/>
       <a:buNone/>
       <a:tabLst/>
-      <a:defRPr kumimoji="0" sz="1800" b="0" i="0" u="none" strike="noStrike" cap="none" spc="0" normalizeH="0" baseline="0">
+      <a:defRPr b="0" baseline="0" cap="none" i="0" spc="0" strike="noStrike" sz="1800" u="none" kumimoji="0" normalizeH="0">
         <a:ln>
           <a:noFill/>
         </a:ln>
         <a:solidFill>
-          <a:srgbClr val="000000"/>
+          <a:srgbClr val="0B0F14"/>
         </a:solidFill>
         <a:effectLst/>
         <a:uFillTx/>
-        <a:latin typeface="+mn-lt"/>
-        <a:ea typeface="+mn-ea"/>
-        <a:cs typeface="+mn-cs"/>
-        <a:sym typeface="Calibri"/>
+        <a:latin typeface="+mj-lt"/>
+        <a:ea typeface="+mj-ea"/>
+        <a:cs typeface="+mj-cs"/>
+        <a:sym typeface="Arial"/>
       </a:defRPr>
     </a:lvl1pPr>
-    <a:lvl2pPr marL="0" marR="0" indent="457200" algn="l" defTabSz="914400" rtl="0" fontAlgn="auto" latinLnBrk="0" hangingPunct="0">
+    <a:lvl2pPr marL="0" marR="0" indent="0" algn="l" defTabSz="914400" rtl="0" fontAlgn="auto" latinLnBrk="0" hangingPunct="0">
       <a:lnSpc>
         <a:spcPct val="100000"/>
       </a:lnSpc>
@@ -95,22 +96,22 @@
       <a:buFontTx/>
       <a:buNone/>
       <a:tabLst/>
-      <a:defRPr kumimoji="0" sz="1800" b="0" i="0" u="none" strike="noStrike" cap="none" spc="0" normalizeH="0" baseline="0">
+      <a:defRPr b="0" baseline="0" cap="none" i="0" spc="0" strike="noStrike" sz="1800" u="none" kumimoji="0" normalizeH="0">
         <a:ln>
           <a:noFill/>
         </a:ln>
         <a:solidFill>
-          <a:srgbClr val="000000"/>
+          <a:srgbClr val="0B0F14"/>
         </a:solidFill>
         <a:effectLst/>
         <a:uFillTx/>
-        <a:latin typeface="+mn-lt"/>
-        <a:ea typeface="+mn-ea"/>
-        <a:cs typeface="+mn-cs"/>
-        <a:sym typeface="Calibri"/>
+        <a:latin typeface="+mj-lt"/>
+        <a:ea typeface="+mj-ea"/>
+        <a:cs typeface="+mj-cs"/>
+        <a:sym typeface="Arial"/>
       </a:defRPr>
     </a:lvl2pPr>
-    <a:lvl3pPr marL="0" marR="0" indent="914400" algn="l" defTabSz="914400" rtl="0" fontAlgn="auto" latinLnBrk="0" hangingPunct="0">
+    <a:lvl3pPr marL="0" marR="0" indent="0" algn="l" defTabSz="914400" rtl="0" fontAlgn="auto" latinLnBrk="0" hangingPunct="0">
       <a:lnSpc>
         <a:spcPct val="100000"/>
       </a:lnSpc>
@@ -125,22 +126,22 @@
       <a:buFontTx/>
       <a:buNone/>
       <a:tabLst/>
-      <a:defRPr kumimoji="0" sz="1800" b="0" i="0" u="none" strike="noStrike" cap="none" spc="0" normalizeH="0" baseline="0">
+      <a:defRPr b="0" baseline="0" cap="none" i="0" spc="0" strike="noStrike" sz="1800" u="none" kumimoji="0" normalizeH="0">
         <a:ln>
           <a:noFill/>
         </a:ln>
         <a:solidFill>
-          <a:srgbClr val="000000"/>
+          <a:srgbClr val="0B0F14"/>
         </a:solidFill>
         <a:effectLst/>
         <a:uFillTx/>
-        <a:latin typeface="+mn-lt"/>
-        <a:ea typeface="+mn-ea"/>
-        <a:cs typeface="+mn-cs"/>
-        <a:sym typeface="Calibri"/>
+        <a:latin typeface="+mj-lt"/>
+        <a:ea typeface="+mj-ea"/>
+        <a:cs typeface="+mj-cs"/>
+        <a:sym typeface="Arial"/>
       </a:defRPr>
     </a:lvl3pPr>
-    <a:lvl4pPr marL="0" marR="0" indent="1371600" algn="l" defTabSz="914400" rtl="0" fontAlgn="auto" latinLnBrk="0" hangingPunct="0">
+    <a:lvl4pPr marL="0" marR="0" indent="0" algn="l" defTabSz="914400" rtl="0" fontAlgn="auto" latinLnBrk="0" hangingPunct="0">
       <a:lnSpc>
         <a:spcPct val="100000"/>
       </a:lnSpc>
@@ -155,22 +156,22 @@
       <a:buFontTx/>
       <a:buNone/>
       <a:tabLst/>
-      <a:defRPr kumimoji="0" sz="1800" b="0" i="0" u="none" strike="noStrike" cap="none" spc="0" normalizeH="0" baseline="0">
+      <a:defRPr b="0" baseline="0" cap="none" i="0" spc="0" strike="noStrike" sz="1800" u="none" kumimoji="0" normalizeH="0">
         <a:ln>
           <a:noFill/>
         </a:ln>
         <a:solidFill>
-          <a:srgbClr val="000000"/>
+          <a:srgbClr val="0B0F14"/>
         </a:solidFill>
         <a:effectLst/>
         <a:uFillTx/>
-        <a:latin typeface="+mn-lt"/>
-        <a:ea typeface="+mn-ea"/>
-        <a:cs typeface="+mn-cs"/>
-        <a:sym typeface="Calibri"/>
+        <a:latin typeface="+mj-lt"/>
+        <a:ea typeface="+mj-ea"/>
+        <a:cs typeface="+mj-cs"/>
+        <a:sym typeface="Arial"/>
       </a:defRPr>
     </a:lvl4pPr>
-    <a:lvl5pPr marL="0" marR="0" indent="1828800" algn="l" defTabSz="914400" rtl="0" fontAlgn="auto" latinLnBrk="0" hangingPunct="0">
+    <a:lvl5pPr marL="0" marR="0" indent="0" algn="l" defTabSz="914400" rtl="0" fontAlgn="auto" latinLnBrk="0" hangingPunct="0">
       <a:lnSpc>
         <a:spcPct val="100000"/>
       </a:lnSpc>
@@ -185,22 +186,22 @@
       <a:buFontTx/>
       <a:buNone/>
       <a:tabLst/>
-      <a:defRPr kumimoji="0" sz="1800" b="0" i="0" u="none" strike="noStrike" cap="none" spc="0" normalizeH="0" baseline="0">
+      <a:defRPr b="0" baseline="0" cap="none" i="0" spc="0" strike="noStrike" sz="1800" u="none" kumimoji="0" normalizeH="0">
         <a:ln>
           <a:noFill/>
         </a:ln>
         <a:solidFill>
-          <a:srgbClr val="000000"/>
+          <a:srgbClr val="0B0F14"/>
         </a:solidFill>
         <a:effectLst/>
         <a:uFillTx/>
-        <a:latin typeface="+mn-lt"/>
-        <a:ea typeface="+mn-ea"/>
-        <a:cs typeface="+mn-cs"/>
-        <a:sym typeface="Calibri"/>
+        <a:latin typeface="+mj-lt"/>
+        <a:ea typeface="+mj-ea"/>
+        <a:cs typeface="+mj-cs"/>
+        <a:sym typeface="Arial"/>
       </a:defRPr>
     </a:lvl5pPr>
-    <a:lvl6pPr marL="0" marR="0" indent="2286000" algn="l" defTabSz="914400" rtl="0" fontAlgn="auto" latinLnBrk="0" hangingPunct="0">
+    <a:lvl6pPr marL="0" marR="0" indent="0" algn="l" defTabSz="914400" rtl="0" fontAlgn="auto" latinLnBrk="0" hangingPunct="0">
       <a:lnSpc>
         <a:spcPct val="100000"/>
       </a:lnSpc>
@@ -215,22 +216,22 @@
       <a:buFontTx/>
       <a:buNone/>
       <a:tabLst/>
-      <a:defRPr kumimoji="0" sz="1800" b="0" i="0" u="none" strike="noStrike" cap="none" spc="0" normalizeH="0" baseline="0">
+      <a:defRPr b="0" baseline="0" cap="none" i="0" spc="0" strike="noStrike" sz="1800" u="none" kumimoji="0" normalizeH="0">
         <a:ln>
           <a:noFill/>
         </a:ln>
         <a:solidFill>
-          <a:srgbClr val="000000"/>
+          <a:srgbClr val="0B0F14"/>
         </a:solidFill>
         <a:effectLst/>
         <a:uFillTx/>
-        <a:latin typeface="+mn-lt"/>
-        <a:ea typeface="+mn-ea"/>
-        <a:cs typeface="+mn-cs"/>
-        <a:sym typeface="Calibri"/>
+        <a:latin typeface="+mj-lt"/>
+        <a:ea typeface="+mj-ea"/>
+        <a:cs typeface="+mj-cs"/>
+        <a:sym typeface="Arial"/>
       </a:defRPr>
     </a:lvl6pPr>
-    <a:lvl7pPr marL="0" marR="0" indent="2743200" algn="l" defTabSz="914400" rtl="0" fontAlgn="auto" latinLnBrk="0" hangingPunct="0">
+    <a:lvl7pPr marL="0" marR="0" indent="0" algn="l" defTabSz="914400" rtl="0" fontAlgn="auto" latinLnBrk="0" hangingPunct="0">
       <a:lnSpc>
         <a:spcPct val="100000"/>
       </a:lnSpc>
@@ -245,22 +246,22 @@
       <a:buFontTx/>
       <a:buNone/>
       <a:tabLst/>
-      <a:defRPr kumimoji="0" sz="1800" b="0" i="0" u="none" strike="noStrike" cap="none" spc="0" normalizeH="0" baseline="0">
+      <a:defRPr b="0" baseline="0" cap="none" i="0" spc="0" strike="noStrike" sz="1800" u="none" kumimoji="0" normalizeH="0">
         <a:ln>
           <a:noFill/>
         </a:ln>
         <a:solidFill>
-          <a:srgbClr val="000000"/>
+          <a:srgbClr val="0B0F14"/>
         </a:solidFill>
         <a:effectLst/>
         <a:uFillTx/>
-        <a:latin typeface="+mn-lt"/>
-        <a:ea typeface="+mn-ea"/>
-        <a:cs typeface="+mn-cs"/>
-        <a:sym typeface="Calibri"/>
+        <a:latin typeface="+mj-lt"/>
+        <a:ea typeface="+mj-ea"/>
+        <a:cs typeface="+mj-cs"/>
+        <a:sym typeface="Arial"/>
       </a:defRPr>
     </a:lvl7pPr>
-    <a:lvl8pPr marL="0" marR="0" indent="3200400" algn="l" defTabSz="914400" rtl="0" fontAlgn="auto" latinLnBrk="0" hangingPunct="0">
+    <a:lvl8pPr marL="0" marR="0" indent="0" algn="l" defTabSz="914400" rtl="0" fontAlgn="auto" latinLnBrk="0" hangingPunct="0">
       <a:lnSpc>
         <a:spcPct val="100000"/>
       </a:lnSpc>
@@ -275,22 +276,22 @@
       <a:buFontTx/>
       <a:buNone/>
       <a:tabLst/>
-      <a:defRPr kumimoji="0" sz="1800" b="0" i="0" u="none" strike="noStrike" cap="none" spc="0" normalizeH="0" baseline="0">
+      <a:defRPr b="0" baseline="0" cap="none" i="0" spc="0" strike="noStrike" sz="1800" u="none" kumimoji="0" normalizeH="0">
         <a:ln>
           <a:noFill/>
         </a:ln>
         <a:solidFill>
-          <a:srgbClr val="000000"/>
+          <a:srgbClr val="0B0F14"/>
         </a:solidFill>
         <a:effectLst/>
         <a:uFillTx/>
-        <a:latin typeface="+mn-lt"/>
-        <a:ea typeface="+mn-ea"/>
-        <a:cs typeface="+mn-cs"/>
-        <a:sym typeface="Calibri"/>
+        <a:latin typeface="+mj-lt"/>
+        <a:ea typeface="+mj-ea"/>
+        <a:cs typeface="+mj-cs"/>
+        <a:sym typeface="Arial"/>
       </a:defRPr>
     </a:lvl8pPr>
-    <a:lvl9pPr marL="0" marR="0" indent="3657600" algn="l" defTabSz="914400" rtl="0" fontAlgn="auto" latinLnBrk="0" hangingPunct="0">
+    <a:lvl9pPr marL="0" marR="0" indent="0" algn="l" defTabSz="914400" rtl="0" fontAlgn="auto" latinLnBrk="0" hangingPunct="0">
       <a:lnSpc>
         <a:spcPct val="100000"/>
       </a:lnSpc>
@@ -305,33 +306,32 @@
       <a:buFontTx/>
       <a:buNone/>
       <a:tabLst/>
-      <a:defRPr kumimoji="0" sz="1800" b="0" i="0" u="none" strike="noStrike" cap="none" spc="0" normalizeH="0" baseline="0">
+      <a:defRPr b="0" baseline="0" cap="none" i="0" spc="0" strike="noStrike" sz="1800" u="none" kumimoji="0" normalizeH="0">
         <a:ln>
           <a:noFill/>
         </a:ln>
         <a:solidFill>
-          <a:srgbClr val="000000"/>
+          <a:srgbClr val="0B0F14"/>
         </a:solidFill>
         <a:effectLst/>
         <a:uFillTx/>
-        <a:latin typeface="+mn-lt"/>
-        <a:ea typeface="+mn-ea"/>
-        <a:cs typeface="+mn-cs"/>
-        <a:sym typeface="Calibri"/>
+        <a:latin typeface="+mj-lt"/>
+        <a:ea typeface="+mj-ea"/>
+        <a:cs typeface="+mj-cs"/>
+        <a:sym typeface="Arial"/>
       </a:defRPr>
     </a:lvl9pPr>
   </p:defaultTextStyle>
 </p:presentation>
 </file>
 
+<file path=ppt/commentAuthors.xml><?xml version="1.0" encoding="utf-8"?>
+<p:cmAuthorLst xmlns:a="http://schemas.openxmlformats.org/drawingml/2006/main" xmlns:r="http://schemas.openxmlformats.org/officeDocument/2006/relationships" xmlns:p="http://schemas.openxmlformats.org/presentationml/2006/main" xmlns:m="http://schemas.openxmlformats.org/officeDocument/2006/math" xmlns:a14="http://schemas.microsoft.com/office/drawing/2010/main"/>
+</file>
+
 <file path=ppt/notesMasters/notesMaster1.xml><?xml version="1.0" encoding="utf-8"?>
-<p:notesMaster xmlns:a="http://schemas.openxmlformats.org/drawingml/2006/main" xmlns:r="http://schemas.openxmlformats.org/officeDocument/2006/relationships" xmlns:p="http://schemas.openxmlformats.org/presentationml/2006/main">
+<p:notesMaster xmlns:a="http://schemas.openxmlformats.org/drawingml/2006/main" xmlns:r="http://schemas.openxmlformats.org/officeDocument/2006/relationships" xmlns:p="http://schemas.openxmlformats.org/presentationml/2006/main" xmlns:m="http://schemas.openxmlformats.org/officeDocument/2006/math" xmlns:a14="http://schemas.microsoft.com/office/drawing/2010/main">
   <p:cSld>
-    <p:bg>
-      <p:bgRef idx="1001">
-        <a:schemeClr val="bg1"/>
-      </p:bgRef>
-    </p:bg>
     <p:spTree>
       <p:nvGrpSpPr>
         <p:cNvPr id="1" name=""/>
@@ -348,10 +348,8 @@
       </p:grpSpPr>
       <p:sp>
         <p:nvSpPr>
-          <p:cNvPr id="91" name="Shape 91"/>
-          <p:cNvSpPr>
-            <a:spLocks noGrp="1" noRot="1" noChangeAspect="1"/>
-          </p:cNvSpPr>
+          <p:cNvPr id="101" name="Shape 101"/>
+          <p:cNvSpPr/>
           <p:nvPr>
             <p:ph type="sldImg"/>
           </p:nvPr>
@@ -369,16 +367,14 @@
           <a:bodyPr/>
           <a:lstStyle/>
           <a:p>
-            <a:endParaRPr/>
+            <a:pPr/>
           </a:p>
         </p:txBody>
       </p:sp>
       <p:sp>
         <p:nvSpPr>
-          <p:cNvPr id="92" name="Shape 92"/>
-          <p:cNvSpPr>
-            <a:spLocks noGrp="1"/>
-          </p:cNvSpPr>
+          <p:cNvPr id="102" name="Shape 102"/>
+          <p:cNvSpPr/>
           <p:nvPr>
             <p:ph type="body" sz="quarter" idx="1"/>
           </p:nvPr>
@@ -396,7 +392,7 @@
           <a:bodyPr/>
           <a:lstStyle/>
           <a:p>
-            <a:endParaRPr/>
+            <a:pPr/>
           </a:p>
         </p:txBody>
       </p:sp>
@@ -405,75 +401,102 @@
   <p:clrMap bg1="lt1" tx1="dk1" bg2="lt2" tx2="dk2" accent1="accent1" accent2="accent2" accent3="accent3" accent4="accent4" accent5="accent5" accent6="accent6" hlink="hlink" folHlink="folHlink"/>
   <p:notesStyle>
     <a:lvl1pPr latinLnBrk="0">
+      <a:spcBef>
+        <a:spcPts val="400"/>
+      </a:spcBef>
       <a:defRPr sz="1200">
-        <a:latin typeface="+mn-lt"/>
-        <a:ea typeface="+mn-ea"/>
-        <a:cs typeface="+mn-cs"/>
-        <a:sym typeface="Calibri"/>
+        <a:latin typeface="+mj-lt"/>
+        <a:ea typeface="+mj-ea"/>
+        <a:cs typeface="+mj-cs"/>
+        <a:sym typeface="Arial"/>
       </a:defRPr>
     </a:lvl1pPr>
     <a:lvl2pPr indent="228600" latinLnBrk="0">
+      <a:spcBef>
+        <a:spcPts val="400"/>
+      </a:spcBef>
       <a:defRPr sz="1200">
-        <a:latin typeface="+mn-lt"/>
-        <a:ea typeface="+mn-ea"/>
-        <a:cs typeface="+mn-cs"/>
-        <a:sym typeface="Calibri"/>
+        <a:latin typeface="+mj-lt"/>
+        <a:ea typeface="+mj-ea"/>
+        <a:cs typeface="+mj-cs"/>
+        <a:sym typeface="Arial"/>
       </a:defRPr>
     </a:lvl2pPr>
     <a:lvl3pPr indent="457200" latinLnBrk="0">
+      <a:spcBef>
+        <a:spcPts val="400"/>
+      </a:spcBef>
       <a:defRPr sz="1200">
-        <a:latin typeface="+mn-lt"/>
-        <a:ea typeface="+mn-ea"/>
-        <a:cs typeface="+mn-cs"/>
-        <a:sym typeface="Calibri"/>
+        <a:latin typeface="+mj-lt"/>
+        <a:ea typeface="+mj-ea"/>
+        <a:cs typeface="+mj-cs"/>
+        <a:sym typeface="Arial"/>
       </a:defRPr>
     </a:lvl3pPr>
     <a:lvl4pPr indent="685800" latinLnBrk="0">
+      <a:spcBef>
+        <a:spcPts val="400"/>
+      </a:spcBef>
       <a:defRPr sz="1200">
-        <a:latin typeface="+mn-lt"/>
-        <a:ea typeface="+mn-ea"/>
-        <a:cs typeface="+mn-cs"/>
-        <a:sym typeface="Calibri"/>
+        <a:latin typeface="+mj-lt"/>
+        <a:ea typeface="+mj-ea"/>
+        <a:cs typeface="+mj-cs"/>
+        <a:sym typeface="Arial"/>
       </a:defRPr>
     </a:lvl4pPr>
     <a:lvl5pPr indent="914400" latinLnBrk="0">
+      <a:spcBef>
+        <a:spcPts val="400"/>
+      </a:spcBef>
       <a:defRPr sz="1200">
-        <a:latin typeface="+mn-lt"/>
-        <a:ea typeface="+mn-ea"/>
-        <a:cs typeface="+mn-cs"/>
-        <a:sym typeface="Calibri"/>
+        <a:latin typeface="+mj-lt"/>
+        <a:ea typeface="+mj-ea"/>
+        <a:cs typeface="+mj-cs"/>
+        <a:sym typeface="Arial"/>
       </a:defRPr>
     </a:lvl5pPr>
     <a:lvl6pPr indent="1143000" latinLnBrk="0">
+      <a:spcBef>
+        <a:spcPts val="400"/>
+      </a:spcBef>
       <a:defRPr sz="1200">
-        <a:latin typeface="+mn-lt"/>
-        <a:ea typeface="+mn-ea"/>
-        <a:cs typeface="+mn-cs"/>
-        <a:sym typeface="Calibri"/>
+        <a:latin typeface="+mj-lt"/>
+        <a:ea typeface="+mj-ea"/>
+        <a:cs typeface="+mj-cs"/>
+        <a:sym typeface="Arial"/>
       </a:defRPr>
     </a:lvl6pPr>
     <a:lvl7pPr indent="1371600" latinLnBrk="0">
+      <a:spcBef>
+        <a:spcPts val="400"/>
+      </a:spcBef>
       <a:defRPr sz="1200">
-        <a:latin typeface="+mn-lt"/>
-        <a:ea typeface="+mn-ea"/>
-        <a:cs typeface="+mn-cs"/>
-        <a:sym typeface="Calibri"/>
+        <a:latin typeface="+mj-lt"/>
+        <a:ea typeface="+mj-ea"/>
+        <a:cs typeface="+mj-cs"/>
+        <a:sym typeface="Arial"/>
       </a:defRPr>
     </a:lvl7pPr>
     <a:lvl8pPr indent="1600200" latinLnBrk="0">
+      <a:spcBef>
+        <a:spcPts val="400"/>
+      </a:spcBef>
       <a:defRPr sz="1200">
-        <a:latin typeface="+mn-lt"/>
-        <a:ea typeface="+mn-ea"/>
-        <a:cs typeface="+mn-cs"/>
-        <a:sym typeface="Calibri"/>
+        <a:latin typeface="+mj-lt"/>
+        <a:ea typeface="+mj-ea"/>
+        <a:cs typeface="+mj-cs"/>
+        <a:sym typeface="Arial"/>
       </a:defRPr>
     </a:lvl8pPr>
     <a:lvl9pPr indent="1828800" latinLnBrk="0">
+      <a:spcBef>
+        <a:spcPts val="400"/>
+      </a:spcBef>
       <a:defRPr sz="1200">
-        <a:latin typeface="+mn-lt"/>
-        <a:ea typeface="+mn-ea"/>
-        <a:cs typeface="+mn-cs"/>
-        <a:sym typeface="Calibri"/>
+        <a:latin typeface="+mj-lt"/>
+        <a:ea typeface="+mj-ea"/>
+        <a:cs typeface="+mj-cs"/>
+        <a:sym typeface="Arial"/>
       </a:defRPr>
     </a:lvl9pPr>
   </p:notesStyle>
@@ -481,8 +504,8 @@
 </file>
 
 <file path=ppt/slideLayouts/slideLayout1.xml><?xml version="1.0" encoding="utf-8"?>
-<p:sldLayout xmlns:a="http://schemas.openxmlformats.org/drawingml/2006/main" xmlns:r="http://schemas.openxmlformats.org/officeDocument/2006/relationships" xmlns:p="http://schemas.openxmlformats.org/presentationml/2006/main" type="title">
-  <p:cSld name="Title Slide">
+<p:sldLayout xmlns:a="http://schemas.openxmlformats.org/drawingml/2006/main" xmlns:r="http://schemas.openxmlformats.org/officeDocument/2006/relationships" xmlns:p="http://schemas.openxmlformats.org/presentationml/2006/main" xmlns:m="http://schemas.openxmlformats.org/officeDocument/2006/math" xmlns:a14="http://schemas.microsoft.com/office/drawing/2010/main" type="tx" showMasterSp="1" showMasterPhAnim="1">
+  <p:cSld name="prelude">
     <p:spTree>
       <p:nvGrpSpPr>
         <p:cNvPr id="1" name=""/>
@@ -499,18 +522,43 @@
       </p:grpSpPr>
       <p:sp>
         <p:nvSpPr>
-          <p:cNvPr id="11" name="Title Text"/>
-          <p:cNvSpPr txBox="1">
-            <a:spLocks noGrp="1"/>
-          </p:cNvSpPr>
+          <p:cNvPr id="20" name="Picture Placeholder 7"/>
+          <p:cNvSpPr/>
+          <p:nvPr>
+            <p:ph type="pic" sz="half" idx="21"/>
+          </p:nvPr>
+        </p:nvSpPr>
+        <p:spPr>
+          <a:xfrm>
+            <a:off x="7772400" y="609600"/>
+            <a:ext cx="3048000" cy="5562600"/>
+          </a:xfrm>
+          <a:prstGeom prst="rect">
+            <a:avLst/>
+          </a:prstGeom>
+        </p:spPr>
+        <p:txBody>
+          <a:bodyPr lIns="91439" tIns="45719" rIns="91439" bIns="45719">
+            <a:noAutofit/>
+          </a:bodyPr>
+          <a:lstStyle/>
+          <a:p>
+            <a:pPr/>
+          </a:p>
+        </p:txBody>
+      </p:sp>
+      <p:sp>
+        <p:nvSpPr>
+          <p:cNvPr id="21" name="Title Text"/>
+          <p:cNvSpPr txBox="1"/>
           <p:nvPr>
             <p:ph type="title"/>
           </p:nvPr>
         </p:nvSpPr>
         <p:spPr>
           <a:xfrm>
-            <a:off x="685800" y="1597819"/>
-            <a:ext cx="7772400" cy="1102520"/>
+            <a:off x="264959" y="679008"/>
+            <a:ext cx="7385769" cy="5499984"/>
           </a:xfrm>
           <a:prstGeom prst="rect">
             <a:avLst/>
@@ -520,6 +568,7 @@
           <a:bodyPr/>
           <a:lstStyle/>
           <a:p>
+            <a:pPr/>
             <a:r>
               <a:t>Title Text</a:t>
             </a:r>
@@ -528,114 +577,8 @@
       </p:sp>
       <p:sp>
         <p:nvSpPr>
-          <p:cNvPr id="12" name="Body Level One…"/>
-          <p:cNvSpPr txBox="1">
-            <a:spLocks noGrp="1"/>
-          </p:cNvSpPr>
-          <p:nvPr>
-            <p:ph type="body" sz="quarter" idx="1"/>
-          </p:nvPr>
-        </p:nvSpPr>
-        <p:spPr>
-          <a:xfrm>
-            <a:off x="1371600" y="2914650"/>
-            <a:ext cx="6400800" cy="1314450"/>
-          </a:xfrm>
-          <a:prstGeom prst="rect">
-            <a:avLst/>
-          </a:prstGeom>
-        </p:spPr>
-        <p:txBody>
-          <a:bodyPr/>
-          <a:lstStyle>
-            <a:lvl1pPr marL="0" indent="0" algn="ctr">
-              <a:buSzTx/>
-              <a:buFontTx/>
-              <a:buNone/>
-              <a:defRPr>
-                <a:solidFill>
-                  <a:srgbClr val="888888"/>
-                </a:solidFill>
-              </a:defRPr>
-            </a:lvl1pPr>
-            <a:lvl2pPr marL="0" indent="457200" algn="ctr">
-              <a:buSzTx/>
-              <a:buFontTx/>
-              <a:buNone/>
-              <a:defRPr>
-                <a:solidFill>
-                  <a:srgbClr val="888888"/>
-                </a:solidFill>
-              </a:defRPr>
-            </a:lvl2pPr>
-            <a:lvl3pPr marL="0" indent="914400" algn="ctr">
-              <a:buSzTx/>
-              <a:buFontTx/>
-              <a:buNone/>
-              <a:defRPr>
-                <a:solidFill>
-                  <a:srgbClr val="888888"/>
-                </a:solidFill>
-              </a:defRPr>
-            </a:lvl3pPr>
-            <a:lvl4pPr marL="0" indent="1371600" algn="ctr">
-              <a:buSzTx/>
-              <a:buFontTx/>
-              <a:buNone/>
-              <a:defRPr>
-                <a:solidFill>
-                  <a:srgbClr val="888888"/>
-                </a:solidFill>
-              </a:defRPr>
-            </a:lvl4pPr>
-            <a:lvl5pPr marL="0" indent="1828800" algn="ctr">
-              <a:buSzTx/>
-              <a:buFontTx/>
-              <a:buNone/>
-              <a:defRPr>
-                <a:solidFill>
-                  <a:srgbClr val="888888"/>
-                </a:solidFill>
-              </a:defRPr>
-            </a:lvl5pPr>
-          </a:lstStyle>
-          <a:p>
-            <a:r>
-              <a:t>Body Level One</a:t>
-            </a:r>
-          </a:p>
-          <a:p>
-            <a:pPr lvl="1"/>
-            <a:r>
-              <a:t>Body Level Two</a:t>
-            </a:r>
-          </a:p>
-          <a:p>
-            <a:pPr lvl="2"/>
-            <a:r>
-              <a:t>Body Level Three</a:t>
-            </a:r>
-          </a:p>
-          <a:p>
-            <a:pPr lvl="3"/>
-            <a:r>
-              <a:t>Body Level Four</a:t>
-            </a:r>
-          </a:p>
-          <a:p>
-            <a:pPr lvl="4"/>
-            <a:r>
-              <a:t>Body Level Five</a:t>
-            </a:r>
-          </a:p>
-        </p:txBody>
-      </p:sp>
-      <p:sp>
-        <p:nvSpPr>
-          <p:cNvPr id="13" name="Slide Number"/>
-          <p:cNvSpPr txBox="1">
-            <a:spLocks noGrp="1"/>
-          </p:cNvSpPr>
+          <p:cNvPr id="22" name="Slide Number"/>
+          <p:cNvSpPr txBox="1"/>
           <p:nvPr>
             <p:ph type="sldNum" sz="quarter" idx="2"/>
           </p:nvPr>
@@ -649,10 +592,8 @@
           <a:bodyPr/>
           <a:lstStyle/>
           <a:p>
-            <a:fld id="{86CB4B4D-7CA3-9044-876B-883B54F8677D}" type="slidenum">
-              <a:t>‹#›</a:t>
-            </a:fld>
-            <a:endParaRPr/>
+            <a:pPr/>
+            <a:fld id="{86CB4B4D-7CA3-9044-876B-883B54F8677D}" type="slidenum"/>
           </a:p>
         </p:txBody>
       </p:sp>
@@ -661,13 +602,13 @@
   <p:clrMapOvr>
     <a:masterClrMapping/>
   </p:clrMapOvr>
-  <p:transition spd="med"/>
+  <p:transition xmlns:p14="http://schemas.microsoft.com/office/powerpoint/2010/main" spd="med" advClick="1"/>
 </p:sldLayout>
 </file>
 
-<file path=ppt/slideLayouts/slideLayout2.xml><?xml version="1.0" encoding="utf-8"?>
-<p:sldLayout xmlns:a="http://schemas.openxmlformats.org/drawingml/2006/main" xmlns:r="http://schemas.openxmlformats.org/officeDocument/2006/relationships" xmlns:p="http://schemas.openxmlformats.org/presentationml/2006/main" type="tx">
-  <p:cSld name="Title and Content">
+<file path=ppt/slideLayouts/slideLayout10.xml><?xml version="1.0" encoding="utf-8"?>
+<p:sldLayout xmlns:a="http://schemas.openxmlformats.org/drawingml/2006/main" xmlns:r="http://schemas.openxmlformats.org/officeDocument/2006/relationships" xmlns:p="http://schemas.openxmlformats.org/presentationml/2006/main" xmlns:m="http://schemas.openxmlformats.org/officeDocument/2006/math" xmlns:a14="http://schemas.microsoft.com/office/drawing/2010/main" type="tx" showMasterSp="1" showMasterPhAnim="1">
+  <p:cSld name="hymn_lyrics">
     <p:spTree>
       <p:nvGrpSpPr>
         <p:cNvPr id="1" name=""/>
@@ -684,15 +625,49 @@
       </p:grpSpPr>
       <p:sp>
         <p:nvSpPr>
-          <p:cNvPr id="20" name="Title Text"/>
-          <p:cNvSpPr txBox="1">
-            <a:spLocks noGrp="1"/>
-          </p:cNvSpPr>
+          <p:cNvPr id="94" name="Body Level One…"/>
+          <p:cNvSpPr txBox="1"/>
           <p:nvPr>
-            <p:ph type="title"/>
+            <p:ph type="body" idx="21" hasCustomPrompt="1"/>
           </p:nvPr>
         </p:nvSpPr>
         <p:spPr>
+          <a:xfrm>
+            <a:off x="406400" y="589901"/>
+            <a:ext cx="11379200" cy="5678198"/>
+          </a:xfrm>
+          <a:prstGeom prst="rect">
+            <a:avLst/>
+          </a:prstGeom>
+        </p:spPr>
+        <p:txBody>
+          <a:bodyPr/>
+          <a:lstStyle>
+            <a:lvl1pPr algn="ctr">
+              <a:defRPr sz="7200"/>
+            </a:lvl1pPr>
+          </a:lstStyle>
+          <a:p>
+            <a:pPr/>
+            <a:r>
+              <a:t>惟獨仰賴活聖靈</a:t>
+            </a:r>
+          </a:p>
+        </p:txBody>
+      </p:sp>
+      <p:sp>
+        <p:nvSpPr>
+          <p:cNvPr id="95" name="Slide Number"/>
+          <p:cNvSpPr txBox="1"/>
+          <p:nvPr>
+            <p:ph type="sldNum" sz="quarter" idx="2"/>
+          </p:nvPr>
+        </p:nvSpPr>
+        <p:spPr>
+          <a:xfrm>
+            <a:off x="5892800" y="6172200"/>
+            <a:ext cx="2844800" cy="368301"/>
+          </a:xfrm>
           <a:prstGeom prst="rect">
             <a:avLst/>
           </a:prstGeom>
@@ -701,84 +676,8 @@
           <a:bodyPr/>
           <a:lstStyle/>
           <a:p>
-            <a:r>
-              <a:t>Title Text</a:t>
-            </a:r>
-          </a:p>
-        </p:txBody>
-      </p:sp>
-      <p:sp>
-        <p:nvSpPr>
-          <p:cNvPr id="21" name="Body Level One…"/>
-          <p:cNvSpPr txBox="1">
-            <a:spLocks noGrp="1"/>
-          </p:cNvSpPr>
-          <p:nvPr>
-            <p:ph type="body" idx="1"/>
-          </p:nvPr>
-        </p:nvSpPr>
-        <p:spPr>
-          <a:prstGeom prst="rect">
-            <a:avLst/>
-          </a:prstGeom>
-        </p:spPr>
-        <p:txBody>
-          <a:bodyPr/>
-          <a:lstStyle/>
-          <a:p>
-            <a:r>
-              <a:t>Body Level One</a:t>
-            </a:r>
-          </a:p>
-          <a:p>
-            <a:pPr lvl="1"/>
-            <a:r>
-              <a:t>Body Level Two</a:t>
-            </a:r>
-          </a:p>
-          <a:p>
-            <a:pPr lvl="2"/>
-            <a:r>
-              <a:t>Body Level Three</a:t>
-            </a:r>
-          </a:p>
-          <a:p>
-            <a:pPr lvl="3"/>
-            <a:r>
-              <a:t>Body Level Four</a:t>
-            </a:r>
-          </a:p>
-          <a:p>
-            <a:pPr lvl="4"/>
-            <a:r>
-              <a:t>Body Level Five</a:t>
-            </a:r>
-          </a:p>
-        </p:txBody>
-      </p:sp>
-      <p:sp>
-        <p:nvSpPr>
-          <p:cNvPr id="22" name="Slide Number"/>
-          <p:cNvSpPr txBox="1">
-            <a:spLocks noGrp="1"/>
-          </p:cNvSpPr>
-          <p:nvPr>
-            <p:ph type="sldNum" sz="quarter" idx="2"/>
-          </p:nvPr>
-        </p:nvSpPr>
-        <p:spPr>
-          <a:prstGeom prst="rect">
-            <a:avLst/>
-          </a:prstGeom>
-        </p:spPr>
-        <p:txBody>
-          <a:bodyPr/>
-          <a:lstStyle/>
-          <a:p>
-            <a:fld id="{86CB4B4D-7CA3-9044-876B-883B54F8677D}" type="slidenum">
-              <a:t>‹#›</a:t>
-            </a:fld>
-            <a:endParaRPr/>
+            <a:pPr/>
+            <a:fld id="{86CB4B4D-7CA3-9044-876B-883B54F8677D}" type="slidenum"/>
           </a:p>
         </p:txBody>
       </p:sp>
@@ -787,13 +686,13 @@
   <p:clrMapOvr>
     <a:masterClrMapping/>
   </p:clrMapOvr>
-  <p:transition spd="med"/>
+  <p:transition xmlns:p14="http://schemas.microsoft.com/office/powerpoint/2010/main" spd="med" advClick="1"/>
 </p:sldLayout>
 </file>
 
-<file path=ppt/slideLayouts/slideLayout3.xml><?xml version="1.0" encoding="utf-8"?>
-<p:sldLayout xmlns:a="http://schemas.openxmlformats.org/drawingml/2006/main" xmlns:r="http://schemas.openxmlformats.org/officeDocument/2006/relationships" xmlns:p="http://schemas.openxmlformats.org/presentationml/2006/main" type="tx">
-  <p:cSld name="Section Header">
+<file path=ppt/slideLayouts/slideLayout2.xml><?xml version="1.0" encoding="utf-8"?>
+<p:sldLayout xmlns:a="http://schemas.openxmlformats.org/drawingml/2006/main" xmlns:r="http://schemas.openxmlformats.org/officeDocument/2006/relationships" xmlns:p="http://schemas.openxmlformats.org/presentationml/2006/main" xmlns:m="http://schemas.openxmlformats.org/officeDocument/2006/math" xmlns:a14="http://schemas.microsoft.com/office/drawing/2010/main" type="tx" showMasterSp="1" showMasterPhAnim="1">
+  <p:cSld name="message">
     <p:spTree>
       <p:nvGrpSpPr>
         <p:cNvPr id="1" name=""/>
@@ -810,162 +709,49 @@
       </p:grpSpPr>
       <p:sp>
         <p:nvSpPr>
-          <p:cNvPr id="29" name="Title Text"/>
-          <p:cNvSpPr txBox="1">
-            <a:spLocks noGrp="1"/>
-          </p:cNvSpPr>
+          <p:cNvPr id="29" name="Body Level One…"/>
+          <p:cNvSpPr txBox="1"/>
           <p:nvPr>
-            <p:ph type="title"/>
+            <p:ph type="body" idx="21" hasCustomPrompt="1"/>
           </p:nvPr>
         </p:nvSpPr>
         <p:spPr>
           <a:xfrm>
-            <a:off x="722312" y="3305176"/>
-            <a:ext cx="7772401" cy="1021557"/>
+            <a:off x="406400" y="1843762"/>
+            <a:ext cx="11379201" cy="3170476"/>
           </a:xfrm>
           <a:prstGeom prst="rect">
             <a:avLst/>
           </a:prstGeom>
         </p:spPr>
         <p:txBody>
-          <a:bodyPr anchor="t"/>
+          <a:bodyPr/>
           <a:lstStyle>
-            <a:lvl1pPr algn="l">
-              <a:defRPr sz="4000" b="1" cap="all"/>
+            <a:lvl1pPr marL="339470" indent="-339470" defTabSz="905255">
+              <a:spcBef>
+                <a:spcPts val="400"/>
+              </a:spcBef>
+              <a:defRPr sz="6336">
+                <a:effectLst>
+                  <a:outerShdw sx="100000" sy="100000" kx="0" ky="0" algn="b" rotWithShape="0" blurRad="37719" dist="37719" dir="2700000">
+                    <a:srgbClr val="0B0F14"/>
+                  </a:outerShdw>
+                </a:effectLst>
+              </a:defRPr>
             </a:lvl1pPr>
           </a:lstStyle>
           <a:p>
+            <a:pPr/>
             <a:r>
-              <a:t>Title Text</a:t>
+              <a:t>惟耶和華在他的聖殿中；全地的人，都當在他面前肅敬靜默。</a:t>
             </a:r>
           </a:p>
         </p:txBody>
       </p:sp>
       <p:sp>
         <p:nvSpPr>
-          <p:cNvPr id="30" name="Body Level One…"/>
-          <p:cNvSpPr txBox="1">
-            <a:spLocks noGrp="1"/>
-          </p:cNvSpPr>
-          <p:nvPr>
-            <p:ph type="body" sz="quarter" idx="1"/>
-          </p:nvPr>
-        </p:nvSpPr>
-        <p:spPr>
-          <a:xfrm>
-            <a:off x="722312" y="2180034"/>
-            <a:ext cx="7772401" cy="1125141"/>
-          </a:xfrm>
-          <a:prstGeom prst="rect">
-            <a:avLst/>
-          </a:prstGeom>
-        </p:spPr>
-        <p:txBody>
-          <a:bodyPr anchor="b"/>
-          <a:lstStyle>
-            <a:lvl1pPr marL="0" indent="0">
-              <a:spcBef>
-                <a:spcPts val="400"/>
-              </a:spcBef>
-              <a:buSzTx/>
-              <a:buFontTx/>
-              <a:buNone/>
-              <a:defRPr sz="2000">
-                <a:solidFill>
-                  <a:srgbClr val="888888"/>
-                </a:solidFill>
-              </a:defRPr>
-            </a:lvl1pPr>
-            <a:lvl2pPr marL="0" indent="457200">
-              <a:spcBef>
-                <a:spcPts val="400"/>
-              </a:spcBef>
-              <a:buSzTx/>
-              <a:buFontTx/>
-              <a:buNone/>
-              <a:defRPr sz="2000">
-                <a:solidFill>
-                  <a:srgbClr val="888888"/>
-                </a:solidFill>
-              </a:defRPr>
-            </a:lvl2pPr>
-            <a:lvl3pPr marL="0" indent="914400">
-              <a:spcBef>
-                <a:spcPts val="400"/>
-              </a:spcBef>
-              <a:buSzTx/>
-              <a:buFontTx/>
-              <a:buNone/>
-              <a:defRPr sz="2000">
-                <a:solidFill>
-                  <a:srgbClr val="888888"/>
-                </a:solidFill>
-              </a:defRPr>
-            </a:lvl3pPr>
-            <a:lvl4pPr marL="0" indent="1371600">
-              <a:spcBef>
-                <a:spcPts val="400"/>
-              </a:spcBef>
-              <a:buSzTx/>
-              <a:buFontTx/>
-              <a:buNone/>
-              <a:defRPr sz="2000">
-                <a:solidFill>
-                  <a:srgbClr val="888888"/>
-                </a:solidFill>
-              </a:defRPr>
-            </a:lvl4pPr>
-            <a:lvl5pPr marL="0" indent="1828800">
-              <a:spcBef>
-                <a:spcPts val="400"/>
-              </a:spcBef>
-              <a:buSzTx/>
-              <a:buFontTx/>
-              <a:buNone/>
-              <a:defRPr sz="2000">
-                <a:solidFill>
-                  <a:srgbClr val="888888"/>
-                </a:solidFill>
-              </a:defRPr>
-            </a:lvl5pPr>
-          </a:lstStyle>
-          <a:p>
-            <a:r>
-              <a:t>Body Level One</a:t>
-            </a:r>
-          </a:p>
-          <a:p>
-            <a:pPr lvl="1"/>
-            <a:r>
-              <a:t>Body Level Two</a:t>
-            </a:r>
-          </a:p>
-          <a:p>
-            <a:pPr lvl="2"/>
-            <a:r>
-              <a:t>Body Level Three</a:t>
-            </a:r>
-          </a:p>
-          <a:p>
-            <a:pPr lvl="3"/>
-            <a:r>
-              <a:t>Body Level Four</a:t>
-            </a:r>
-          </a:p>
-          <a:p>
-            <a:pPr lvl="4"/>
-            <a:r>
-              <a:t>Body Level Five</a:t>
-            </a:r>
-          </a:p>
-        </p:txBody>
-      </p:sp>
-      <p:sp>
-        <p:nvSpPr>
-          <p:cNvPr id="31" name="Slide Number"/>
-          <p:cNvSpPr txBox="1">
-            <a:spLocks noGrp="1"/>
-          </p:cNvSpPr>
+          <p:cNvPr id="30" name="Slide Number"/>
+          <p:cNvSpPr txBox="1"/>
           <p:nvPr>
             <p:ph type="sldNum" sz="quarter" idx="2"/>
           </p:nvPr>
@@ -979,10 +765,8 @@
           <a:bodyPr/>
           <a:lstStyle/>
           <a:p>
-            <a:fld id="{86CB4B4D-7CA3-9044-876B-883B54F8677D}" type="slidenum">
-              <a:t>‹#›</a:t>
-            </a:fld>
-            <a:endParaRPr/>
+            <a:pPr/>
+            <a:fld id="{86CB4B4D-7CA3-9044-876B-883B54F8677D}" type="slidenum"/>
           </a:p>
         </p:txBody>
       </p:sp>
@@ -991,13 +775,13 @@
   <p:clrMapOvr>
     <a:masterClrMapping/>
   </p:clrMapOvr>
-  <p:transition spd="med"/>
+  <p:transition xmlns:p14="http://schemas.microsoft.com/office/powerpoint/2010/main" spd="med" advClick="1"/>
 </p:sldLayout>
 </file>
 
-<file path=ppt/slideLayouts/slideLayout4.xml><?xml version="1.0" encoding="utf-8"?>
-<p:sldLayout xmlns:a="http://schemas.openxmlformats.org/drawingml/2006/main" xmlns:r="http://schemas.openxmlformats.org/officeDocument/2006/relationships" xmlns:p="http://schemas.openxmlformats.org/presentationml/2006/main" type="tx">
-  <p:cSld name="Two Content">
+<file path=ppt/slideLayouts/slideLayout3.xml><?xml version="1.0" encoding="utf-8"?>
+<p:sldLayout xmlns:a="http://schemas.openxmlformats.org/drawingml/2006/main" xmlns:r="http://schemas.openxmlformats.org/officeDocument/2006/relationships" xmlns:p="http://schemas.openxmlformats.org/presentationml/2006/main" xmlns:m="http://schemas.openxmlformats.org/officeDocument/2006/math" xmlns:a14="http://schemas.microsoft.com/office/drawing/2010/main" type="tx" showMasterSp="1" showMasterPhAnim="1">
+  <p:cSld name="verse">
     <p:spTree>
       <p:nvGrpSpPr>
         <p:cNvPr id="1" name=""/>
@@ -1014,12 +798,10 @@
       </p:grpSpPr>
       <p:sp>
         <p:nvSpPr>
-          <p:cNvPr id="38" name="Title Text"/>
-          <p:cNvSpPr txBox="1">
-            <a:spLocks noGrp="1"/>
-          </p:cNvSpPr>
+          <p:cNvPr id="37" name="約翰福音 3:16"/>
+          <p:cNvSpPr txBox="1"/>
           <p:nvPr>
-            <p:ph type="title"/>
+            <p:ph type="title" hasCustomPrompt="1"/>
           </p:nvPr>
         </p:nvSpPr>
         <p:spPr>
@@ -1031,102 +813,41 @@
           <a:bodyPr/>
           <a:lstStyle/>
           <a:p>
+            <a:pPr/>
             <a:r>
-              <a:t>Title Text</a:t>
+              <a:t>約翰福音 3:16</a:t>
             </a:r>
           </a:p>
         </p:txBody>
       </p:sp>
       <p:sp>
         <p:nvSpPr>
-          <p:cNvPr id="39" name="Body Level One…"/>
-          <p:cNvSpPr txBox="1">
-            <a:spLocks noGrp="1"/>
-          </p:cNvSpPr>
+          <p:cNvPr id="38" name="Body Level One…"/>
+          <p:cNvSpPr txBox="1"/>
           <p:nvPr>
-            <p:ph type="body" sz="half" idx="1"/>
+            <p:ph type="body" idx="21" hasCustomPrompt="1"/>
           </p:nvPr>
         </p:nvSpPr>
         <p:spPr>
-          <a:xfrm>
-            <a:off x="457200" y="1200150"/>
-            <a:ext cx="4038600" cy="3394473"/>
-          </a:xfrm>
           <a:prstGeom prst="rect">
             <a:avLst/>
           </a:prstGeom>
         </p:spPr>
         <p:txBody>
           <a:bodyPr/>
-          <a:lstStyle>
-            <a:lvl1pPr>
-              <a:spcBef>
-                <a:spcPts val="600"/>
-              </a:spcBef>
-              <a:defRPr sz="2800"/>
-            </a:lvl1pPr>
-            <a:lvl2pPr marL="790575" indent="-333375">
-              <a:spcBef>
-                <a:spcPts val="600"/>
-              </a:spcBef>
-              <a:defRPr sz="2800"/>
-            </a:lvl2pPr>
-            <a:lvl3pPr marL="1234439" indent="-320039">
-              <a:spcBef>
-                <a:spcPts val="600"/>
-              </a:spcBef>
-              <a:defRPr sz="2800"/>
-            </a:lvl3pPr>
-            <a:lvl4pPr marL="1727200" indent="-355600">
-              <a:spcBef>
-                <a:spcPts val="600"/>
-              </a:spcBef>
-              <a:defRPr sz="2800"/>
-            </a:lvl4pPr>
-            <a:lvl5pPr marL="2184400" indent="-355600">
-              <a:spcBef>
-                <a:spcPts val="600"/>
-              </a:spcBef>
-              <a:defRPr sz="2800"/>
-            </a:lvl5pPr>
-          </a:lstStyle>
-          <a:p>
+          <a:lstStyle/>
+          <a:p>
+            <a:pPr/>
             <a:r>
-              <a:t>Body Level One</a:t>
-            </a:r>
-          </a:p>
-          <a:p>
-            <a:pPr lvl="1"/>
-            <a:r>
-              <a:t>Body Level Two</a:t>
-            </a:r>
-          </a:p>
-          <a:p>
-            <a:pPr lvl="2"/>
-            <a:r>
-              <a:t>Body Level Three</a:t>
-            </a:r>
-          </a:p>
-          <a:p>
-            <a:pPr lvl="3"/>
-            <a:r>
-              <a:t>Body Level Four</a:t>
-            </a:r>
-          </a:p>
-          <a:p>
-            <a:pPr lvl="4"/>
-            <a:r>
-              <a:t>Body Level Five</a:t>
+              <a:t>神愛世人，甚至將他的獨生子賜給他們，叫一切信他的不至滅亡反得永生。</a:t>
             </a:r>
           </a:p>
         </p:txBody>
       </p:sp>
       <p:sp>
         <p:nvSpPr>
-          <p:cNvPr id="40" name="Slide Number"/>
-          <p:cNvSpPr txBox="1">
-            <a:spLocks noGrp="1"/>
-          </p:cNvSpPr>
+          <p:cNvPr id="39" name="Slide Number"/>
+          <p:cNvSpPr txBox="1"/>
           <p:nvPr>
             <p:ph type="sldNum" sz="quarter" idx="2"/>
           </p:nvPr>
@@ -1140,10 +861,8 @@
           <a:bodyPr/>
           <a:lstStyle/>
           <a:p>
-            <a:fld id="{86CB4B4D-7CA3-9044-876B-883B54F8677D}" type="slidenum">
-              <a:t>‹#›</a:t>
-            </a:fld>
-            <a:endParaRPr/>
+            <a:pPr/>
+            <a:fld id="{86CB4B4D-7CA3-9044-876B-883B54F8677D}" type="slidenum"/>
           </a:p>
         </p:txBody>
       </p:sp>
@@ -1152,13 +871,13 @@
   <p:clrMapOvr>
     <a:masterClrMapping/>
   </p:clrMapOvr>
-  <p:transition spd="med"/>
+  <p:transition xmlns:p14="http://schemas.microsoft.com/office/powerpoint/2010/main" spd="med" advClick="1"/>
 </p:sldLayout>
 </file>
 
-<file path=ppt/slideLayouts/slideLayout5.xml><?xml version="1.0" encoding="utf-8"?>
-<p:sldLayout xmlns:a="http://schemas.openxmlformats.org/drawingml/2006/main" xmlns:r="http://schemas.openxmlformats.org/officeDocument/2006/relationships" xmlns:p="http://schemas.openxmlformats.org/presentationml/2006/main" type="tx">
-  <p:cSld name="Comparison">
+<file path=ppt/slideLayouts/slideLayout4.xml><?xml version="1.0" encoding="utf-8"?>
+<p:sldLayout xmlns:a="http://schemas.openxmlformats.org/drawingml/2006/main" xmlns:r="http://schemas.openxmlformats.org/officeDocument/2006/relationships" xmlns:p="http://schemas.openxmlformats.org/presentationml/2006/main" xmlns:m="http://schemas.openxmlformats.org/officeDocument/2006/math" xmlns:a14="http://schemas.microsoft.com/office/drawing/2010/main" type="tx" showMasterSp="1" showMasterPhAnim="1">
+  <p:cSld name="memorize">
     <p:spTree>
       <p:nvGrpSpPr>
         <p:cNvPr id="1" name=""/>
@@ -1175,12 +894,43 @@
       </p:grpSpPr>
       <p:sp>
         <p:nvSpPr>
-          <p:cNvPr id="47" name="Title Text"/>
-          <p:cNvSpPr txBox="1">
-            <a:spLocks noGrp="1"/>
-          </p:cNvSpPr>
+          <p:cNvPr id="46" name="本週金句"/>
+          <p:cNvSpPr txBox="1"/>
           <p:nvPr>
-            <p:ph type="title"/>
+            <p:ph type="title" hasCustomPrompt="1"/>
+          </p:nvPr>
+        </p:nvSpPr>
+        <p:spPr>
+          <a:prstGeom prst="rect">
+            <a:avLst/>
+          </a:prstGeom>
+        </p:spPr>
+        <p:txBody>
+          <a:bodyPr/>
+          <a:lstStyle>
+            <a:lvl1pPr>
+              <a:defRPr b="1" sz="6000">
+                <a:latin typeface="Helvetica Neue"/>
+                <a:ea typeface="Helvetica Neue"/>
+                <a:cs typeface="Helvetica Neue"/>
+                <a:sym typeface="Helvetica Neue"/>
+              </a:defRPr>
+            </a:lvl1pPr>
+          </a:lstStyle>
+          <a:p>
+            <a:pPr/>
+            <a:r>
+              <a:t>本週金句</a:t>
+            </a:r>
+          </a:p>
+        </p:txBody>
+      </p:sp>
+      <p:sp>
+        <p:nvSpPr>
+          <p:cNvPr id="47" name="Body Level One…"/>
+          <p:cNvSpPr txBox="1"/>
+          <p:nvPr>
+            <p:ph type="body" idx="21" hasCustomPrompt="1"/>
           </p:nvPr>
         </p:nvSpPr>
         <p:spPr>
@@ -1192,153 +942,17 @@
           <a:bodyPr/>
           <a:lstStyle/>
           <a:p>
+            <a:pPr/>
             <a:r>
-              <a:t>Title Text</a:t>
+              <a:t>       神愛世人，甚至將他的獨生子賜給他們，叫一切信他的不至滅亡反得永生。</a:t>
             </a:r>
           </a:p>
         </p:txBody>
       </p:sp>
       <p:sp>
         <p:nvSpPr>
-          <p:cNvPr id="48" name="Body Level One…"/>
-          <p:cNvSpPr txBox="1">
-            <a:spLocks noGrp="1"/>
-          </p:cNvSpPr>
-          <p:nvPr>
-            <p:ph type="body" sz="quarter" idx="1"/>
-          </p:nvPr>
-        </p:nvSpPr>
-        <p:spPr>
-          <a:xfrm>
-            <a:off x="457200" y="1151334"/>
-            <a:ext cx="4040188" cy="479823"/>
-          </a:xfrm>
-          <a:prstGeom prst="rect">
-            <a:avLst/>
-          </a:prstGeom>
-        </p:spPr>
-        <p:txBody>
-          <a:bodyPr anchor="b"/>
-          <a:lstStyle>
-            <a:lvl1pPr marL="0" indent="0">
-              <a:spcBef>
-                <a:spcPts val="500"/>
-              </a:spcBef>
-              <a:buSzTx/>
-              <a:buFontTx/>
-              <a:buNone/>
-              <a:defRPr sz="2400" b="1"/>
-            </a:lvl1pPr>
-            <a:lvl2pPr marL="0" indent="457200">
-              <a:spcBef>
-                <a:spcPts val="500"/>
-              </a:spcBef>
-              <a:buSzTx/>
-              <a:buFontTx/>
-              <a:buNone/>
-              <a:defRPr sz="2400" b="1"/>
-            </a:lvl2pPr>
-            <a:lvl3pPr marL="0" indent="914400">
-              <a:spcBef>
-                <a:spcPts val="500"/>
-              </a:spcBef>
-              <a:buSzTx/>
-              <a:buFontTx/>
-              <a:buNone/>
-              <a:defRPr sz="2400" b="1"/>
-            </a:lvl3pPr>
-            <a:lvl4pPr marL="0" indent="1371600">
-              <a:spcBef>
-                <a:spcPts val="500"/>
-              </a:spcBef>
-              <a:buSzTx/>
-              <a:buFontTx/>
-              <a:buNone/>
-              <a:defRPr sz="2400" b="1"/>
-            </a:lvl4pPr>
-            <a:lvl5pPr marL="0" indent="1828800">
-              <a:spcBef>
-                <a:spcPts val="500"/>
-              </a:spcBef>
-              <a:buSzTx/>
-              <a:buFontTx/>
-              <a:buNone/>
-              <a:defRPr sz="2400" b="1"/>
-            </a:lvl5pPr>
-          </a:lstStyle>
-          <a:p>
-            <a:r>
-              <a:t>Body Level One</a:t>
-            </a:r>
-          </a:p>
-          <a:p>
-            <a:pPr lvl="1"/>
-            <a:r>
-              <a:t>Body Level Two</a:t>
-            </a:r>
-          </a:p>
-          <a:p>
-            <a:pPr lvl="2"/>
-            <a:r>
-              <a:t>Body Level Three</a:t>
-            </a:r>
-          </a:p>
-          <a:p>
-            <a:pPr lvl="3"/>
-            <a:r>
-              <a:t>Body Level Four</a:t>
-            </a:r>
-          </a:p>
-          <a:p>
-            <a:pPr lvl="4"/>
-            <a:r>
-              <a:t>Body Level Five</a:t>
-            </a:r>
-          </a:p>
-        </p:txBody>
-      </p:sp>
-      <p:sp>
-        <p:nvSpPr>
-          <p:cNvPr id="49" name="Text Placeholder 4"/>
-          <p:cNvSpPr>
-            <a:spLocks noGrp="1"/>
-          </p:cNvSpPr>
-          <p:nvPr>
-            <p:ph type="body" sz="quarter" idx="13"/>
-          </p:nvPr>
-        </p:nvSpPr>
-        <p:spPr>
-          <a:xfrm>
-            <a:off x="4645026" y="1151334"/>
-            <a:ext cx="4041776" cy="479823"/>
-          </a:xfrm>
-          <a:prstGeom prst="rect">
-            <a:avLst/>
-          </a:prstGeom>
-        </p:spPr>
-        <p:txBody>
-          <a:bodyPr anchor="b"/>
-          <a:lstStyle/>
-          <a:p>
-            <a:pPr marL="0" indent="0">
-              <a:spcBef>
-                <a:spcPts val="500"/>
-              </a:spcBef>
-              <a:buSzTx/>
-              <a:buFontTx/>
-              <a:buNone/>
-              <a:defRPr sz="2400" b="1"/>
-            </a:pPr>
-            <a:endParaRPr/>
-          </a:p>
-        </p:txBody>
-      </p:sp>
-      <p:sp>
-        <p:nvSpPr>
-          <p:cNvPr id="50" name="Slide Number"/>
-          <p:cNvSpPr txBox="1">
-            <a:spLocks noGrp="1"/>
-          </p:cNvSpPr>
+          <p:cNvPr id="48" name="Slide Number"/>
+          <p:cNvSpPr txBox="1"/>
           <p:nvPr>
             <p:ph type="sldNum" sz="quarter" idx="2"/>
           </p:nvPr>
@@ -1352,10 +966,8 @@
           <a:bodyPr/>
           <a:lstStyle/>
           <a:p>
-            <a:fld id="{86CB4B4D-7CA3-9044-876B-883B54F8677D}" type="slidenum">
-              <a:t>‹#›</a:t>
-            </a:fld>
-            <a:endParaRPr/>
+            <a:pPr/>
+            <a:fld id="{86CB4B4D-7CA3-9044-876B-883B54F8677D}" type="slidenum"/>
           </a:p>
         </p:txBody>
       </p:sp>
@@ -1364,13 +976,13 @@
   <p:clrMapOvr>
     <a:masterClrMapping/>
   </p:clrMapOvr>
-  <p:transition spd="med"/>
+  <p:transition xmlns:p14="http://schemas.microsoft.com/office/powerpoint/2010/main" spd="med" advClick="1"/>
 </p:sldLayout>
 </file>
 
-<file path=ppt/slideLayouts/slideLayout6.xml><?xml version="1.0" encoding="utf-8"?>
-<p:sldLayout xmlns:a="http://schemas.openxmlformats.org/drawingml/2006/main" xmlns:r="http://schemas.openxmlformats.org/officeDocument/2006/relationships" xmlns:p="http://schemas.openxmlformats.org/presentationml/2006/main" type="tx">
-  <p:cSld name="Title Only">
+<file path=ppt/slideLayouts/slideLayout5.xml><?xml version="1.0" encoding="utf-8"?>
+<p:sldLayout xmlns:a="http://schemas.openxmlformats.org/drawingml/2006/main" xmlns:r="http://schemas.openxmlformats.org/officeDocument/2006/relationships" xmlns:p="http://schemas.openxmlformats.org/presentationml/2006/main" xmlns:m="http://schemas.openxmlformats.org/officeDocument/2006/math" xmlns:a14="http://schemas.microsoft.com/office/drawing/2010/main" type="tx" showMasterSp="1" showMasterPhAnim="1">
+  <p:cSld name="teaching">
     <p:spTree>
       <p:nvGrpSpPr>
         <p:cNvPr id="1" name=""/>
@@ -1387,12 +999,10 @@
       </p:grpSpPr>
       <p:sp>
         <p:nvSpPr>
-          <p:cNvPr id="57" name="Title Text"/>
-          <p:cNvSpPr txBox="1">
-            <a:spLocks noGrp="1"/>
-          </p:cNvSpPr>
+          <p:cNvPr id="55" name="信息"/>
+          <p:cNvSpPr txBox="1"/>
           <p:nvPr>
-            <p:ph type="title"/>
+            <p:ph type="title" hasCustomPrompt="1"/>
           </p:nvPr>
         </p:nvSpPr>
         <p:spPr>
@@ -1402,20 +1012,54 @@
         </p:spPr>
         <p:txBody>
           <a:bodyPr/>
-          <a:lstStyle/>
-          <a:p>
+          <a:lstStyle>
+            <a:lvl1pPr>
+              <a:defRPr b="1" sz="6000">
+                <a:latin typeface="Helvetica Neue"/>
+                <a:ea typeface="Helvetica Neue"/>
+                <a:cs typeface="Helvetica Neue"/>
+                <a:sym typeface="Helvetica Neue"/>
+              </a:defRPr>
+            </a:lvl1pPr>
+          </a:lstStyle>
+          <a:p>
+            <a:pPr/>
             <a:r>
-              <a:t>Title Text</a:t>
+              <a:t>信息</a:t>
             </a:r>
           </a:p>
         </p:txBody>
       </p:sp>
       <p:sp>
         <p:nvSpPr>
-          <p:cNvPr id="58" name="Slide Number"/>
-          <p:cNvSpPr txBox="1">
-            <a:spLocks noGrp="1"/>
-          </p:cNvSpPr>
+          <p:cNvPr id="56" name="Body Level One…"/>
+          <p:cNvSpPr txBox="1"/>
+          <p:nvPr>
+            <p:ph type="body" idx="21" hasCustomPrompt="1"/>
+          </p:nvPr>
+        </p:nvSpPr>
+        <p:spPr>
+          <a:prstGeom prst="rect">
+            <a:avLst/>
+          </a:prstGeom>
+        </p:spPr>
+        <p:txBody>
+          <a:bodyPr/>
+          <a:lstStyle>
+            <a:lvl1pPr algn="ctr"/>
+          </a:lstStyle>
+          <a:p>
+            <a:pPr/>
+            <a:r>
+              <a:t>神愛世人</a:t>
+            </a:r>
+          </a:p>
+        </p:txBody>
+      </p:sp>
+      <p:sp>
+        <p:nvSpPr>
+          <p:cNvPr id="57" name="Slide Number"/>
+          <p:cNvSpPr txBox="1"/>
           <p:nvPr>
             <p:ph type="sldNum" sz="quarter" idx="2"/>
           </p:nvPr>
@@ -1429,10 +1073,8 @@
           <a:bodyPr/>
           <a:lstStyle/>
           <a:p>
-            <a:fld id="{86CB4B4D-7CA3-9044-876B-883B54F8677D}" type="slidenum">
-              <a:t>‹#›</a:t>
-            </a:fld>
-            <a:endParaRPr/>
+            <a:pPr/>
+            <a:fld id="{86CB4B4D-7CA3-9044-876B-883B54F8677D}" type="slidenum"/>
           </a:p>
         </p:txBody>
       </p:sp>
@@ -1441,12 +1083,97 @@
   <p:clrMapOvr>
     <a:masterClrMapping/>
   </p:clrMapOvr>
-  <p:transition spd="med"/>
+  <p:transition xmlns:p14="http://schemas.microsoft.com/office/powerpoint/2010/main" spd="med" advClick="1"/>
+</p:sldLayout>
+</file>
+
+<file path=ppt/slideLayouts/slideLayout6.xml><?xml version="1.0" encoding="utf-8"?>
+<p:sldLayout xmlns:a="http://schemas.openxmlformats.org/drawingml/2006/main" xmlns:r="http://schemas.openxmlformats.org/officeDocument/2006/relationships" xmlns:p="http://schemas.openxmlformats.org/presentationml/2006/main" xmlns:m="http://schemas.openxmlformats.org/officeDocument/2006/math" xmlns:a14="http://schemas.microsoft.com/office/drawing/2010/main" type="tx" showMasterSp="1" showMasterPhAnim="1">
+  <p:cSld name="section">
+    <p:spTree>
+      <p:nvGrpSpPr>
+        <p:cNvPr id="1" name=""/>
+        <p:cNvGrpSpPr/>
+        <p:nvPr/>
+      </p:nvGrpSpPr>
+      <p:grpSpPr>
+        <a:xfrm>
+          <a:off x="0" y="0"/>
+          <a:ext cx="0" cy="0"/>
+          <a:chOff x="0" y="0"/>
+          <a:chExt cx="0" cy="0"/>
+        </a:xfrm>
+      </p:grpSpPr>
+      <p:sp>
+        <p:nvSpPr>
+          <p:cNvPr id="64" name="頌讚"/>
+          <p:cNvSpPr txBox="1"/>
+          <p:nvPr>
+            <p:ph type="title" hasCustomPrompt="1"/>
+          </p:nvPr>
+        </p:nvSpPr>
+        <p:spPr>
+          <a:xfrm>
+            <a:off x="1219199" y="2670967"/>
+            <a:ext cx="9753601" cy="1516065"/>
+          </a:xfrm>
+          <a:prstGeom prst="rect">
+            <a:avLst/>
+          </a:prstGeom>
+        </p:spPr>
+        <p:txBody>
+          <a:bodyPr/>
+          <a:lstStyle>
+            <a:lvl1pPr>
+              <a:defRPr b="1">
+                <a:latin typeface="Helvetica Neue"/>
+                <a:ea typeface="Helvetica Neue"/>
+                <a:cs typeface="Helvetica Neue"/>
+                <a:sym typeface="Helvetica Neue"/>
+              </a:defRPr>
+            </a:lvl1pPr>
+          </a:lstStyle>
+          <a:p>
+            <a:pPr/>
+            <a:r>
+              <a:t>頌讚</a:t>
+            </a:r>
+          </a:p>
+        </p:txBody>
+      </p:sp>
+      <p:sp>
+        <p:nvSpPr>
+          <p:cNvPr id="65" name="Slide Number"/>
+          <p:cNvSpPr txBox="1"/>
+          <p:nvPr>
+            <p:ph type="sldNum" sz="quarter" idx="2"/>
+          </p:nvPr>
+        </p:nvSpPr>
+        <p:spPr>
+          <a:prstGeom prst="rect">
+            <a:avLst/>
+          </a:prstGeom>
+        </p:spPr>
+        <p:txBody>
+          <a:bodyPr/>
+          <a:lstStyle/>
+          <a:p>
+            <a:pPr/>
+            <a:fld id="{86CB4B4D-7CA3-9044-876B-883B54F8677D}" type="slidenum"/>
+          </a:p>
+        </p:txBody>
+      </p:sp>
+    </p:spTree>
+  </p:cSld>
+  <p:clrMapOvr>
+    <a:masterClrMapping/>
+  </p:clrMapOvr>
+  <p:transition xmlns:p14="http://schemas.microsoft.com/office/powerpoint/2010/main" spd="med" advClick="1"/>
 </p:sldLayout>
 </file>
 
 <file path=ppt/slideLayouts/slideLayout7.xml><?xml version="1.0" encoding="utf-8"?>
-<p:sldLayout xmlns:a="http://schemas.openxmlformats.org/drawingml/2006/main" xmlns:r="http://schemas.openxmlformats.org/officeDocument/2006/relationships" xmlns:p="http://schemas.openxmlformats.org/presentationml/2006/main" type="tx">
+<p:sldLayout xmlns:a="http://schemas.openxmlformats.org/drawingml/2006/main" xmlns:r="http://schemas.openxmlformats.org/officeDocument/2006/relationships" xmlns:p="http://schemas.openxmlformats.org/presentationml/2006/main" xmlns:m="http://schemas.openxmlformats.org/officeDocument/2006/math" xmlns:a14="http://schemas.microsoft.com/office/drawing/2010/main" type="tx" showMasterSp="1" showMasterPhAnim="1">
   <p:cSld name="Blank">
     <p:spTree>
       <p:nvGrpSpPr>
@@ -1464,10 +1191,8 @@
       </p:grpSpPr>
       <p:sp>
         <p:nvSpPr>
-          <p:cNvPr id="65" name="Slide Number"/>
-          <p:cNvSpPr txBox="1">
-            <a:spLocks noGrp="1"/>
-          </p:cNvSpPr>
+          <p:cNvPr id="72" name="Slide Number"/>
+          <p:cNvSpPr txBox="1"/>
           <p:nvPr>
             <p:ph type="sldNum" sz="quarter" idx="2"/>
           </p:nvPr>
@@ -1481,10 +1206,8 @@
           <a:bodyPr/>
           <a:lstStyle/>
           <a:p>
-            <a:fld id="{86CB4B4D-7CA3-9044-876B-883B54F8677D}" type="slidenum">
-              <a:t>‹#›</a:t>
-            </a:fld>
-            <a:endParaRPr/>
+            <a:pPr/>
+            <a:fld id="{86CB4B4D-7CA3-9044-876B-883B54F8677D}" type="slidenum"/>
           </a:p>
         </p:txBody>
       </p:sp>
@@ -1493,13 +1216,13 @@
   <p:clrMapOvr>
     <a:masterClrMapping/>
   </p:clrMapOvr>
-  <p:transition spd="med"/>
+  <p:transition xmlns:p14="http://schemas.microsoft.com/office/powerpoint/2010/main" spd="med" advClick="1"/>
 </p:sldLayout>
 </file>
 
 <file path=ppt/slideLayouts/slideLayout8.xml><?xml version="1.0" encoding="utf-8"?>
-<p:sldLayout xmlns:a="http://schemas.openxmlformats.org/drawingml/2006/main" xmlns:r="http://schemas.openxmlformats.org/officeDocument/2006/relationships" xmlns:p="http://schemas.openxmlformats.org/presentationml/2006/main" type="tx">
-  <p:cSld name="Content with Caption">
+<p:sldLayout xmlns:a="http://schemas.openxmlformats.org/drawingml/2006/main" xmlns:r="http://schemas.openxmlformats.org/officeDocument/2006/relationships" xmlns:p="http://schemas.openxmlformats.org/presentationml/2006/main" xmlns:m="http://schemas.openxmlformats.org/officeDocument/2006/math" xmlns:a14="http://schemas.microsoft.com/office/drawing/2010/main" type="tx" showMasterSp="1" showMasterPhAnim="1">
+  <p:cSld name="Default">
     <p:spTree>
       <p:nvGrpSpPr>
         <p:cNvPr id="1" name=""/>
@@ -1516,132 +1239,8 @@
       </p:grpSpPr>
       <p:sp>
         <p:nvSpPr>
-          <p:cNvPr id="72" name="Title Text"/>
-          <p:cNvSpPr txBox="1">
-            <a:spLocks noGrp="1"/>
-          </p:cNvSpPr>
-          <p:nvPr>
-            <p:ph type="title"/>
-          </p:nvPr>
-        </p:nvSpPr>
-        <p:spPr>
-          <a:xfrm>
-            <a:off x="457201" y="204786"/>
-            <a:ext cx="3008314" cy="871539"/>
-          </a:xfrm>
-          <a:prstGeom prst="rect">
-            <a:avLst/>
-          </a:prstGeom>
-        </p:spPr>
-        <p:txBody>
-          <a:bodyPr anchor="b"/>
-          <a:lstStyle>
-            <a:lvl1pPr algn="l">
-              <a:defRPr sz="2000" b="1"/>
-            </a:lvl1pPr>
-          </a:lstStyle>
-          <a:p>
-            <a:r>
-              <a:t>Title Text</a:t>
-            </a:r>
-          </a:p>
-        </p:txBody>
-      </p:sp>
-      <p:sp>
-        <p:nvSpPr>
-          <p:cNvPr id="73" name="Body Level One…"/>
-          <p:cNvSpPr txBox="1">
-            <a:spLocks noGrp="1"/>
-          </p:cNvSpPr>
-          <p:nvPr>
-            <p:ph type="body" idx="1"/>
-          </p:nvPr>
-        </p:nvSpPr>
-        <p:spPr>
-          <a:xfrm>
-            <a:off x="3575050" y="204788"/>
-            <a:ext cx="5111750" cy="4389836"/>
-          </a:xfrm>
-          <a:prstGeom prst="rect">
-            <a:avLst/>
-          </a:prstGeom>
-        </p:spPr>
-        <p:txBody>
-          <a:bodyPr/>
-          <a:lstStyle/>
-          <a:p>
-            <a:r>
-              <a:t>Body Level One</a:t>
-            </a:r>
-          </a:p>
-          <a:p>
-            <a:pPr lvl="1"/>
-            <a:r>
-              <a:t>Body Level Two</a:t>
-            </a:r>
-          </a:p>
-          <a:p>
-            <a:pPr lvl="2"/>
-            <a:r>
-              <a:t>Body Level Three</a:t>
-            </a:r>
-          </a:p>
-          <a:p>
-            <a:pPr lvl="3"/>
-            <a:r>
-              <a:t>Body Level Four</a:t>
-            </a:r>
-          </a:p>
-          <a:p>
-            <a:pPr lvl="4"/>
-            <a:r>
-              <a:t>Body Level Five</a:t>
-            </a:r>
-          </a:p>
-        </p:txBody>
-      </p:sp>
-      <p:sp>
-        <p:nvSpPr>
-          <p:cNvPr id="74" name="Text Placeholder 3"/>
-          <p:cNvSpPr>
-            <a:spLocks noGrp="1"/>
-          </p:cNvSpPr>
-          <p:nvPr>
-            <p:ph type="body" sz="half" idx="13"/>
-          </p:nvPr>
-        </p:nvSpPr>
-        <p:spPr>
-          <a:xfrm>
-            <a:off x="457200" y="1076326"/>
-            <a:ext cx="3008315" cy="3518297"/>
-          </a:xfrm>
-          <a:prstGeom prst="rect">
-            <a:avLst/>
-          </a:prstGeom>
-        </p:spPr>
-        <p:txBody>
-          <a:bodyPr/>
-          <a:lstStyle/>
-          <a:p>
-            <a:pPr marL="0" indent="0">
-              <a:spcBef>
-                <a:spcPts val="300"/>
-              </a:spcBef>
-              <a:buSzTx/>
-              <a:buFontTx/>
-              <a:buNone/>
-              <a:defRPr sz="1400"/>
-            </a:pPr>
-            <a:endParaRPr/>
-          </a:p>
-        </p:txBody>
-      </p:sp>
-      <p:sp>
-        <p:nvSpPr>
-          <p:cNvPr id="75" name="Slide Number"/>
-          <p:cNvSpPr txBox="1">
-            <a:spLocks noGrp="1"/>
-          </p:cNvSpPr>
+          <p:cNvPr id="79" name="Slide Number"/>
+          <p:cNvSpPr txBox="1"/>
           <p:nvPr>
             <p:ph type="sldNum" sz="quarter" idx="2"/>
           </p:nvPr>
@@ -1655,10 +1254,8 @@
           <a:bodyPr/>
           <a:lstStyle/>
           <a:p>
-            <a:fld id="{86CB4B4D-7CA3-9044-876B-883B54F8677D}" type="slidenum">
-              <a:t>‹#›</a:t>
-            </a:fld>
-            <a:endParaRPr/>
+            <a:pPr/>
+            <a:fld id="{86CB4B4D-7CA3-9044-876B-883B54F8677D}" type="slidenum"/>
           </a:p>
         </p:txBody>
       </p:sp>
@@ -1667,13 +1264,13 @@
   <p:clrMapOvr>
     <a:masterClrMapping/>
   </p:clrMapOvr>
-  <p:transition spd="med"/>
+  <p:transition xmlns:p14="http://schemas.microsoft.com/office/powerpoint/2010/main" spd="med" advClick="1"/>
 </p:sldLayout>
 </file>
 
 <file path=ppt/slideLayouts/slideLayout9.xml><?xml version="1.0" encoding="utf-8"?>
-<p:sldLayout xmlns:a="http://schemas.openxmlformats.org/drawingml/2006/main" xmlns:r="http://schemas.openxmlformats.org/officeDocument/2006/relationships" xmlns:p="http://schemas.openxmlformats.org/presentationml/2006/main" type="tx">
-  <p:cSld name="Picture with Caption">
+<p:sldLayout xmlns:a="http://schemas.openxmlformats.org/drawingml/2006/main" xmlns:r="http://schemas.openxmlformats.org/officeDocument/2006/relationships" xmlns:p="http://schemas.openxmlformats.org/presentationml/2006/main" xmlns:m="http://schemas.openxmlformats.org/officeDocument/2006/math" xmlns:a14="http://schemas.microsoft.com/office/drawing/2010/main" type="tx" showMasterSp="1" showMasterPhAnim="1">
+  <p:cSld name="hymn_title">
     <p:spTree>
       <p:nvGrpSpPr>
         <p:cNvPr id="1" name=""/>
@@ -1690,80 +1287,16 @@
       </p:grpSpPr>
       <p:sp>
         <p:nvSpPr>
-          <p:cNvPr id="82" name="Title Text"/>
-          <p:cNvSpPr txBox="1">
-            <a:spLocks noGrp="1"/>
-          </p:cNvSpPr>
+          <p:cNvPr id="86" name="#23 讚美詩"/>
+          <p:cNvSpPr txBox="1"/>
           <p:nvPr>
-            <p:ph type="title"/>
+            <p:ph type="title" hasCustomPrompt="1"/>
           </p:nvPr>
         </p:nvSpPr>
         <p:spPr>
           <a:xfrm>
-            <a:off x="1792288" y="3600450"/>
-            <a:ext cx="5486401" cy="425054"/>
-          </a:xfrm>
-          <a:prstGeom prst="rect">
-            <a:avLst/>
-          </a:prstGeom>
-        </p:spPr>
-        <p:txBody>
-          <a:bodyPr anchor="b"/>
-          <a:lstStyle>
-            <a:lvl1pPr algn="l">
-              <a:defRPr sz="2000" b="1"/>
-            </a:lvl1pPr>
-          </a:lstStyle>
-          <a:p>
-            <a:r>
-              <a:t>Title Text</a:t>
-            </a:r>
-          </a:p>
-        </p:txBody>
-      </p:sp>
-      <p:sp>
-        <p:nvSpPr>
-          <p:cNvPr id="83" name="Picture Placeholder 2"/>
-          <p:cNvSpPr>
-            <a:spLocks noGrp="1"/>
-          </p:cNvSpPr>
-          <p:nvPr>
-            <p:ph type="pic" sz="half" idx="13"/>
-          </p:nvPr>
-        </p:nvSpPr>
-        <p:spPr>
-          <a:xfrm>
-            <a:off x="1792288" y="459581"/>
-            <a:ext cx="5486401" cy="3086101"/>
-          </a:xfrm>
-          <a:prstGeom prst="rect">
-            <a:avLst/>
-          </a:prstGeom>
-        </p:spPr>
-        <p:txBody>
-          <a:bodyPr lIns="91439" rIns="91439">
-            <a:noAutofit/>
-          </a:bodyPr>
-          <a:lstStyle/>
-          <a:p>
-            <a:endParaRPr/>
-          </a:p>
-        </p:txBody>
-      </p:sp>
-      <p:sp>
-        <p:nvSpPr>
-          <p:cNvPr id="84" name="Body Level One…"/>
-          <p:cNvSpPr txBox="1">
-            <a:spLocks noGrp="1"/>
-          </p:cNvSpPr>
-          <p:nvPr>
-            <p:ph type="body" sz="quarter" idx="1"/>
-          </p:nvPr>
-        </p:nvSpPr>
-        <p:spPr>
-          <a:xfrm>
-            <a:off x="1792288" y="4025503"/>
-            <a:ext cx="5486401" cy="603648"/>
+            <a:off x="1158086" y="2743200"/>
+            <a:ext cx="9875521" cy="1371600"/>
           </a:xfrm>
           <a:prstGeom prst="rect">
             <a:avLst/>
@@ -1771,95 +1304,28 @@
         </p:spPr>
         <p:txBody>
           <a:bodyPr/>
-          <a:lstStyle>
-            <a:lvl1pPr marL="0" indent="0">
-              <a:spcBef>
-                <a:spcPts val="300"/>
-              </a:spcBef>
-              <a:buSzTx/>
-              <a:buFontTx/>
-              <a:buNone/>
-              <a:defRPr sz="1400"/>
-            </a:lvl1pPr>
-            <a:lvl2pPr marL="0" indent="457200">
-              <a:spcBef>
-                <a:spcPts val="300"/>
-              </a:spcBef>
-              <a:buSzTx/>
-              <a:buFontTx/>
-              <a:buNone/>
-              <a:defRPr sz="1400"/>
-            </a:lvl2pPr>
-            <a:lvl3pPr marL="0" indent="914400">
-              <a:spcBef>
-                <a:spcPts val="300"/>
-              </a:spcBef>
-              <a:buSzTx/>
-              <a:buFontTx/>
-              <a:buNone/>
-              <a:defRPr sz="1400"/>
-            </a:lvl3pPr>
-            <a:lvl4pPr marL="0" indent="1371600">
-              <a:spcBef>
-                <a:spcPts val="300"/>
-              </a:spcBef>
-              <a:buSzTx/>
-              <a:buFontTx/>
-              <a:buNone/>
-              <a:defRPr sz="1400"/>
-            </a:lvl4pPr>
-            <a:lvl5pPr marL="0" indent="1828800">
-              <a:spcBef>
-                <a:spcPts val="300"/>
-              </a:spcBef>
-              <a:buSzTx/>
-              <a:buFontTx/>
-              <a:buNone/>
-              <a:defRPr sz="1400"/>
-            </a:lvl5pPr>
-          </a:lstStyle>
-          <a:p>
+          <a:lstStyle/>
+          <a:p>
+            <a:pPr/>
             <a:r>
-              <a:t>Body Level One</a:t>
-            </a:r>
-          </a:p>
-          <a:p>
-            <a:pPr lvl="1"/>
-            <a:r>
-              <a:t>Body Level Two</a:t>
-            </a:r>
-          </a:p>
-          <a:p>
-            <a:pPr lvl="2"/>
-            <a:r>
-              <a:t>Body Level Three</a:t>
-            </a:r>
-          </a:p>
-          <a:p>
-            <a:pPr lvl="3"/>
-            <a:r>
-              <a:t>Body Level Four</a:t>
-            </a:r>
-          </a:p>
-          <a:p>
-            <a:pPr lvl="4"/>
-            <a:r>
-              <a:t>Body Level Five</a:t>
+              <a:t>#23 讚美詩</a:t>
             </a:r>
           </a:p>
         </p:txBody>
       </p:sp>
       <p:sp>
         <p:nvSpPr>
-          <p:cNvPr id="85" name="Slide Number"/>
-          <p:cNvSpPr txBox="1">
-            <a:spLocks noGrp="1"/>
-          </p:cNvSpPr>
+          <p:cNvPr id="87" name="Slide Number"/>
+          <p:cNvSpPr txBox="1"/>
           <p:nvPr>
             <p:ph type="sldNum" sz="quarter" idx="2"/>
           </p:nvPr>
         </p:nvSpPr>
         <p:spPr>
+          <a:xfrm>
+            <a:off x="5892800" y="6172200"/>
+            <a:ext cx="2844800" cy="368301"/>
+          </a:xfrm>
           <a:prstGeom prst="rect">
             <a:avLst/>
           </a:prstGeom>
@@ -1868,10 +1334,8 @@
           <a:bodyPr/>
           <a:lstStyle/>
           <a:p>
-            <a:fld id="{86CB4B4D-7CA3-9044-876B-883B54F8677D}" type="slidenum">
-              <a:t>‹#›</a:t>
-            </a:fld>
-            <a:endParaRPr/>
+            <a:pPr/>
+            <a:fld id="{86CB4B4D-7CA3-9044-876B-883B54F8677D}" type="slidenum"/>
           </a:p>
         </p:txBody>
       </p:sp>
@@ -1880,19 +1344,18 @@
   <p:clrMapOvr>
     <a:masterClrMapping/>
   </p:clrMapOvr>
-  <p:transition spd="med"/>
+  <p:transition xmlns:p14="http://schemas.microsoft.com/office/powerpoint/2010/main" spd="med" advClick="1"/>
 </p:sldLayout>
 </file>
 
 <file path=ppt/slideMasters/slideMaster1.xml><?xml version="1.0" encoding="utf-8"?>
-<p:sldMaster xmlns:a="http://schemas.openxmlformats.org/drawingml/2006/main" xmlns:r="http://schemas.openxmlformats.org/officeDocument/2006/relationships" xmlns:p="http://schemas.openxmlformats.org/presentationml/2006/main">
+<p:sldMaster xmlns:a="http://schemas.openxmlformats.org/drawingml/2006/main" xmlns:r="http://schemas.openxmlformats.org/officeDocument/2006/relationships" xmlns:p="http://schemas.openxmlformats.org/presentationml/2006/main" xmlns:m="http://schemas.openxmlformats.org/officeDocument/2006/math" xmlns:a14="http://schemas.microsoft.com/office/drawing/2010/main">
   <p:cSld>
     <p:bg>
       <p:bgPr>
         <a:solidFill>
-          <a:srgbClr val="FFFFFF"/>
+          <a:srgbClr val="0B0F14"/>
         </a:solidFill>
-        <a:effectLst/>
       </p:bgPr>
     </p:bg>
     <p:spTree>
@@ -1909,20 +1372,1824 @@
           <a:chExt cx="0" cy="0"/>
         </a:xfrm>
       </p:grpSpPr>
+      <p:grpSp>
+        <p:nvGrpSpPr>
+          <p:cNvPr id="9" name="Group 4"/>
+          <p:cNvGrpSpPr/>
+          <p:nvPr/>
+        </p:nvGrpSpPr>
+        <p:grpSpPr>
+          <a:xfrm>
+            <a:off x="3657437" y="2128837"/>
+            <a:ext cx="8523459" cy="4721233"/>
+            <a:chOff x="-2" y="-2"/>
+            <a:chExt cx="8523458" cy="4721232"/>
+          </a:xfrm>
+        </p:grpSpPr>
+        <p:grpSp>
+          <p:nvGrpSpPr>
+            <p:cNvPr id="7" name="Group 5"/>
+            <p:cNvGrpSpPr/>
+            <p:nvPr/>
+          </p:nvGrpSpPr>
+          <p:grpSpPr>
+            <a:xfrm>
+              <a:off x="-3" y="1411286"/>
+              <a:ext cx="8523459" cy="3309944"/>
+              <a:chOff x="-1" y="-1"/>
+              <a:chExt cx="8523457" cy="3309943"/>
+            </a:xfrm>
+          </p:grpSpPr>
+          <p:sp>
+            <p:nvSpPr>
+              <p:cNvPr id="2" name="Freeform 6"/>
+              <p:cNvSpPr/>
+              <p:nvPr/>
+            </p:nvSpPr>
+            <p:spPr>
+              <a:xfrm>
+                <a:off x="-2" y="657225"/>
+                <a:ext cx="6099979" cy="2652718"/>
+              </a:xfrm>
+              <a:custGeom>
+                <a:avLst/>
+                <a:gdLst/>
+                <a:ahLst/>
+                <a:cxnLst>
+                  <a:cxn ang="0">
+                    <a:pos x="wd2" y="hd2"/>
+                  </a:cxn>
+                  <a:cxn ang="5400000">
+                    <a:pos x="wd2" y="hd2"/>
+                  </a:cxn>
+                  <a:cxn ang="10800000">
+                    <a:pos x="wd2" y="hd2"/>
+                  </a:cxn>
+                  <a:cxn ang="16200000">
+                    <a:pos x="wd2" y="hd2"/>
+                  </a:cxn>
+                </a:cxnLst>
+                <a:rect l="0" t="0" r="r" b="b"/>
+                <a:pathLst>
+                  <a:path w="21600" h="21600" fill="norm" stroke="1" extrusionOk="0">
+                    <a:moveTo>
+                      <a:pt x="20783" y="7032"/>
+                    </a:moveTo>
+                    <a:lnTo>
+                      <a:pt x="20536" y="6825"/>
+                    </a:lnTo>
+                    <a:lnTo>
+                      <a:pt x="20176" y="6541"/>
+                    </a:lnTo>
+                    <a:lnTo>
+                      <a:pt x="19726" y="6256"/>
+                    </a:lnTo>
+                    <a:lnTo>
+                      <a:pt x="19194" y="5907"/>
+                    </a:lnTo>
+                    <a:lnTo>
+                      <a:pt x="18587" y="5481"/>
+                    </a:lnTo>
+                    <a:lnTo>
+                      <a:pt x="17898" y="5132"/>
+                    </a:lnTo>
+                    <a:lnTo>
+                      <a:pt x="16511" y="4434"/>
+                    </a:lnTo>
+                    <a:lnTo>
+                      <a:pt x="15574" y="4007"/>
+                    </a:lnTo>
+                    <a:lnTo>
+                      <a:pt x="14765" y="3581"/>
+                    </a:lnTo>
+                    <a:lnTo>
+                      <a:pt x="14075" y="3167"/>
+                    </a:lnTo>
+                    <a:lnTo>
+                      <a:pt x="13543" y="2740"/>
+                    </a:lnTo>
+                    <a:lnTo>
+                      <a:pt x="13056" y="2314"/>
+                    </a:lnTo>
+                    <a:lnTo>
+                      <a:pt x="12689" y="1965"/>
+                    </a:lnTo>
+                    <a:lnTo>
+                      <a:pt x="12404" y="1616"/>
+                    </a:lnTo>
+                    <a:lnTo>
+                      <a:pt x="12202" y="1331"/>
+                    </a:lnTo>
+                    <a:lnTo>
+                      <a:pt x="12037" y="1047"/>
+                    </a:lnTo>
+                    <a:lnTo>
+                      <a:pt x="11917" y="776"/>
+                    </a:lnTo>
+                    <a:lnTo>
+                      <a:pt x="11879" y="556"/>
+                    </a:lnTo>
+                    <a:lnTo>
+                      <a:pt x="11834" y="349"/>
+                    </a:lnTo>
+                    <a:lnTo>
+                      <a:pt x="11879" y="65"/>
+                    </a:lnTo>
+                    <a:lnTo>
+                      <a:pt x="11879" y="0"/>
+                    </a:lnTo>
+                    <a:lnTo>
+                      <a:pt x="11752" y="349"/>
+                    </a:lnTo>
+                    <a:lnTo>
+                      <a:pt x="11669" y="633"/>
+                    </a:lnTo>
+                    <a:lnTo>
+                      <a:pt x="11669" y="982"/>
+                    </a:lnTo>
+                    <a:lnTo>
+                      <a:pt x="11752" y="1267"/>
+                    </a:lnTo>
+                    <a:lnTo>
+                      <a:pt x="11917" y="1551"/>
+                    </a:lnTo>
+                    <a:lnTo>
+                      <a:pt x="12119" y="1823"/>
+                    </a:lnTo>
+                    <a:lnTo>
+                      <a:pt x="12366" y="2107"/>
+                    </a:lnTo>
+                    <a:lnTo>
+                      <a:pt x="12651" y="2391"/>
+                    </a:lnTo>
+                    <a:lnTo>
+                      <a:pt x="13018" y="2676"/>
+                    </a:lnTo>
+                    <a:lnTo>
+                      <a:pt x="13423" y="2947"/>
+                    </a:lnTo>
+                    <a:lnTo>
+                      <a:pt x="14278" y="3451"/>
+                    </a:lnTo>
+                    <a:lnTo>
+                      <a:pt x="15289" y="4007"/>
+                    </a:lnTo>
+                    <a:lnTo>
+                      <a:pt x="16354" y="4498"/>
+                    </a:lnTo>
+                    <a:lnTo>
+                      <a:pt x="17126" y="4925"/>
+                    </a:lnTo>
+                    <a:lnTo>
+                      <a:pt x="17853" y="5274"/>
+                    </a:lnTo>
+                    <a:lnTo>
+                      <a:pt x="18467" y="5623"/>
+                    </a:lnTo>
+                    <a:lnTo>
+                      <a:pt x="19037" y="5972"/>
+                    </a:lnTo>
+                    <a:lnTo>
+                      <a:pt x="19524" y="6256"/>
+                    </a:lnTo>
+                    <a:lnTo>
+                      <a:pt x="19929" y="6541"/>
+                    </a:lnTo>
+                    <a:lnTo>
+                      <a:pt x="20296" y="6825"/>
+                    </a:lnTo>
+                    <a:lnTo>
+                      <a:pt x="20536" y="7032"/>
+                    </a:lnTo>
+                    <a:lnTo>
+                      <a:pt x="20746" y="7239"/>
+                    </a:lnTo>
+                    <a:lnTo>
+                      <a:pt x="20866" y="7459"/>
+                    </a:lnTo>
+                    <a:lnTo>
+                      <a:pt x="20948" y="7665"/>
+                    </a:lnTo>
+                    <a:lnTo>
+                      <a:pt x="20985" y="7950"/>
+                    </a:lnTo>
+                    <a:lnTo>
+                      <a:pt x="20948" y="8299"/>
+                    </a:lnTo>
+                    <a:lnTo>
+                      <a:pt x="20866" y="8583"/>
+                    </a:lnTo>
+                    <a:lnTo>
+                      <a:pt x="20701" y="8932"/>
+                    </a:lnTo>
+                    <a:lnTo>
+                      <a:pt x="20461" y="9217"/>
+                    </a:lnTo>
+                    <a:lnTo>
+                      <a:pt x="20176" y="9501"/>
+                    </a:lnTo>
+                    <a:lnTo>
+                      <a:pt x="19809" y="9772"/>
+                    </a:lnTo>
+                    <a:lnTo>
+                      <a:pt x="19404" y="10057"/>
+                    </a:lnTo>
+                    <a:lnTo>
+                      <a:pt x="18954" y="10341"/>
+                    </a:lnTo>
+                    <a:lnTo>
+                      <a:pt x="18422" y="10625"/>
+                    </a:lnTo>
+                    <a:lnTo>
+                      <a:pt x="17853" y="10897"/>
+                    </a:lnTo>
+                    <a:lnTo>
+                      <a:pt x="17246" y="11181"/>
+                    </a:lnTo>
+                    <a:lnTo>
+                      <a:pt x="16593" y="11466"/>
+                    </a:lnTo>
+                    <a:lnTo>
+                      <a:pt x="15214" y="12022"/>
+                    </a:lnTo>
+                    <a:lnTo>
+                      <a:pt x="13663" y="12655"/>
+                    </a:lnTo>
+                    <a:lnTo>
+                      <a:pt x="12037" y="13366"/>
+                    </a:lnTo>
+                    <a:lnTo>
+                      <a:pt x="10328" y="14141"/>
+                    </a:lnTo>
+                    <a:lnTo>
+                      <a:pt x="8582" y="15046"/>
+                    </a:lnTo>
+                    <a:lnTo>
+                      <a:pt x="6835" y="16042"/>
+                    </a:lnTo>
+                    <a:lnTo>
+                      <a:pt x="5044" y="17166"/>
+                    </a:lnTo>
+                    <a:lnTo>
+                      <a:pt x="3298" y="18498"/>
+                    </a:lnTo>
+                    <a:lnTo>
+                      <a:pt x="1626" y="19971"/>
+                    </a:lnTo>
+                    <a:lnTo>
+                      <a:pt x="0" y="21600"/>
+                    </a:lnTo>
+                    <a:lnTo>
+                      <a:pt x="2646" y="21600"/>
+                    </a:lnTo>
+                    <a:lnTo>
+                      <a:pt x="4152" y="20256"/>
+                    </a:lnTo>
+                    <a:lnTo>
+                      <a:pt x="5651" y="18989"/>
+                    </a:lnTo>
+                    <a:lnTo>
+                      <a:pt x="7158" y="17942"/>
+                    </a:lnTo>
+                    <a:lnTo>
+                      <a:pt x="8582" y="16946"/>
+                    </a:lnTo>
+                    <a:lnTo>
+                      <a:pt x="10006" y="16042"/>
+                    </a:lnTo>
+                    <a:lnTo>
+                      <a:pt x="11385" y="15331"/>
+                    </a:lnTo>
+                    <a:lnTo>
+                      <a:pt x="12689" y="14633"/>
+                    </a:lnTo>
+                    <a:lnTo>
+                      <a:pt x="13948" y="13999"/>
+                    </a:lnTo>
+                    <a:lnTo>
+                      <a:pt x="15132" y="13508"/>
+                    </a:lnTo>
+                    <a:lnTo>
+                      <a:pt x="16226" y="13017"/>
+                    </a:lnTo>
+                    <a:lnTo>
+                      <a:pt x="17246" y="12590"/>
+                    </a:lnTo>
+                    <a:lnTo>
+                      <a:pt x="18182" y="12241"/>
+                    </a:lnTo>
+                    <a:lnTo>
+                      <a:pt x="18992" y="11815"/>
+                    </a:lnTo>
+                    <a:lnTo>
+                      <a:pt x="19681" y="11530"/>
+                    </a:lnTo>
+                    <a:lnTo>
+                      <a:pt x="20251" y="11181"/>
+                    </a:lnTo>
+                    <a:lnTo>
+                      <a:pt x="20701" y="10832"/>
+                    </a:lnTo>
+                    <a:lnTo>
+                      <a:pt x="20985" y="10548"/>
+                    </a:lnTo>
+                    <a:lnTo>
+                      <a:pt x="21188" y="10264"/>
+                    </a:lnTo>
+                    <a:lnTo>
+                      <a:pt x="21353" y="9915"/>
+                    </a:lnTo>
+                    <a:lnTo>
+                      <a:pt x="21473" y="9630"/>
+                    </a:lnTo>
+                    <a:lnTo>
+                      <a:pt x="21555" y="9359"/>
+                    </a:lnTo>
+                    <a:lnTo>
+                      <a:pt x="21600" y="9074"/>
+                    </a:lnTo>
+                    <a:lnTo>
+                      <a:pt x="21555" y="8506"/>
+                    </a:lnTo>
+                    <a:lnTo>
+                      <a:pt x="21390" y="8014"/>
+                    </a:lnTo>
+                    <a:lnTo>
+                      <a:pt x="21233" y="7601"/>
+                    </a:lnTo>
+                    <a:lnTo>
+                      <a:pt x="20985" y="7239"/>
+                    </a:lnTo>
+                    <a:lnTo>
+                      <a:pt x="20783" y="7032"/>
+                    </a:lnTo>
+                    <a:close/>
+                  </a:path>
+                </a:pathLst>
+              </a:custGeom>
+              <a:gradFill flip="none" rotWithShape="1">
+                <a:gsLst>
+                  <a:gs pos="0">
+                    <a:srgbClr val="0B0F14"/>
+                  </a:gs>
+                  <a:gs pos="100000">
+                    <a:srgbClr val="132033"/>
+                  </a:gs>
+                </a:gsLst>
+                <a:lin ang="0" scaled="0"/>
+              </a:gradFill>
+              <a:ln w="12700" cap="flat">
+                <a:noFill/>
+                <a:miter lim="400000"/>
+              </a:ln>
+              <a:effectLst/>
+            </p:spPr>
+            <p:txBody>
+              <a:bodyPr wrap="square" lIns="45718" tIns="45718" rIns="45718" bIns="45718" numCol="1" anchor="t">
+                <a:noAutofit/>
+              </a:bodyPr>
+              <a:lstStyle/>
+              <a:p>
+                <a:pPr>
+                  <a:defRPr>
+                    <a:solidFill>
+                      <a:srgbClr val="F8FAFC"/>
+                    </a:solidFill>
+                    <a:latin typeface="Garamond"/>
+                    <a:ea typeface="Garamond"/>
+                    <a:cs typeface="Garamond"/>
+                    <a:sym typeface="Garamond"/>
+                  </a:defRPr>
+                </a:pPr>
+              </a:p>
+            </p:txBody>
+          </p:sp>
+          <p:sp>
+            <p:nvSpPr>
+              <p:cNvPr id="3" name="Freeform 7"/>
+              <p:cNvSpPr/>
+              <p:nvPr/>
+            </p:nvSpPr>
+            <p:spPr>
+              <a:xfrm>
+                <a:off x="5168679" y="700087"/>
+                <a:ext cx="2664774" cy="1287467"/>
+              </a:xfrm>
+              <a:custGeom>
+                <a:avLst/>
+                <a:gdLst/>
+                <a:ahLst/>
+                <a:cxnLst>
+                  <a:cxn ang="0">
+                    <a:pos x="wd2" y="hd2"/>
+                  </a:cxn>
+                  <a:cxn ang="5400000">
+                    <a:pos x="wd2" y="hd2"/>
+                  </a:cxn>
+                  <a:cxn ang="10800000">
+                    <a:pos x="wd2" y="hd2"/>
+                  </a:cxn>
+                  <a:cxn ang="16200000">
+                    <a:pos x="wd2" y="hd2"/>
+                  </a:cxn>
+                </a:cxnLst>
+                <a:rect l="0" t="0" r="r" b="b"/>
+                <a:pathLst>
+                  <a:path w="21600" h="21600" fill="norm" stroke="1" extrusionOk="0">
+                    <a:moveTo>
+                      <a:pt x="21600" y="16380"/>
+                    </a:moveTo>
+                    <a:lnTo>
+                      <a:pt x="21411" y="15661"/>
+                    </a:lnTo>
+                    <a:lnTo>
+                      <a:pt x="21223" y="15075"/>
+                    </a:lnTo>
+                    <a:lnTo>
+                      <a:pt x="20862" y="14356"/>
+                    </a:lnTo>
+                    <a:lnTo>
+                      <a:pt x="20382" y="13770"/>
+                    </a:lnTo>
+                    <a:lnTo>
+                      <a:pt x="19267" y="12758"/>
+                    </a:lnTo>
+                    <a:lnTo>
+                      <a:pt x="17877" y="11745"/>
+                    </a:lnTo>
+                    <a:lnTo>
+                      <a:pt x="16196" y="10867"/>
+                    </a:lnTo>
+                    <a:lnTo>
+                      <a:pt x="14429" y="10147"/>
+                    </a:lnTo>
+                    <a:lnTo>
+                      <a:pt x="12473" y="9269"/>
+                    </a:lnTo>
+                    <a:lnTo>
+                      <a:pt x="8561" y="7830"/>
+                    </a:lnTo>
+                    <a:lnTo>
+                      <a:pt x="6708" y="6951"/>
+                    </a:lnTo>
+                    <a:lnTo>
+                      <a:pt x="4941" y="6099"/>
+                    </a:lnTo>
+                    <a:lnTo>
+                      <a:pt x="3346" y="5220"/>
+                    </a:lnTo>
+                    <a:lnTo>
+                      <a:pt x="2042" y="4048"/>
+                    </a:lnTo>
+                    <a:lnTo>
+                      <a:pt x="926" y="2903"/>
+                    </a:lnTo>
+                    <a:lnTo>
+                      <a:pt x="566" y="2317"/>
+                    </a:lnTo>
+                    <a:lnTo>
+                      <a:pt x="275" y="1598"/>
+                    </a:lnTo>
+                    <a:lnTo>
+                      <a:pt x="86" y="879"/>
+                    </a:lnTo>
+                    <a:lnTo>
+                      <a:pt x="0" y="0"/>
+                    </a:lnTo>
+                    <a:lnTo>
+                      <a:pt x="0" y="1012"/>
+                    </a:lnTo>
+                    <a:lnTo>
+                      <a:pt x="86" y="1598"/>
+                    </a:lnTo>
+                    <a:lnTo>
+                      <a:pt x="275" y="2317"/>
+                    </a:lnTo>
+                    <a:lnTo>
+                      <a:pt x="566" y="3036"/>
+                    </a:lnTo>
+                    <a:lnTo>
+                      <a:pt x="926" y="3782"/>
+                    </a:lnTo>
+                    <a:lnTo>
+                      <a:pt x="1493" y="4634"/>
+                    </a:lnTo>
+                    <a:lnTo>
+                      <a:pt x="2145" y="5513"/>
+                    </a:lnTo>
+                    <a:lnTo>
+                      <a:pt x="3071" y="6392"/>
+                    </a:lnTo>
+                    <a:lnTo>
+                      <a:pt x="4186" y="7404"/>
+                    </a:lnTo>
+                    <a:lnTo>
+                      <a:pt x="5593" y="8256"/>
+                    </a:lnTo>
+                    <a:lnTo>
+                      <a:pt x="7171" y="9269"/>
+                    </a:lnTo>
+                    <a:lnTo>
+                      <a:pt x="9024" y="10147"/>
+                    </a:lnTo>
+                    <a:lnTo>
+                      <a:pt x="11272" y="11026"/>
+                    </a:lnTo>
+                    <a:lnTo>
+                      <a:pt x="12850" y="11586"/>
+                    </a:lnTo>
+                    <a:lnTo>
+                      <a:pt x="14240" y="12331"/>
+                    </a:lnTo>
+                    <a:lnTo>
+                      <a:pt x="15458" y="13051"/>
+                    </a:lnTo>
+                    <a:lnTo>
+                      <a:pt x="16573" y="13636"/>
+                    </a:lnTo>
+                    <a:lnTo>
+                      <a:pt x="17414" y="14356"/>
+                    </a:lnTo>
+                    <a:lnTo>
+                      <a:pt x="18066" y="15075"/>
+                    </a:lnTo>
+                    <a:lnTo>
+                      <a:pt x="18529" y="15794"/>
+                    </a:lnTo>
+                    <a:lnTo>
+                      <a:pt x="18906" y="16513"/>
+                    </a:lnTo>
+                    <a:lnTo>
+                      <a:pt x="19078" y="17259"/>
+                    </a:lnTo>
+                    <a:lnTo>
+                      <a:pt x="19181" y="17978"/>
+                    </a:lnTo>
+                    <a:lnTo>
+                      <a:pt x="19078" y="18564"/>
+                    </a:lnTo>
+                    <a:lnTo>
+                      <a:pt x="18803" y="19283"/>
+                    </a:lnTo>
+                    <a:lnTo>
+                      <a:pt x="18529" y="19869"/>
+                    </a:lnTo>
+                    <a:lnTo>
+                      <a:pt x="18066" y="20428"/>
+                    </a:lnTo>
+                    <a:lnTo>
+                      <a:pt x="16762" y="21600"/>
+                    </a:lnTo>
+                    <a:lnTo>
+                      <a:pt x="17963" y="21014"/>
+                    </a:lnTo>
+                    <a:lnTo>
+                      <a:pt x="18992" y="20428"/>
+                    </a:lnTo>
+                    <a:lnTo>
+                      <a:pt x="19833" y="19869"/>
+                    </a:lnTo>
+                    <a:lnTo>
+                      <a:pt x="20571" y="19283"/>
+                    </a:lnTo>
+                    <a:lnTo>
+                      <a:pt x="21034" y="18697"/>
+                    </a:lnTo>
+                    <a:lnTo>
+                      <a:pt x="21411" y="17978"/>
+                    </a:lnTo>
+                    <a:lnTo>
+                      <a:pt x="21600" y="17259"/>
+                    </a:lnTo>
+                    <a:lnTo>
+                      <a:pt x="21600" y="16380"/>
+                    </a:lnTo>
+                    <a:close/>
+                  </a:path>
+                </a:pathLst>
+              </a:custGeom>
+              <a:gradFill flip="none" rotWithShape="1">
+                <a:gsLst>
+                  <a:gs pos="0">
+                    <a:srgbClr val="0B0F14"/>
+                  </a:gs>
+                  <a:gs pos="100000">
+                    <a:srgbClr val="132033"/>
+                  </a:gs>
+                </a:gsLst>
+                <a:lin ang="2700000" scaled="0"/>
+              </a:gradFill>
+              <a:ln w="12700" cap="flat">
+                <a:noFill/>
+                <a:miter lim="400000"/>
+              </a:ln>
+              <a:effectLst/>
+            </p:spPr>
+            <p:txBody>
+              <a:bodyPr wrap="square" lIns="45718" tIns="45718" rIns="45718" bIns="45718" numCol="1" anchor="t">
+                <a:noAutofit/>
+              </a:bodyPr>
+              <a:lstStyle/>
+              <a:p>
+                <a:pPr>
+                  <a:defRPr>
+                    <a:solidFill>
+                      <a:srgbClr val="F8FAFC"/>
+                    </a:solidFill>
+                    <a:latin typeface="Garamond"/>
+                    <a:ea typeface="Garamond"/>
+                    <a:cs typeface="Garamond"/>
+                    <a:sym typeface="Garamond"/>
+                  </a:defRPr>
+                </a:pPr>
+              </a:p>
+            </p:txBody>
+          </p:sp>
+          <p:sp>
+            <p:nvSpPr>
+              <p:cNvPr id="4" name="Freeform 8"/>
+              <p:cNvSpPr/>
+              <p:nvPr/>
+            </p:nvSpPr>
+            <p:spPr>
+              <a:xfrm>
+                <a:off x="2480627" y="1771651"/>
+                <a:ext cx="6030130" cy="1538292"/>
+              </a:xfrm>
+              <a:custGeom>
+                <a:avLst/>
+                <a:gdLst/>
+                <a:ahLst/>
+                <a:cxnLst>
+                  <a:cxn ang="0">
+                    <a:pos x="wd2" y="hd2"/>
+                  </a:cxn>
+                  <a:cxn ang="5400000">
+                    <a:pos x="wd2" y="hd2"/>
+                  </a:cxn>
+                  <a:cxn ang="10800000">
+                    <a:pos x="wd2" y="hd2"/>
+                  </a:cxn>
+                  <a:cxn ang="16200000">
+                    <a:pos x="wd2" y="hd2"/>
+                  </a:cxn>
+                </a:cxnLst>
+                <a:rect l="0" t="0" r="r" b="b"/>
+                <a:pathLst>
+                  <a:path w="21600" h="21600" fill="norm" stroke="1" extrusionOk="0">
+                    <a:moveTo>
+                      <a:pt x="698" y="21355"/>
+                    </a:moveTo>
+                    <a:lnTo>
+                      <a:pt x="0" y="21600"/>
+                    </a:lnTo>
+                    <a:lnTo>
+                      <a:pt x="2964" y="21600"/>
+                    </a:lnTo>
+                    <a:lnTo>
+                      <a:pt x="3290" y="21110"/>
+                    </a:lnTo>
+                    <a:lnTo>
+                      <a:pt x="3662" y="20374"/>
+                    </a:lnTo>
+                    <a:lnTo>
+                      <a:pt x="4200" y="19527"/>
+                    </a:lnTo>
+                    <a:lnTo>
+                      <a:pt x="4814" y="18680"/>
+                    </a:lnTo>
+                    <a:lnTo>
+                      <a:pt x="5512" y="17699"/>
+                    </a:lnTo>
+                    <a:lnTo>
+                      <a:pt x="6338" y="16607"/>
+                    </a:lnTo>
+                    <a:lnTo>
+                      <a:pt x="7286" y="15515"/>
+                    </a:lnTo>
+                    <a:lnTo>
+                      <a:pt x="8355" y="14311"/>
+                    </a:lnTo>
+                    <a:lnTo>
+                      <a:pt x="9545" y="12973"/>
+                    </a:lnTo>
+                    <a:lnTo>
+                      <a:pt x="10864" y="11636"/>
+                    </a:lnTo>
+                    <a:lnTo>
+                      <a:pt x="12305" y="10298"/>
+                    </a:lnTo>
+                    <a:lnTo>
+                      <a:pt x="13867" y="8983"/>
+                    </a:lnTo>
+                    <a:lnTo>
+                      <a:pt x="15595" y="7646"/>
+                    </a:lnTo>
+                    <a:lnTo>
+                      <a:pt x="17445" y="6308"/>
+                    </a:lnTo>
+                    <a:lnTo>
+                      <a:pt x="19462" y="4971"/>
+                    </a:lnTo>
+                    <a:lnTo>
+                      <a:pt x="21600" y="3633"/>
+                    </a:lnTo>
+                    <a:lnTo>
+                      <a:pt x="21600" y="0"/>
+                    </a:lnTo>
+                    <a:lnTo>
+                      <a:pt x="21357" y="357"/>
+                    </a:lnTo>
+                    <a:lnTo>
+                      <a:pt x="21024" y="736"/>
+                    </a:lnTo>
+                    <a:lnTo>
+                      <a:pt x="20614" y="1204"/>
+                    </a:lnTo>
+                    <a:lnTo>
+                      <a:pt x="20076" y="1694"/>
+                    </a:lnTo>
+                    <a:lnTo>
+                      <a:pt x="19500" y="2185"/>
+                    </a:lnTo>
+                    <a:lnTo>
+                      <a:pt x="18886" y="2675"/>
+                    </a:lnTo>
+                    <a:lnTo>
+                      <a:pt x="18188" y="3277"/>
+                    </a:lnTo>
+                    <a:lnTo>
+                      <a:pt x="17445" y="3767"/>
+                    </a:lnTo>
+                    <a:lnTo>
+                      <a:pt x="14322" y="6175"/>
+                    </a:lnTo>
+                    <a:lnTo>
+                      <a:pt x="12798" y="7267"/>
+                    </a:lnTo>
+                    <a:lnTo>
+                      <a:pt x="12055" y="7891"/>
+                    </a:lnTo>
+                    <a:lnTo>
+                      <a:pt x="11395" y="8493"/>
+                    </a:lnTo>
+                    <a:lnTo>
+                      <a:pt x="8393" y="11279"/>
+                    </a:lnTo>
+                    <a:lnTo>
+                      <a:pt x="6914" y="12862"/>
+                    </a:lnTo>
+                    <a:lnTo>
+                      <a:pt x="5512" y="14422"/>
+                    </a:lnTo>
+                    <a:lnTo>
+                      <a:pt x="4155" y="16005"/>
+                    </a:lnTo>
+                    <a:lnTo>
+                      <a:pt x="2881" y="17699"/>
+                    </a:lnTo>
+                    <a:lnTo>
+                      <a:pt x="1729" y="19527"/>
+                    </a:lnTo>
+                    <a:lnTo>
+                      <a:pt x="698" y="21355"/>
+                    </a:lnTo>
+                    <a:close/>
+                  </a:path>
+                </a:pathLst>
+              </a:custGeom>
+              <a:gradFill flip="none" rotWithShape="1">
+                <a:gsLst>
+                  <a:gs pos="0">
+                    <a:srgbClr val="111827"/>
+                  </a:gs>
+                  <a:gs pos="100000">
+                    <a:srgbClr val="0B0F14"/>
+                  </a:gs>
+                </a:gsLst>
+                <a:lin ang="5400000" scaled="0"/>
+              </a:gradFill>
+              <a:ln w="12700" cap="flat">
+                <a:noFill/>
+                <a:miter lim="400000"/>
+              </a:ln>
+              <a:effectLst/>
+            </p:spPr>
+            <p:txBody>
+              <a:bodyPr wrap="square" lIns="45718" tIns="45718" rIns="45718" bIns="45718" numCol="1" anchor="t">
+                <a:noAutofit/>
+              </a:bodyPr>
+              <a:lstStyle/>
+              <a:p>
+                <a:pPr>
+                  <a:defRPr>
+                    <a:solidFill>
+                      <a:srgbClr val="F8FAFC"/>
+                    </a:solidFill>
+                    <a:latin typeface="Garamond"/>
+                    <a:ea typeface="Garamond"/>
+                    <a:cs typeface="Garamond"/>
+                    <a:sym typeface="Garamond"/>
+                  </a:defRPr>
+                </a:pPr>
+              </a:p>
+            </p:txBody>
+          </p:sp>
+          <p:sp>
+            <p:nvSpPr>
+              <p:cNvPr id="5" name="Freeform 9"/>
+              <p:cNvSpPr/>
+              <p:nvPr/>
+            </p:nvSpPr>
+            <p:spPr>
+              <a:xfrm>
+                <a:off x="2158907" y="-2"/>
+                <a:ext cx="6364550" cy="3309945"/>
+              </a:xfrm>
+              <a:custGeom>
+                <a:avLst/>
+                <a:gdLst/>
+                <a:ahLst/>
+                <a:cxnLst>
+                  <a:cxn ang="0">
+                    <a:pos x="wd2" y="hd2"/>
+                  </a:cxn>
+                  <a:cxn ang="5400000">
+                    <a:pos x="wd2" y="hd2"/>
+                  </a:cxn>
+                  <a:cxn ang="10800000">
+                    <a:pos x="wd2" y="hd2"/>
+                  </a:cxn>
+                  <a:cxn ang="16200000">
+                    <a:pos x="wd2" y="hd2"/>
+                  </a:cxn>
+                </a:cxnLst>
+                <a:rect l="0" t="0" r="r" b="b"/>
+                <a:pathLst>
+                  <a:path w="21600" h="21600" fill="norm" stroke="1" extrusionOk="0">
+                    <a:moveTo>
+                      <a:pt x="10250" y="4569"/>
+                    </a:moveTo>
+                    <a:lnTo>
+                      <a:pt x="10294" y="4911"/>
+                    </a:lnTo>
+                    <a:lnTo>
+                      <a:pt x="10373" y="5190"/>
+                    </a:lnTo>
+                    <a:lnTo>
+                      <a:pt x="10488" y="5470"/>
+                    </a:lnTo>
+                    <a:lnTo>
+                      <a:pt x="10646" y="5698"/>
+                    </a:lnTo>
+                    <a:lnTo>
+                      <a:pt x="11069" y="6143"/>
+                    </a:lnTo>
+                    <a:lnTo>
+                      <a:pt x="11658" y="6599"/>
+                    </a:lnTo>
+                    <a:lnTo>
+                      <a:pt x="12319" y="6941"/>
+                    </a:lnTo>
+                    <a:lnTo>
+                      <a:pt x="13059" y="7273"/>
+                    </a:lnTo>
+                    <a:lnTo>
+                      <a:pt x="13842" y="7614"/>
+                    </a:lnTo>
+                    <a:lnTo>
+                      <a:pt x="15480" y="8174"/>
+                    </a:lnTo>
+                    <a:lnTo>
+                      <a:pt x="16299" y="8516"/>
+                    </a:lnTo>
+                    <a:lnTo>
+                      <a:pt x="17039" y="8795"/>
+                    </a:lnTo>
+                    <a:lnTo>
+                      <a:pt x="17700" y="9137"/>
+                    </a:lnTo>
+                    <a:lnTo>
+                      <a:pt x="18324" y="9531"/>
+                    </a:lnTo>
+                    <a:lnTo>
+                      <a:pt x="18791" y="9925"/>
+                    </a:lnTo>
+                    <a:lnTo>
+                      <a:pt x="18949" y="10153"/>
+                    </a:lnTo>
+                    <a:lnTo>
+                      <a:pt x="19100" y="10432"/>
+                    </a:lnTo>
+                    <a:lnTo>
+                      <a:pt x="19222" y="10660"/>
+                    </a:lnTo>
+                    <a:lnTo>
+                      <a:pt x="19258" y="10940"/>
+                    </a:lnTo>
+                    <a:lnTo>
+                      <a:pt x="19258" y="11220"/>
+                    </a:lnTo>
+                    <a:lnTo>
+                      <a:pt x="19222" y="11447"/>
+                    </a:lnTo>
+                    <a:lnTo>
+                      <a:pt x="19143" y="11675"/>
+                    </a:lnTo>
+                    <a:lnTo>
+                      <a:pt x="18985" y="11903"/>
+                    </a:lnTo>
+                    <a:lnTo>
+                      <a:pt x="18791" y="12121"/>
+                    </a:lnTo>
+                    <a:lnTo>
+                      <a:pt x="18554" y="12297"/>
+                    </a:lnTo>
+                    <a:lnTo>
+                      <a:pt x="18281" y="12515"/>
+                    </a:lnTo>
+                    <a:lnTo>
+                      <a:pt x="17972" y="12691"/>
+                    </a:lnTo>
+                    <a:lnTo>
+                      <a:pt x="17585" y="12856"/>
+                    </a:lnTo>
+                    <a:lnTo>
+                      <a:pt x="17154" y="13022"/>
+                    </a:lnTo>
+                    <a:lnTo>
+                      <a:pt x="16723" y="13198"/>
+                    </a:lnTo>
+                    <a:lnTo>
+                      <a:pt x="16220" y="13364"/>
+                    </a:lnTo>
+                    <a:lnTo>
+                      <a:pt x="15128" y="13758"/>
+                    </a:lnTo>
+                    <a:lnTo>
+                      <a:pt x="13878" y="14214"/>
+                    </a:lnTo>
+                    <a:lnTo>
+                      <a:pt x="12513" y="14721"/>
+                    </a:lnTo>
+                    <a:lnTo>
+                      <a:pt x="10998" y="15281"/>
+                    </a:lnTo>
+                    <a:lnTo>
+                      <a:pt x="9396" y="15954"/>
+                    </a:lnTo>
+                    <a:lnTo>
+                      <a:pt x="7679" y="16752"/>
+                    </a:lnTo>
+                    <a:lnTo>
+                      <a:pt x="5890" y="17705"/>
+                    </a:lnTo>
+                    <a:lnTo>
+                      <a:pt x="3980" y="18834"/>
+                    </a:lnTo>
+                    <a:lnTo>
+                      <a:pt x="2026" y="20129"/>
+                    </a:lnTo>
+                    <a:lnTo>
+                      <a:pt x="0" y="21600"/>
+                    </a:lnTo>
+                    <a:lnTo>
+                      <a:pt x="1092" y="21600"/>
+                    </a:lnTo>
+                    <a:lnTo>
+                      <a:pt x="1753" y="21486"/>
+                    </a:lnTo>
+                    <a:lnTo>
+                      <a:pt x="2773" y="20637"/>
+                    </a:lnTo>
+                    <a:lnTo>
+                      <a:pt x="3857" y="19787"/>
+                    </a:lnTo>
+                    <a:lnTo>
+                      <a:pt x="5028" y="19000"/>
+                    </a:lnTo>
+                    <a:lnTo>
+                      <a:pt x="6314" y="18264"/>
+                    </a:lnTo>
+                    <a:lnTo>
+                      <a:pt x="7643" y="17539"/>
+                    </a:lnTo>
+                    <a:lnTo>
+                      <a:pt x="9044" y="16803"/>
+                    </a:lnTo>
+                    <a:lnTo>
+                      <a:pt x="11931" y="15508"/>
+                    </a:lnTo>
+                    <a:lnTo>
+                      <a:pt x="12556" y="15229"/>
+                    </a:lnTo>
+                    <a:lnTo>
+                      <a:pt x="13253" y="14939"/>
+                    </a:lnTo>
+                    <a:lnTo>
+                      <a:pt x="14697" y="14431"/>
+                    </a:lnTo>
+                    <a:lnTo>
+                      <a:pt x="17656" y="13312"/>
+                    </a:lnTo>
+                    <a:lnTo>
+                      <a:pt x="18324" y="13084"/>
+                    </a:lnTo>
+                    <a:lnTo>
+                      <a:pt x="18985" y="12805"/>
+                    </a:lnTo>
+                    <a:lnTo>
+                      <a:pt x="19610" y="12577"/>
+                    </a:lnTo>
+                    <a:lnTo>
+                      <a:pt x="20156" y="12349"/>
+                    </a:lnTo>
+                    <a:lnTo>
+                      <a:pt x="20659" y="12121"/>
+                    </a:lnTo>
+                    <a:lnTo>
+                      <a:pt x="21054" y="11903"/>
+                    </a:lnTo>
+                    <a:lnTo>
+                      <a:pt x="21363" y="11727"/>
+                    </a:lnTo>
+                    <a:lnTo>
+                      <a:pt x="21600" y="11561"/>
+                    </a:lnTo>
+                    <a:lnTo>
+                      <a:pt x="21600" y="9023"/>
+                    </a:lnTo>
+                    <a:lnTo>
+                      <a:pt x="21126" y="8909"/>
+                    </a:lnTo>
+                    <a:lnTo>
+                      <a:pt x="20544" y="8744"/>
+                    </a:lnTo>
+                    <a:lnTo>
+                      <a:pt x="19919" y="8567"/>
+                    </a:lnTo>
+                    <a:lnTo>
+                      <a:pt x="19179" y="8350"/>
+                    </a:lnTo>
+                    <a:lnTo>
+                      <a:pt x="18439" y="8122"/>
+                    </a:lnTo>
+                    <a:lnTo>
+                      <a:pt x="17656" y="7842"/>
+                    </a:lnTo>
+                    <a:lnTo>
+                      <a:pt x="16098" y="7273"/>
+                    </a:lnTo>
+                    <a:lnTo>
+                      <a:pt x="15358" y="6941"/>
+                    </a:lnTo>
+                    <a:lnTo>
+                      <a:pt x="14697" y="6599"/>
+                    </a:lnTo>
+                    <a:lnTo>
+                      <a:pt x="14072" y="6257"/>
+                    </a:lnTo>
+                    <a:lnTo>
+                      <a:pt x="13526" y="5864"/>
+                    </a:lnTo>
+                    <a:lnTo>
+                      <a:pt x="13102" y="5532"/>
+                    </a:lnTo>
+                    <a:lnTo>
+                      <a:pt x="12786" y="5128"/>
+                    </a:lnTo>
+                    <a:lnTo>
+                      <a:pt x="12707" y="4911"/>
+                    </a:lnTo>
+                    <a:lnTo>
+                      <a:pt x="12628" y="4734"/>
+                    </a:lnTo>
+                    <a:lnTo>
+                      <a:pt x="12592" y="4517"/>
+                    </a:lnTo>
+                    <a:lnTo>
+                      <a:pt x="12628" y="4341"/>
+                    </a:lnTo>
+                    <a:lnTo>
+                      <a:pt x="12786" y="3947"/>
+                    </a:lnTo>
+                    <a:lnTo>
+                      <a:pt x="13023" y="3553"/>
+                    </a:lnTo>
+                    <a:lnTo>
+                      <a:pt x="13375" y="3274"/>
+                    </a:lnTo>
+                    <a:lnTo>
+                      <a:pt x="13799" y="2994"/>
+                    </a:lnTo>
+                    <a:lnTo>
+                      <a:pt x="14266" y="2766"/>
+                    </a:lnTo>
+                    <a:lnTo>
+                      <a:pt x="14812" y="2538"/>
+                    </a:lnTo>
+                    <a:lnTo>
+                      <a:pt x="16062" y="2207"/>
+                    </a:lnTo>
+                    <a:lnTo>
+                      <a:pt x="17462" y="1865"/>
+                    </a:lnTo>
+                    <a:lnTo>
+                      <a:pt x="18870" y="1637"/>
+                    </a:lnTo>
+                    <a:lnTo>
+                      <a:pt x="20307" y="1295"/>
+                    </a:lnTo>
+                    <a:lnTo>
+                      <a:pt x="20975" y="1129"/>
+                    </a:lnTo>
+                    <a:lnTo>
+                      <a:pt x="21600" y="901"/>
+                    </a:lnTo>
+                    <a:lnTo>
+                      <a:pt x="21600" y="0"/>
+                    </a:lnTo>
+                    <a:lnTo>
+                      <a:pt x="20896" y="228"/>
+                    </a:lnTo>
+                    <a:lnTo>
+                      <a:pt x="20077" y="456"/>
+                    </a:lnTo>
+                    <a:lnTo>
+                      <a:pt x="19222" y="684"/>
+                    </a:lnTo>
+                    <a:lnTo>
+                      <a:pt x="18324" y="849"/>
+                    </a:lnTo>
+                    <a:lnTo>
+                      <a:pt x="16414" y="1243"/>
+                    </a:lnTo>
+                    <a:lnTo>
+                      <a:pt x="15480" y="1409"/>
+                    </a:lnTo>
+                    <a:lnTo>
+                      <a:pt x="14582" y="1637"/>
+                    </a:lnTo>
+                    <a:lnTo>
+                      <a:pt x="13684" y="1803"/>
+                    </a:lnTo>
+                    <a:lnTo>
+                      <a:pt x="12865" y="2093"/>
+                    </a:lnTo>
+                    <a:lnTo>
+                      <a:pt x="12125" y="2372"/>
+                    </a:lnTo>
+                    <a:lnTo>
+                      <a:pt x="11500" y="2704"/>
+                    </a:lnTo>
+                    <a:lnTo>
+                      <a:pt x="10954" y="3108"/>
+                    </a:lnTo>
+                    <a:lnTo>
+                      <a:pt x="10567" y="3502"/>
+                    </a:lnTo>
+                    <a:lnTo>
+                      <a:pt x="10452" y="3719"/>
+                    </a:lnTo>
+                    <a:lnTo>
+                      <a:pt x="10329" y="4009"/>
+                    </a:lnTo>
+                    <a:lnTo>
+                      <a:pt x="10250" y="4289"/>
+                    </a:lnTo>
+                    <a:lnTo>
+                      <a:pt x="10250" y="4569"/>
+                    </a:lnTo>
+                    <a:close/>
+                  </a:path>
+                </a:pathLst>
+              </a:custGeom>
+              <a:solidFill>
+                <a:srgbClr val="0B0F14"/>
+              </a:solidFill>
+              <a:ln w="12700" cap="flat">
+                <a:noFill/>
+                <a:miter lim="400000"/>
+              </a:ln>
+              <a:effectLst/>
+            </p:spPr>
+            <p:txBody>
+              <a:bodyPr wrap="square" lIns="45718" tIns="45718" rIns="45718" bIns="45718" numCol="1" anchor="t">
+                <a:noAutofit/>
+              </a:bodyPr>
+              <a:lstStyle/>
+              <a:p>
+                <a:pPr>
+                  <a:defRPr>
+                    <a:solidFill>
+                      <a:srgbClr val="F8FAFC"/>
+                    </a:solidFill>
+                    <a:latin typeface="Garamond"/>
+                    <a:ea typeface="Garamond"/>
+                    <a:cs typeface="Garamond"/>
+                    <a:sym typeface="Garamond"/>
+                  </a:defRPr>
+                </a:pPr>
+              </a:p>
+            </p:txBody>
+          </p:sp>
+          <p:sp>
+            <p:nvSpPr>
+              <p:cNvPr id="6" name="Freeform 10"/>
+              <p:cNvSpPr/>
+              <p:nvPr/>
+            </p:nvSpPr>
+            <p:spPr>
+              <a:xfrm>
+                <a:off x="5869267" y="138112"/>
+                <a:ext cx="2641491" cy="855666"/>
+              </a:xfrm>
+              <a:custGeom>
+                <a:avLst/>
+                <a:gdLst/>
+                <a:ahLst/>
+                <a:cxnLst>
+                  <a:cxn ang="0">
+                    <a:pos x="wd2" y="hd2"/>
+                  </a:cxn>
+                  <a:cxn ang="5400000">
+                    <a:pos x="wd2" y="hd2"/>
+                  </a:cxn>
+                  <a:cxn ang="10800000">
+                    <a:pos x="wd2" y="hd2"/>
+                  </a:cxn>
+                  <a:cxn ang="16200000">
+                    <a:pos x="wd2" y="hd2"/>
+                  </a:cxn>
+                </a:cxnLst>
+                <a:rect l="0" t="0" r="r" b="b"/>
+                <a:pathLst>
+                  <a:path w="21600" h="21600" fill="norm" stroke="1" extrusionOk="0">
+                    <a:moveTo>
+                      <a:pt x="0" y="13305"/>
+                    </a:moveTo>
+                    <a:lnTo>
+                      <a:pt x="0" y="14427"/>
+                    </a:lnTo>
+                    <a:lnTo>
+                      <a:pt x="87" y="15509"/>
+                    </a:lnTo>
+                    <a:lnTo>
+                      <a:pt x="467" y="16591"/>
+                    </a:lnTo>
+                    <a:lnTo>
+                      <a:pt x="935" y="17472"/>
+                    </a:lnTo>
+                    <a:lnTo>
+                      <a:pt x="1592" y="18554"/>
+                    </a:lnTo>
+                    <a:lnTo>
+                      <a:pt x="2440" y="19636"/>
+                    </a:lnTo>
+                    <a:lnTo>
+                      <a:pt x="3375" y="20518"/>
+                    </a:lnTo>
+                    <a:lnTo>
+                      <a:pt x="4413" y="21600"/>
+                    </a:lnTo>
+                    <a:lnTo>
+                      <a:pt x="3669" y="20718"/>
+                    </a:lnTo>
+                    <a:lnTo>
+                      <a:pt x="3098" y="19636"/>
+                    </a:lnTo>
+                    <a:lnTo>
+                      <a:pt x="2717" y="18755"/>
+                    </a:lnTo>
+                    <a:lnTo>
+                      <a:pt x="2440" y="17913"/>
+                    </a:lnTo>
+                    <a:lnTo>
+                      <a:pt x="2354" y="17032"/>
+                    </a:lnTo>
+                    <a:lnTo>
+                      <a:pt x="2354" y="16150"/>
+                    </a:lnTo>
+                    <a:lnTo>
+                      <a:pt x="2440" y="15268"/>
+                    </a:lnTo>
+                    <a:lnTo>
+                      <a:pt x="3098" y="13745"/>
+                    </a:lnTo>
+                    <a:lnTo>
+                      <a:pt x="3479" y="13104"/>
+                    </a:lnTo>
+                    <a:lnTo>
+                      <a:pt x="4604" y="11782"/>
+                    </a:lnTo>
+                    <a:lnTo>
+                      <a:pt x="6110" y="10499"/>
+                    </a:lnTo>
+                    <a:lnTo>
+                      <a:pt x="7702" y="9377"/>
+                    </a:lnTo>
+                    <a:lnTo>
+                      <a:pt x="9588" y="8536"/>
+                    </a:lnTo>
+                    <a:lnTo>
+                      <a:pt x="11458" y="7654"/>
+                    </a:lnTo>
+                    <a:lnTo>
+                      <a:pt x="15404" y="6131"/>
+                    </a:lnTo>
+                    <a:lnTo>
+                      <a:pt x="17187" y="5450"/>
+                    </a:lnTo>
+                    <a:lnTo>
+                      <a:pt x="18883" y="4809"/>
+                    </a:lnTo>
+                    <a:lnTo>
+                      <a:pt x="20388" y="4609"/>
+                    </a:lnTo>
+                    <a:lnTo>
+                      <a:pt x="21600" y="4168"/>
+                    </a:lnTo>
+                    <a:lnTo>
+                      <a:pt x="21600" y="0"/>
+                    </a:lnTo>
+                    <a:lnTo>
+                      <a:pt x="20094" y="882"/>
+                    </a:lnTo>
+                    <a:lnTo>
+                      <a:pt x="18502" y="1523"/>
+                    </a:lnTo>
+                    <a:lnTo>
+                      <a:pt x="15127" y="2845"/>
+                    </a:lnTo>
+                    <a:lnTo>
+                      <a:pt x="11648" y="3727"/>
+                    </a:lnTo>
+                    <a:lnTo>
+                      <a:pt x="8360" y="5049"/>
+                    </a:lnTo>
+                    <a:lnTo>
+                      <a:pt x="6767" y="5691"/>
+                    </a:lnTo>
+                    <a:lnTo>
+                      <a:pt x="5348" y="6332"/>
+                    </a:lnTo>
+                    <a:lnTo>
+                      <a:pt x="3946" y="7213"/>
+                    </a:lnTo>
+                    <a:lnTo>
+                      <a:pt x="2821" y="8095"/>
+                    </a:lnTo>
+                    <a:lnTo>
+                      <a:pt x="1783" y="9177"/>
+                    </a:lnTo>
+                    <a:lnTo>
+                      <a:pt x="935" y="10259"/>
+                    </a:lnTo>
+                    <a:lnTo>
+                      <a:pt x="381" y="11782"/>
+                    </a:lnTo>
+                    <a:lnTo>
+                      <a:pt x="0" y="13305"/>
+                    </a:lnTo>
+                    <a:close/>
+                  </a:path>
+                </a:pathLst>
+              </a:custGeom>
+              <a:gradFill flip="none" rotWithShape="1">
+                <a:gsLst>
+                  <a:gs pos="0">
+                    <a:srgbClr val="111C2A"/>
+                  </a:gs>
+                  <a:gs pos="100000">
+                    <a:srgbClr val="0B0F14"/>
+                  </a:gs>
+                </a:gsLst>
+                <a:lin ang="2700000" scaled="0"/>
+              </a:gradFill>
+              <a:ln w="12700" cap="flat">
+                <a:noFill/>
+                <a:miter lim="400000"/>
+              </a:ln>
+              <a:effectLst/>
+            </p:spPr>
+            <p:txBody>
+              <a:bodyPr wrap="square" lIns="45718" tIns="45718" rIns="45718" bIns="45718" numCol="1" anchor="t">
+                <a:noAutofit/>
+              </a:bodyPr>
+              <a:lstStyle/>
+              <a:p>
+                <a:pPr>
+                  <a:defRPr>
+                    <a:solidFill>
+                      <a:srgbClr val="F8FAFC"/>
+                    </a:solidFill>
+                    <a:latin typeface="Garamond"/>
+                    <a:ea typeface="Garamond"/>
+                    <a:cs typeface="Garamond"/>
+                    <a:sym typeface="Garamond"/>
+                  </a:defRPr>
+                </a:pPr>
+              </a:p>
+            </p:txBody>
+          </p:sp>
+        </p:grpSp>
+        <p:sp>
+          <p:nvSpPr>
+            <p:cNvPr id="8" name="Freeform 11"/>
+            <p:cNvSpPr/>
+            <p:nvPr/>
+          </p:nvSpPr>
+          <p:spPr>
+            <a:xfrm>
+              <a:off x="3373820" y="-3"/>
+              <a:ext cx="3862755" cy="2439993"/>
+            </a:xfrm>
+            <a:custGeom>
+              <a:avLst/>
+              <a:gdLst/>
+              <a:ahLst/>
+              <a:cxnLst>
+                <a:cxn ang="0">
+                  <a:pos x="wd2" y="hd2"/>
+                </a:cxn>
+                <a:cxn ang="5400000">
+                  <a:pos x="wd2" y="hd2"/>
+                </a:cxn>
+                <a:cxn ang="10800000">
+                  <a:pos x="wd2" y="hd2"/>
+                </a:cxn>
+                <a:cxn ang="16200000">
+                  <a:pos x="wd2" y="hd2"/>
+                </a:cxn>
+              </a:cxnLst>
+              <a:rect l="0" t="0" r="r" b="b"/>
+              <a:pathLst>
+                <a:path w="21600" h="21600" fill="norm" stroke="1" extrusionOk="0">
+                  <a:moveTo>
+                    <a:pt x="7253" y="15998"/>
+                  </a:moveTo>
+                  <a:lnTo>
+                    <a:pt x="9238" y="15601"/>
+                  </a:lnTo>
+                  <a:lnTo>
+                    <a:pt x="11082" y="15204"/>
+                  </a:lnTo>
+                  <a:lnTo>
+                    <a:pt x="12766" y="14880"/>
+                  </a:lnTo>
+                  <a:lnTo>
+                    <a:pt x="14300" y="14483"/>
+                  </a:lnTo>
+                  <a:lnTo>
+                    <a:pt x="15673" y="14072"/>
+                  </a:lnTo>
+                  <a:lnTo>
+                    <a:pt x="16896" y="13675"/>
+                  </a:lnTo>
+                  <a:lnTo>
+                    <a:pt x="18025" y="13189"/>
+                  </a:lnTo>
+                  <a:lnTo>
+                    <a:pt x="18938" y="12792"/>
+                  </a:lnTo>
+                  <a:lnTo>
+                    <a:pt x="19756" y="12234"/>
+                  </a:lnTo>
+                  <a:lnTo>
+                    <a:pt x="20424" y="11763"/>
+                  </a:lnTo>
+                  <a:lnTo>
+                    <a:pt x="20885" y="11116"/>
+                  </a:lnTo>
+                  <a:lnTo>
+                    <a:pt x="21290" y="10469"/>
+                  </a:lnTo>
+                  <a:lnTo>
+                    <a:pt x="21497" y="9837"/>
+                  </a:lnTo>
+                  <a:lnTo>
+                    <a:pt x="21600" y="9028"/>
+                  </a:lnTo>
+                  <a:lnTo>
+                    <a:pt x="21544" y="8234"/>
+                  </a:lnTo>
+                  <a:lnTo>
+                    <a:pt x="21346" y="7352"/>
+                  </a:lnTo>
+                  <a:lnTo>
+                    <a:pt x="21083" y="6720"/>
+                  </a:lnTo>
+                  <a:lnTo>
+                    <a:pt x="20678" y="5999"/>
+                  </a:lnTo>
+                  <a:lnTo>
+                    <a:pt x="20170" y="5352"/>
+                  </a:lnTo>
+                  <a:lnTo>
+                    <a:pt x="19559" y="4720"/>
+                  </a:lnTo>
+                  <a:lnTo>
+                    <a:pt x="18891" y="4073"/>
+                  </a:lnTo>
+                  <a:lnTo>
+                    <a:pt x="18129" y="3441"/>
+                  </a:lnTo>
+                  <a:lnTo>
+                    <a:pt x="16642" y="2309"/>
+                  </a:lnTo>
+                  <a:lnTo>
+                    <a:pt x="15880" y="1838"/>
+                  </a:lnTo>
+                  <a:lnTo>
+                    <a:pt x="15165" y="1353"/>
+                  </a:lnTo>
+                  <a:lnTo>
+                    <a:pt x="14450" y="956"/>
+                  </a:lnTo>
+                  <a:lnTo>
+                    <a:pt x="13886" y="632"/>
+                  </a:lnTo>
+                  <a:lnTo>
+                    <a:pt x="13378" y="397"/>
+                  </a:lnTo>
+                  <a:lnTo>
+                    <a:pt x="13020" y="147"/>
+                  </a:lnTo>
+                  <a:lnTo>
+                    <a:pt x="12766" y="74"/>
+                  </a:lnTo>
+                  <a:lnTo>
+                    <a:pt x="12663" y="0"/>
+                  </a:lnTo>
+                  <a:lnTo>
+                    <a:pt x="14093" y="794"/>
+                  </a:lnTo>
+                  <a:lnTo>
+                    <a:pt x="15570" y="1750"/>
+                  </a:lnTo>
+                  <a:lnTo>
+                    <a:pt x="17000" y="2720"/>
+                  </a:lnTo>
+                  <a:lnTo>
+                    <a:pt x="18326" y="3749"/>
+                  </a:lnTo>
+                  <a:lnTo>
+                    <a:pt x="18938" y="4235"/>
+                  </a:lnTo>
+                  <a:lnTo>
+                    <a:pt x="19455" y="4793"/>
+                  </a:lnTo>
+                  <a:lnTo>
+                    <a:pt x="19963" y="5352"/>
+                  </a:lnTo>
+                  <a:lnTo>
+                    <a:pt x="20424" y="5911"/>
+                  </a:lnTo>
+                  <a:lnTo>
+                    <a:pt x="20782" y="6470"/>
+                  </a:lnTo>
+                  <a:lnTo>
+                    <a:pt x="21036" y="7028"/>
+                  </a:lnTo>
+                  <a:lnTo>
+                    <a:pt x="21186" y="7675"/>
+                  </a:lnTo>
+                  <a:lnTo>
+                    <a:pt x="21290" y="8234"/>
+                  </a:lnTo>
+                  <a:lnTo>
+                    <a:pt x="21243" y="8793"/>
+                  </a:lnTo>
+                  <a:lnTo>
+                    <a:pt x="21083" y="9352"/>
+                  </a:lnTo>
+                  <a:lnTo>
+                    <a:pt x="20829" y="9837"/>
+                  </a:lnTo>
+                  <a:lnTo>
+                    <a:pt x="20424" y="10322"/>
+                  </a:lnTo>
+                  <a:lnTo>
+                    <a:pt x="19963" y="10719"/>
+                  </a:lnTo>
+                  <a:lnTo>
+                    <a:pt x="19399" y="11116"/>
+                  </a:lnTo>
+                  <a:lnTo>
+                    <a:pt x="18787" y="11440"/>
+                  </a:lnTo>
+                  <a:lnTo>
+                    <a:pt x="18072" y="11763"/>
+                  </a:lnTo>
+                  <a:lnTo>
+                    <a:pt x="17254" y="12072"/>
+                  </a:lnTo>
+                  <a:lnTo>
+                    <a:pt x="16445" y="12395"/>
+                  </a:lnTo>
+                  <a:lnTo>
+                    <a:pt x="14601" y="12881"/>
+                  </a:lnTo>
+                  <a:lnTo>
+                    <a:pt x="12710" y="13351"/>
+                  </a:lnTo>
+                  <a:lnTo>
+                    <a:pt x="10668" y="13836"/>
+                  </a:lnTo>
+                  <a:lnTo>
+                    <a:pt x="8683" y="14233"/>
+                  </a:lnTo>
+                  <a:lnTo>
+                    <a:pt x="6736" y="14630"/>
+                  </a:lnTo>
+                  <a:lnTo>
+                    <a:pt x="4901" y="15116"/>
+                  </a:lnTo>
+                  <a:lnTo>
+                    <a:pt x="4083" y="15351"/>
+                  </a:lnTo>
+                  <a:lnTo>
+                    <a:pt x="3321" y="15674"/>
+                  </a:lnTo>
+                  <a:lnTo>
+                    <a:pt x="2606" y="15910"/>
+                  </a:lnTo>
+                  <a:lnTo>
+                    <a:pt x="1938" y="16233"/>
+                  </a:lnTo>
+                  <a:lnTo>
+                    <a:pt x="1383" y="16557"/>
+                  </a:lnTo>
+                  <a:lnTo>
+                    <a:pt x="866" y="16880"/>
+                  </a:lnTo>
+                  <a:lnTo>
+                    <a:pt x="508" y="17277"/>
+                  </a:lnTo>
+                  <a:lnTo>
+                    <a:pt x="207" y="17674"/>
+                  </a:lnTo>
+                  <a:lnTo>
+                    <a:pt x="56" y="18071"/>
+                  </a:lnTo>
+                  <a:lnTo>
+                    <a:pt x="0" y="18556"/>
+                  </a:lnTo>
+                  <a:lnTo>
+                    <a:pt x="103" y="19042"/>
+                  </a:lnTo>
+                  <a:lnTo>
+                    <a:pt x="254" y="19512"/>
+                  </a:lnTo>
+                  <a:lnTo>
+                    <a:pt x="508" y="19924"/>
+                  </a:lnTo>
+                  <a:lnTo>
+                    <a:pt x="922" y="20321"/>
+                  </a:lnTo>
+                  <a:lnTo>
+                    <a:pt x="1326" y="20644"/>
+                  </a:lnTo>
+                  <a:lnTo>
+                    <a:pt x="1844" y="20953"/>
+                  </a:lnTo>
+                  <a:lnTo>
+                    <a:pt x="2455" y="21277"/>
+                  </a:lnTo>
+                  <a:lnTo>
+                    <a:pt x="3067" y="21600"/>
+                  </a:lnTo>
+                  <a:lnTo>
+                    <a:pt x="2502" y="21203"/>
+                  </a:lnTo>
+                  <a:lnTo>
+                    <a:pt x="2041" y="20791"/>
+                  </a:lnTo>
+                  <a:lnTo>
+                    <a:pt x="1637" y="20394"/>
+                  </a:lnTo>
+                  <a:lnTo>
+                    <a:pt x="1383" y="19997"/>
+                  </a:lnTo>
+                  <a:lnTo>
+                    <a:pt x="1176" y="19600"/>
+                  </a:lnTo>
+                  <a:lnTo>
+                    <a:pt x="1129" y="19203"/>
+                  </a:lnTo>
+                  <a:lnTo>
+                    <a:pt x="1176" y="18792"/>
+                  </a:lnTo>
+                  <a:lnTo>
+                    <a:pt x="1326" y="18483"/>
+                  </a:lnTo>
+                  <a:lnTo>
+                    <a:pt x="1637" y="18071"/>
+                  </a:lnTo>
+                  <a:lnTo>
+                    <a:pt x="1994" y="17762"/>
+                  </a:lnTo>
+                  <a:lnTo>
+                    <a:pt x="2559" y="17439"/>
+                  </a:lnTo>
+                  <a:lnTo>
+                    <a:pt x="3217" y="17115"/>
+                  </a:lnTo>
+                  <a:lnTo>
+                    <a:pt x="3979" y="16792"/>
+                  </a:lnTo>
+                  <a:lnTo>
+                    <a:pt x="4958" y="16483"/>
+                  </a:lnTo>
+                  <a:lnTo>
+                    <a:pt x="6030" y="16233"/>
+                  </a:lnTo>
+                  <a:lnTo>
+                    <a:pt x="7253" y="15998"/>
+                  </a:lnTo>
+                  <a:close/>
+                </a:path>
+              </a:pathLst>
+            </a:custGeom>
+            <a:gradFill flip="none" rotWithShape="1">
+              <a:gsLst>
+                <a:gs pos="0">
+                  <a:srgbClr val="0F172A"/>
+                </a:gs>
+                <a:gs pos="100000">
+                  <a:srgbClr val="0B0F14"/>
+                </a:gs>
+              </a:gsLst>
+              <a:lin ang="2700000" scaled="0"/>
+            </a:gradFill>
+            <a:ln w="12700" cap="flat">
+              <a:noFill/>
+              <a:miter lim="400000"/>
+            </a:ln>
+            <a:effectLst/>
+          </p:spPr>
+          <p:txBody>
+            <a:bodyPr wrap="square" lIns="45718" tIns="45718" rIns="45718" bIns="45718" numCol="1" anchor="t">
+              <a:noAutofit/>
+            </a:bodyPr>
+            <a:lstStyle/>
+            <a:p>
+              <a:pPr>
+                <a:defRPr>
+                  <a:solidFill>
+                    <a:srgbClr val="F8FAFC"/>
+                  </a:solidFill>
+                  <a:latin typeface="Garamond"/>
+                  <a:ea typeface="Garamond"/>
+                  <a:cs typeface="Garamond"/>
+                  <a:sym typeface="Garamond"/>
+                </a:defRPr>
+              </a:pPr>
+            </a:p>
+          </p:txBody>
+        </p:sp>
+      </p:grpSp>
+      <p:pic>
+        <p:nvPicPr>
+          <p:cNvPr id="10" name="MVCCC Logo" descr="MVCCC Logo"/>
+          <p:cNvPicPr>
+            <a:picLocks noChangeAspect="1"/>
+          </p:cNvPicPr>
+          <p:nvPr/>
+        </p:nvPicPr>
+        <p:blipFill>
+          <a:blip r:embed="rId2">
+            <a:extLst/>
+          </a:blip>
+          <a:stretch>
+            <a:fillRect/>
+          </a:stretch>
+        </p:blipFill>
+        <p:spPr>
+          <a:xfrm>
+            <a:off x="9814255" y="5810865"/>
+            <a:ext cx="2011681" cy="681376"/>
+          </a:xfrm>
+          <a:prstGeom prst="rect">
+            <a:avLst/>
+          </a:prstGeom>
+          <a:ln w="12700">
+            <a:miter lim="400000"/>
+          </a:ln>
+        </p:spPr>
+      </p:pic>
       <p:sp>
         <p:nvSpPr>
-          <p:cNvPr id="2" name="Title Text"/>
-          <p:cNvSpPr txBox="1">
-            <a:spLocks noGrp="1"/>
-          </p:cNvSpPr>
+          <p:cNvPr id="11" name="約翰福音 3:16"/>
+          <p:cNvSpPr txBox="1"/>
           <p:nvPr>
-            <p:ph type="title"/>
+            <p:ph type="title" hasCustomPrompt="1"/>
           </p:nvPr>
         </p:nvSpPr>
         <p:spPr>
           <a:xfrm>
-            <a:off x="457200" y="205978"/>
-            <a:ext cx="8229600" cy="857251"/>
+            <a:off x="609600" y="274638"/>
+            <a:ext cx="10972800" cy="1143001"/>
           </a:xfrm>
           <a:prstGeom prst="rect">
             <a:avLst/>
@@ -1932,36 +3199,35 @@
           </a:ln>
           <a:extLst>
             <a:ext uri="{C572A759-6A51-4108-AA02-DFA0A04FC94B}">
-              <ma14:wrappingTextBoxFlag xmlns:ma14="http://schemas.microsoft.com/office/mac/drawingml/2011/main" xmlns:a14="http://schemas.microsoft.com/office/drawing/2010/main" xmlns:m="http://schemas.openxmlformats.org/officeDocument/2006/math" xmlns="" val="1"/>
+              <ma14:wrappingTextBoxFlag xmlns:ma14="http://schemas.microsoft.com/office/mac/drawingml/2011/main" val="1"/>
             </a:ext>
           </a:extLst>
         </p:spPr>
         <p:txBody>
-          <a:bodyPr lIns="45719" rIns="45719" anchor="ctr">
-            <a:normAutofit/>
+          <a:bodyPr lIns="45718" tIns="45718" rIns="45718" bIns="45718" anchor="ctr">
+            <a:normAutofit fontScale="100000" lnSpcReduction="0"/>
           </a:bodyPr>
           <a:lstStyle/>
           <a:p>
+            <a:pPr/>
             <a:r>
-              <a:t>Title Text</a:t>
+              <a:t>約翰福音 3:16</a:t>
             </a:r>
           </a:p>
         </p:txBody>
       </p:sp>
       <p:sp>
         <p:nvSpPr>
-          <p:cNvPr id="3" name="Body Level One…"/>
-          <p:cNvSpPr txBox="1">
-            <a:spLocks noGrp="1"/>
-          </p:cNvSpPr>
+          <p:cNvPr id="12" name="Body Level One…"/>
+          <p:cNvSpPr txBox="1"/>
           <p:nvPr>
-            <p:ph type="body" idx="1"/>
+            <p:ph type="body" idx="1" hasCustomPrompt="1"/>
           </p:nvPr>
         </p:nvSpPr>
         <p:spPr>
           <a:xfrm>
-            <a:off x="457200" y="1200150"/>
-            <a:ext cx="8229600" cy="3394473"/>
+            <a:off x="406400" y="1828800"/>
+            <a:ext cx="11379200" cy="4724400"/>
           </a:xfrm>
           <a:prstGeom prst="rect">
             <a:avLst/>
@@ -1971,60 +3237,59 @@
           </a:ln>
           <a:extLst>
             <a:ext uri="{C572A759-6A51-4108-AA02-DFA0A04FC94B}">
-              <ma14:wrappingTextBoxFlag xmlns:ma14="http://schemas.microsoft.com/office/mac/drawingml/2011/main" xmlns:a14="http://schemas.microsoft.com/office/drawing/2010/main" xmlns:m="http://schemas.openxmlformats.org/officeDocument/2006/math" xmlns="" val="1"/>
+              <ma14:wrappingTextBoxFlag xmlns:ma14="http://schemas.microsoft.com/office/mac/drawingml/2011/main" val="1"/>
             </a:ext>
           </a:extLst>
         </p:spPr>
         <p:txBody>
-          <a:bodyPr lIns="45719" rIns="45719">
-            <a:normAutofit/>
+          <a:bodyPr lIns="45718" tIns="45718" rIns="45718" bIns="45718">
+            <a:normAutofit fontScale="100000" lnSpcReduction="0"/>
           </a:bodyPr>
           <a:lstStyle/>
           <a:p>
+            <a:pPr/>
             <a:r>
-              <a:t>Body Level One</a:t>
+              <a:t>16 神愛世人，甚至將他的獨生子賜給他們，叫一切信他的不至滅亡反得永生。</a:t>
             </a:r>
           </a:p>
           <a:p>
             <a:pPr lvl="1"/>
             <a:r>
-              <a:t>Body Level Two</a:t>
+              <a:t/>
             </a:r>
           </a:p>
           <a:p>
             <a:pPr lvl="2"/>
             <a:r>
-              <a:t>Body Level Three</a:t>
+              <a:t/>
             </a:r>
           </a:p>
           <a:p>
             <a:pPr lvl="3"/>
             <a:r>
-              <a:t>Body Level Four</a:t>
+              <a:t/>
             </a:r>
           </a:p>
           <a:p>
             <a:pPr lvl="4"/>
             <a:r>
-              <a:t>Body Level Five</a:t>
+              <a:t/>
             </a:r>
           </a:p>
         </p:txBody>
       </p:sp>
       <p:sp>
         <p:nvSpPr>
-          <p:cNvPr id="4" name="Slide Number"/>
-          <p:cNvSpPr txBox="1">
-            <a:spLocks noGrp="1"/>
-          </p:cNvSpPr>
+          <p:cNvPr id="13" name="Slide Number"/>
+          <p:cNvSpPr txBox="1"/>
           <p:nvPr>
             <p:ph type="sldNum" sz="quarter" idx="2"/>
           </p:nvPr>
         </p:nvSpPr>
         <p:spPr>
           <a:xfrm>
-            <a:off x="8422818" y="4769564"/>
-            <a:ext cx="263983" cy="269241"/>
+            <a:off x="8490590" y="6228082"/>
+            <a:ext cx="247012" cy="256537"/>
           </a:xfrm>
           <a:prstGeom prst="rect">
             <a:avLst/>
@@ -2034,23 +3299,25 @@
           </a:ln>
         </p:spPr>
         <p:txBody>
-          <a:bodyPr wrap="none" lIns="45719" rIns="45719" anchor="ctr">
+          <a:bodyPr wrap="none" lIns="45718" tIns="45718" rIns="45718" bIns="45718" anchor="ctr">
             <a:spAutoFit/>
           </a:bodyPr>
           <a:lstStyle>
             <a:lvl1pPr algn="r">
               <a:defRPr sz="1200">
                 <a:solidFill>
-                  <a:srgbClr val="888888"/>
+                  <a:srgbClr val="F8FAFC"/>
                 </a:solidFill>
+                <a:latin typeface="Garamond"/>
+                <a:ea typeface="Garamond"/>
+                <a:cs typeface="Garamond"/>
+                <a:sym typeface="Garamond"/>
               </a:defRPr>
             </a:lvl1pPr>
           </a:lstStyle>
           <a:p>
-            <a:fld id="{86CB4B4D-7CA3-9044-876B-883B54F8677D}" type="slidenum">
-              <a:t>‹#›</a:t>
-            </a:fld>
-            <a:endParaRPr/>
+            <a:pPr/>
+            <a:fld id="{86CB4B4D-7CA3-9044-876B-883B54F8677D}" type="slidenum"/>
           </a:p>
         </p:txBody>
       </p:sp>
@@ -2058,17 +3325,18 @@
   </p:cSld>
   <p:clrMap bg1="lt1" tx1="dk1" bg2="lt2" tx2="dk2" accent1="accent1" accent2="accent2" accent3="accent3" accent4="accent4" accent5="accent5" accent6="accent6" hlink="hlink" folHlink="folHlink"/>
   <p:sldLayoutIdLst>
-    <p:sldLayoutId id="2147483649" r:id="rId1"/>
-    <p:sldLayoutId id="2147483650" r:id="rId2"/>
-    <p:sldLayoutId id="2147483651" r:id="rId3"/>
-    <p:sldLayoutId id="2147483652" r:id="rId4"/>
-    <p:sldLayoutId id="2147483653" r:id="rId5"/>
-    <p:sldLayoutId id="2147483654" r:id="rId6"/>
-    <p:sldLayoutId id="2147483655" r:id="rId7"/>
-    <p:sldLayoutId id="2147483656" r:id="rId8"/>
-    <p:sldLayoutId id="2147483657" r:id="rId9"/>
+    <p:sldLayoutId id="2147483649" r:id="rId3"/>
+    <p:sldLayoutId id="2147483650" r:id="rId4"/>
+    <p:sldLayoutId id="2147483651" r:id="rId5"/>
+    <p:sldLayoutId id="2147483652" r:id="rId6"/>
+    <p:sldLayoutId id="2147483653" r:id="rId7"/>
+    <p:sldLayoutId id="2147483654" r:id="rId8"/>
+    <p:sldLayoutId id="2147483655" r:id="rId9"/>
+    <p:sldLayoutId id="2147483656" r:id="rId10"/>
+    <p:sldLayoutId id="2147483657" r:id="rId11"/>
+    <p:sldLayoutId id="2147483658" r:id="rId12"/>
   </p:sldLayoutIdLst>
-  <p:transition spd="med"/>
+  <p:transition xmlns:p14="http://schemas.microsoft.com/office/powerpoint/2010/main" spd="med" advClick="1"/>
   <p:txStyles>
     <p:titleStyle>
       <a:lvl1pPr marL="0" marR="0" indent="0" algn="ctr" defTabSz="914400" rtl="0" latinLnBrk="0">
@@ -2086,18 +3354,20 @@
         <a:buFontTx/>
         <a:buNone/>
         <a:tabLst/>
-        <a:defRPr sz="4400" b="0" i="0" u="none" strike="noStrike" cap="none" spc="0" baseline="0">
-          <a:ln>
-            <a:noFill/>
-          </a:ln>
+        <a:defRPr b="0" baseline="0" cap="none" i="0" spc="0" strike="noStrike" sz="5400" u="none">
           <a:solidFill>
-            <a:srgbClr val="000000"/>
+            <a:schemeClr val="accent6"/>
           </a:solidFill>
+          <a:effectLst>
+            <a:outerShdw sx="100000" sy="100000" kx="0" ky="0" algn="b" rotWithShape="0" blurRad="38100" dist="38100" dir="2700000">
+              <a:srgbClr val="0B0F14"/>
+            </a:outerShdw>
+          </a:effectLst>
           <a:uFillTx/>
-          <a:latin typeface="+mn-lt"/>
-          <a:ea typeface="+mn-ea"/>
-          <a:cs typeface="+mn-cs"/>
-          <a:sym typeface="Calibri"/>
+          <a:latin typeface="PingFang TC Semibold"/>
+          <a:ea typeface="PingFang TC Semibold"/>
+          <a:cs typeface="PingFang TC Semibold"/>
+          <a:sym typeface="PingFang TC Semibold"/>
         </a:defRPr>
       </a:lvl1pPr>
       <a:lvl2pPr marL="0" marR="0" indent="0" algn="ctr" defTabSz="914400" rtl="0" latinLnBrk="0">
@@ -2115,18 +3385,20 @@
         <a:buFontTx/>
         <a:buNone/>
         <a:tabLst/>
-        <a:defRPr sz="4400" b="0" i="0" u="none" strike="noStrike" cap="none" spc="0" baseline="0">
-          <a:ln>
-            <a:noFill/>
-          </a:ln>
+        <a:defRPr b="0" baseline="0" cap="none" i="0" spc="0" strike="noStrike" sz="5400" u="none">
           <a:solidFill>
-            <a:srgbClr val="000000"/>
+            <a:schemeClr val="accent6"/>
           </a:solidFill>
+          <a:effectLst>
+            <a:outerShdw sx="100000" sy="100000" kx="0" ky="0" algn="b" rotWithShape="0" blurRad="38100" dist="38100" dir="2700000">
+              <a:srgbClr val="0B0F14"/>
+            </a:outerShdw>
+          </a:effectLst>
           <a:uFillTx/>
-          <a:latin typeface="+mn-lt"/>
-          <a:ea typeface="+mn-ea"/>
-          <a:cs typeface="+mn-cs"/>
-          <a:sym typeface="Calibri"/>
+          <a:latin typeface="PingFang TC Semibold"/>
+          <a:ea typeface="PingFang TC Semibold"/>
+          <a:cs typeface="PingFang TC Semibold"/>
+          <a:sym typeface="PingFang TC Semibold"/>
         </a:defRPr>
       </a:lvl2pPr>
       <a:lvl3pPr marL="0" marR="0" indent="0" algn="ctr" defTabSz="914400" rtl="0" latinLnBrk="0">
@@ -2144,18 +3416,20 @@
         <a:buFontTx/>
         <a:buNone/>
         <a:tabLst/>
-        <a:defRPr sz="4400" b="0" i="0" u="none" strike="noStrike" cap="none" spc="0" baseline="0">
-          <a:ln>
-            <a:noFill/>
-          </a:ln>
+        <a:defRPr b="0" baseline="0" cap="none" i="0" spc="0" strike="noStrike" sz="5400" u="none">
           <a:solidFill>
-            <a:srgbClr val="000000"/>
+            <a:schemeClr val="accent6"/>
           </a:solidFill>
+          <a:effectLst>
+            <a:outerShdw sx="100000" sy="100000" kx="0" ky="0" algn="b" rotWithShape="0" blurRad="38100" dist="38100" dir="2700000">
+              <a:srgbClr val="0B0F14"/>
+            </a:outerShdw>
+          </a:effectLst>
           <a:uFillTx/>
-          <a:latin typeface="+mn-lt"/>
-          <a:ea typeface="+mn-ea"/>
-          <a:cs typeface="+mn-cs"/>
-          <a:sym typeface="Calibri"/>
+          <a:latin typeface="PingFang TC Semibold"/>
+          <a:ea typeface="PingFang TC Semibold"/>
+          <a:cs typeface="PingFang TC Semibold"/>
+          <a:sym typeface="PingFang TC Semibold"/>
         </a:defRPr>
       </a:lvl3pPr>
       <a:lvl4pPr marL="0" marR="0" indent="0" algn="ctr" defTabSz="914400" rtl="0" latinLnBrk="0">
@@ -2173,18 +3447,20 @@
         <a:buFontTx/>
         <a:buNone/>
         <a:tabLst/>
-        <a:defRPr sz="4400" b="0" i="0" u="none" strike="noStrike" cap="none" spc="0" baseline="0">
-          <a:ln>
-            <a:noFill/>
-          </a:ln>
+        <a:defRPr b="0" baseline="0" cap="none" i="0" spc="0" strike="noStrike" sz="5400" u="none">
           <a:solidFill>
-            <a:srgbClr val="000000"/>
+            <a:schemeClr val="accent6"/>
           </a:solidFill>
+          <a:effectLst>
+            <a:outerShdw sx="100000" sy="100000" kx="0" ky="0" algn="b" rotWithShape="0" blurRad="38100" dist="38100" dir="2700000">
+              <a:srgbClr val="0B0F14"/>
+            </a:outerShdw>
+          </a:effectLst>
           <a:uFillTx/>
-          <a:latin typeface="+mn-lt"/>
-          <a:ea typeface="+mn-ea"/>
-          <a:cs typeface="+mn-cs"/>
-          <a:sym typeface="Calibri"/>
+          <a:latin typeface="PingFang TC Semibold"/>
+          <a:ea typeface="PingFang TC Semibold"/>
+          <a:cs typeface="PingFang TC Semibold"/>
+          <a:sym typeface="PingFang TC Semibold"/>
         </a:defRPr>
       </a:lvl4pPr>
       <a:lvl5pPr marL="0" marR="0" indent="0" algn="ctr" defTabSz="914400" rtl="0" latinLnBrk="0">
@@ -2202,18 +3478,20 @@
         <a:buFontTx/>
         <a:buNone/>
         <a:tabLst/>
-        <a:defRPr sz="4400" b="0" i="0" u="none" strike="noStrike" cap="none" spc="0" baseline="0">
-          <a:ln>
-            <a:noFill/>
-          </a:ln>
+        <a:defRPr b="0" baseline="0" cap="none" i="0" spc="0" strike="noStrike" sz="5400" u="none">
           <a:solidFill>
-            <a:srgbClr val="000000"/>
+            <a:schemeClr val="accent6"/>
           </a:solidFill>
+          <a:effectLst>
+            <a:outerShdw sx="100000" sy="100000" kx="0" ky="0" algn="b" rotWithShape="0" blurRad="38100" dist="38100" dir="2700000">
+              <a:srgbClr val="0B0F14"/>
+            </a:outerShdw>
+          </a:effectLst>
           <a:uFillTx/>
-          <a:latin typeface="+mn-lt"/>
-          <a:ea typeface="+mn-ea"/>
-          <a:cs typeface="+mn-cs"/>
-          <a:sym typeface="Calibri"/>
+          <a:latin typeface="PingFang TC Semibold"/>
+          <a:ea typeface="PingFang TC Semibold"/>
+          <a:cs typeface="PingFang TC Semibold"/>
+          <a:sym typeface="PingFang TC Semibold"/>
         </a:defRPr>
       </a:lvl5pPr>
       <a:lvl6pPr marL="0" marR="0" indent="0" algn="ctr" defTabSz="914400" rtl="0" latinLnBrk="0">
@@ -2231,18 +3509,20 @@
         <a:buFontTx/>
         <a:buNone/>
         <a:tabLst/>
-        <a:defRPr sz="4400" b="0" i="0" u="none" strike="noStrike" cap="none" spc="0" baseline="0">
-          <a:ln>
-            <a:noFill/>
-          </a:ln>
+        <a:defRPr b="0" baseline="0" cap="none" i="0" spc="0" strike="noStrike" sz="5400" u="none">
           <a:solidFill>
-            <a:srgbClr val="000000"/>
+            <a:schemeClr val="accent6"/>
           </a:solidFill>
+          <a:effectLst>
+            <a:outerShdw sx="100000" sy="100000" kx="0" ky="0" algn="b" rotWithShape="0" blurRad="38100" dist="38100" dir="2700000">
+              <a:srgbClr val="0B0F14"/>
+            </a:outerShdw>
+          </a:effectLst>
           <a:uFillTx/>
-          <a:latin typeface="+mn-lt"/>
-          <a:ea typeface="+mn-ea"/>
-          <a:cs typeface="+mn-cs"/>
-          <a:sym typeface="Calibri"/>
+          <a:latin typeface="PingFang TC Semibold"/>
+          <a:ea typeface="PingFang TC Semibold"/>
+          <a:cs typeface="PingFang TC Semibold"/>
+          <a:sym typeface="PingFang TC Semibold"/>
         </a:defRPr>
       </a:lvl6pPr>
       <a:lvl7pPr marL="0" marR="0" indent="0" algn="ctr" defTabSz="914400" rtl="0" latinLnBrk="0">
@@ -2260,18 +3540,20 @@
         <a:buFontTx/>
         <a:buNone/>
         <a:tabLst/>
-        <a:defRPr sz="4400" b="0" i="0" u="none" strike="noStrike" cap="none" spc="0" baseline="0">
-          <a:ln>
-            <a:noFill/>
-          </a:ln>
+        <a:defRPr b="0" baseline="0" cap="none" i="0" spc="0" strike="noStrike" sz="5400" u="none">
           <a:solidFill>
-            <a:srgbClr val="000000"/>
+            <a:schemeClr val="accent6"/>
           </a:solidFill>
+          <a:effectLst>
+            <a:outerShdw sx="100000" sy="100000" kx="0" ky="0" algn="b" rotWithShape="0" blurRad="38100" dist="38100" dir="2700000">
+              <a:srgbClr val="0B0F14"/>
+            </a:outerShdw>
+          </a:effectLst>
           <a:uFillTx/>
-          <a:latin typeface="+mn-lt"/>
-          <a:ea typeface="+mn-ea"/>
-          <a:cs typeface="+mn-cs"/>
-          <a:sym typeface="Calibri"/>
+          <a:latin typeface="PingFang TC Semibold"/>
+          <a:ea typeface="PingFang TC Semibold"/>
+          <a:cs typeface="PingFang TC Semibold"/>
+          <a:sym typeface="PingFang TC Semibold"/>
         </a:defRPr>
       </a:lvl7pPr>
       <a:lvl8pPr marL="0" marR="0" indent="0" algn="ctr" defTabSz="914400" rtl="0" latinLnBrk="0">
@@ -2289,18 +3571,20 @@
         <a:buFontTx/>
         <a:buNone/>
         <a:tabLst/>
-        <a:defRPr sz="4400" b="0" i="0" u="none" strike="noStrike" cap="none" spc="0" baseline="0">
-          <a:ln>
-            <a:noFill/>
-          </a:ln>
+        <a:defRPr b="0" baseline="0" cap="none" i="0" spc="0" strike="noStrike" sz="5400" u="none">
           <a:solidFill>
-            <a:srgbClr val="000000"/>
+            <a:schemeClr val="accent6"/>
           </a:solidFill>
+          <a:effectLst>
+            <a:outerShdw sx="100000" sy="100000" kx="0" ky="0" algn="b" rotWithShape="0" blurRad="38100" dist="38100" dir="2700000">
+              <a:srgbClr val="0B0F14"/>
+            </a:outerShdw>
+          </a:effectLst>
           <a:uFillTx/>
-          <a:latin typeface="+mn-lt"/>
-          <a:ea typeface="+mn-ea"/>
-          <a:cs typeface="+mn-cs"/>
-          <a:sym typeface="Calibri"/>
+          <a:latin typeface="PingFang TC Semibold"/>
+          <a:ea typeface="PingFang TC Semibold"/>
+          <a:cs typeface="PingFang TC Semibold"/>
+          <a:sym typeface="PingFang TC Semibold"/>
         </a:defRPr>
       </a:lvl8pPr>
       <a:lvl9pPr marL="0" marR="0" indent="0" algn="ctr" defTabSz="914400" rtl="0" latinLnBrk="0">
@@ -2318,281 +3602,301 @@
         <a:buFontTx/>
         <a:buNone/>
         <a:tabLst/>
-        <a:defRPr sz="4400" b="0" i="0" u="none" strike="noStrike" cap="none" spc="0" baseline="0">
-          <a:ln>
-            <a:noFill/>
-          </a:ln>
+        <a:defRPr b="0" baseline="0" cap="none" i="0" spc="0" strike="noStrike" sz="5400" u="none">
           <a:solidFill>
-            <a:srgbClr val="000000"/>
+            <a:schemeClr val="accent6"/>
           </a:solidFill>
+          <a:effectLst>
+            <a:outerShdw sx="100000" sy="100000" kx="0" ky="0" algn="b" rotWithShape="0" blurRad="38100" dist="38100" dir="2700000">
+              <a:srgbClr val="0B0F14"/>
+            </a:outerShdw>
+          </a:effectLst>
           <a:uFillTx/>
-          <a:latin typeface="+mn-lt"/>
-          <a:ea typeface="+mn-ea"/>
-          <a:cs typeface="+mn-cs"/>
-          <a:sym typeface="Calibri"/>
+          <a:latin typeface="PingFang TC Semibold"/>
+          <a:ea typeface="PingFang TC Semibold"/>
+          <a:cs typeface="PingFang TC Semibold"/>
+          <a:sym typeface="PingFang TC Semibold"/>
         </a:defRPr>
       </a:lvl9pPr>
     </p:titleStyle>
     <p:bodyStyle>
-      <a:lvl1pPr marL="342900" marR="0" indent="-342900" algn="l" defTabSz="914400" rtl="0" latinLnBrk="0">
+      <a:lvl1pPr marL="0" marR="0" indent="0" algn="l" defTabSz="914400" rtl="0" latinLnBrk="0">
         <a:lnSpc>
           <a:spcPct val="100000"/>
         </a:lnSpc>
         <a:spcBef>
-          <a:spcPts val="700"/>
+          <a:spcPts val="500"/>
         </a:spcBef>
         <a:spcAft>
           <a:spcPts val="0"/>
         </a:spcAft>
         <a:buClrTx/>
-        <a:buSzPct val="100000"/>
-        <a:buFont typeface="Arial"/>
-        <a:buChar char="•"/>
+        <a:buSzTx/>
+        <a:buFontTx/>
+        <a:buNone/>
         <a:tabLst/>
-        <a:defRPr sz="3200" b="0" i="0" u="none" strike="noStrike" cap="none" spc="0" baseline="0">
-          <a:ln>
-            <a:noFill/>
-          </a:ln>
+        <a:defRPr b="0" baseline="0" cap="none" i="0" spc="0" strike="noStrike" sz="4800" u="none">
           <a:solidFill>
-            <a:srgbClr val="000000"/>
+            <a:schemeClr val="accent6"/>
           </a:solidFill>
+          <a:effectLst>
+            <a:outerShdw sx="100000" sy="100000" kx="0" ky="0" algn="b" rotWithShape="0" blurRad="38100" dist="38100" dir="2700000">
+              <a:srgbClr val="0B0F14"/>
+            </a:outerShdw>
+          </a:effectLst>
           <a:uFillTx/>
-          <a:latin typeface="+mn-lt"/>
-          <a:ea typeface="+mn-ea"/>
-          <a:cs typeface="+mn-cs"/>
-          <a:sym typeface="Calibri"/>
+          <a:latin typeface="Helvetica Neue"/>
+          <a:ea typeface="Helvetica Neue"/>
+          <a:cs typeface="Helvetica Neue"/>
+          <a:sym typeface="Helvetica Neue"/>
         </a:defRPr>
       </a:lvl1pPr>
-      <a:lvl2pPr marL="783771" marR="0" indent="-326571" algn="l" defTabSz="914400" rtl="0" latinLnBrk="0">
+      <a:lvl2pPr marL="947057" marR="0" indent="-489857" algn="l" defTabSz="914400" rtl="0" latinLnBrk="0">
         <a:lnSpc>
           <a:spcPct val="100000"/>
         </a:lnSpc>
         <a:spcBef>
-          <a:spcPts val="700"/>
+          <a:spcPts val="500"/>
         </a:spcBef>
         <a:spcAft>
           <a:spcPts val="0"/>
         </a:spcAft>
         <a:buClrTx/>
-        <a:buSzPct val="100000"/>
-        <a:buFont typeface="Arial"/>
-        <a:buChar char="–"/>
+        <a:buSzPct val="70000"/>
+        <a:buFontTx/>
+        <a:buChar char="■"/>
         <a:tabLst/>
-        <a:defRPr sz="3200" b="0" i="0" u="none" strike="noStrike" cap="none" spc="0" baseline="0">
-          <a:ln>
-            <a:noFill/>
-          </a:ln>
+        <a:defRPr b="0" baseline="0" cap="none" i="0" spc="0" strike="noStrike" sz="4800" u="none">
           <a:solidFill>
-            <a:srgbClr val="000000"/>
+            <a:schemeClr val="accent6"/>
           </a:solidFill>
+          <a:effectLst>
+            <a:outerShdw sx="100000" sy="100000" kx="0" ky="0" algn="b" rotWithShape="0" blurRad="38100" dist="38100" dir="2700000">
+              <a:srgbClr val="0B0F14"/>
+            </a:outerShdw>
+          </a:effectLst>
           <a:uFillTx/>
-          <a:latin typeface="+mn-lt"/>
-          <a:ea typeface="+mn-ea"/>
-          <a:cs typeface="+mn-cs"/>
-          <a:sym typeface="Calibri"/>
+          <a:latin typeface="Helvetica Neue"/>
+          <a:ea typeface="Helvetica Neue"/>
+          <a:cs typeface="Helvetica Neue"/>
+          <a:sym typeface="Helvetica Neue"/>
         </a:defRPr>
       </a:lvl2pPr>
-      <a:lvl3pPr marL="1219200" marR="0" indent="-304800" algn="l" defTabSz="914400" rtl="0" latinLnBrk="0">
+      <a:lvl3pPr marL="1371600" marR="0" indent="-457200" algn="l" defTabSz="914400" rtl="0" latinLnBrk="0">
         <a:lnSpc>
           <a:spcPct val="100000"/>
         </a:lnSpc>
         <a:spcBef>
-          <a:spcPts val="700"/>
+          <a:spcPts val="500"/>
         </a:spcBef>
         <a:spcAft>
           <a:spcPts val="0"/>
         </a:spcAft>
         <a:buClrTx/>
-        <a:buSzPct val="100000"/>
-        <a:buFont typeface="Arial"/>
-        <a:buChar char="•"/>
+        <a:buSzPct val="70000"/>
+        <a:buFontTx/>
+        <a:buChar char="■"/>
         <a:tabLst/>
-        <a:defRPr sz="3200" b="0" i="0" u="none" strike="noStrike" cap="none" spc="0" baseline="0">
-          <a:ln>
-            <a:noFill/>
-          </a:ln>
+        <a:defRPr b="0" baseline="0" cap="none" i="0" spc="0" strike="noStrike" sz="4800" u="none">
           <a:solidFill>
-            <a:srgbClr val="000000"/>
+            <a:schemeClr val="accent6"/>
           </a:solidFill>
+          <a:effectLst>
+            <a:outerShdw sx="100000" sy="100000" kx="0" ky="0" algn="b" rotWithShape="0" blurRad="38100" dist="38100" dir="2700000">
+              <a:srgbClr val="0B0F14"/>
+            </a:outerShdw>
+          </a:effectLst>
           <a:uFillTx/>
-          <a:latin typeface="+mn-lt"/>
-          <a:ea typeface="+mn-ea"/>
-          <a:cs typeface="+mn-cs"/>
-          <a:sym typeface="Calibri"/>
+          <a:latin typeface="Helvetica Neue"/>
+          <a:ea typeface="Helvetica Neue"/>
+          <a:cs typeface="Helvetica Neue"/>
+          <a:sym typeface="Helvetica Neue"/>
         </a:defRPr>
       </a:lvl3pPr>
-      <a:lvl4pPr marL="1737360" marR="0" indent="-365760" algn="l" defTabSz="914400" rtl="0" latinLnBrk="0">
+      <a:lvl4pPr marL="1920238" marR="0" indent="-548638" algn="l" defTabSz="914400" rtl="0" latinLnBrk="0">
         <a:lnSpc>
           <a:spcPct val="100000"/>
         </a:lnSpc>
         <a:spcBef>
-          <a:spcPts val="700"/>
+          <a:spcPts val="500"/>
         </a:spcBef>
         <a:spcAft>
           <a:spcPts val="0"/>
         </a:spcAft>
         <a:buClrTx/>
-        <a:buSzPct val="100000"/>
-        <a:buFont typeface="Arial"/>
-        <a:buChar char="–"/>
+        <a:buSzPct val="70000"/>
+        <a:buFontTx/>
+        <a:buChar char="■"/>
         <a:tabLst/>
-        <a:defRPr sz="3200" b="0" i="0" u="none" strike="noStrike" cap="none" spc="0" baseline="0">
-          <a:ln>
-            <a:noFill/>
-          </a:ln>
+        <a:defRPr b="0" baseline="0" cap="none" i="0" spc="0" strike="noStrike" sz="4800" u="none">
           <a:solidFill>
-            <a:srgbClr val="000000"/>
+            <a:schemeClr val="accent6"/>
           </a:solidFill>
+          <a:effectLst>
+            <a:outerShdw sx="100000" sy="100000" kx="0" ky="0" algn="b" rotWithShape="0" blurRad="38100" dist="38100" dir="2700000">
+              <a:srgbClr val="0B0F14"/>
+            </a:outerShdw>
+          </a:effectLst>
           <a:uFillTx/>
-          <a:latin typeface="+mn-lt"/>
-          <a:ea typeface="+mn-ea"/>
-          <a:cs typeface="+mn-cs"/>
-          <a:sym typeface="Calibri"/>
+          <a:latin typeface="Helvetica Neue"/>
+          <a:ea typeface="Helvetica Neue"/>
+          <a:cs typeface="Helvetica Neue"/>
+          <a:sym typeface="Helvetica Neue"/>
         </a:defRPr>
       </a:lvl4pPr>
-      <a:lvl5pPr marL="2194560" marR="0" indent="-365760" algn="l" defTabSz="914400" rtl="0" latinLnBrk="0">
+      <a:lvl5pPr marL="2377438" marR="0" indent="-548638" algn="l" defTabSz="914400" rtl="0" latinLnBrk="0">
         <a:lnSpc>
           <a:spcPct val="100000"/>
         </a:lnSpc>
         <a:spcBef>
-          <a:spcPts val="700"/>
+          <a:spcPts val="500"/>
         </a:spcBef>
         <a:spcAft>
           <a:spcPts val="0"/>
         </a:spcAft>
         <a:buClrTx/>
-        <a:buSzPct val="100000"/>
-        <a:buFont typeface="Arial"/>
-        <a:buChar char="»"/>
+        <a:buSzPct val="70000"/>
+        <a:buFontTx/>
+        <a:buChar char="■"/>
         <a:tabLst/>
-        <a:defRPr sz="3200" b="0" i="0" u="none" strike="noStrike" cap="none" spc="0" baseline="0">
-          <a:ln>
-            <a:noFill/>
-          </a:ln>
+        <a:defRPr b="0" baseline="0" cap="none" i="0" spc="0" strike="noStrike" sz="4800" u="none">
           <a:solidFill>
-            <a:srgbClr val="000000"/>
+            <a:schemeClr val="accent6"/>
           </a:solidFill>
+          <a:effectLst>
+            <a:outerShdw sx="100000" sy="100000" kx="0" ky="0" algn="b" rotWithShape="0" blurRad="38100" dist="38100" dir="2700000">
+              <a:srgbClr val="0B0F14"/>
+            </a:outerShdw>
+          </a:effectLst>
           <a:uFillTx/>
-          <a:latin typeface="+mn-lt"/>
-          <a:ea typeface="+mn-ea"/>
-          <a:cs typeface="+mn-cs"/>
-          <a:sym typeface="Calibri"/>
+          <a:latin typeface="Helvetica Neue"/>
+          <a:ea typeface="Helvetica Neue"/>
+          <a:cs typeface="Helvetica Neue"/>
+          <a:sym typeface="Helvetica Neue"/>
         </a:defRPr>
       </a:lvl5pPr>
-      <a:lvl6pPr marL="2651760" marR="0" indent="-365760" algn="l" defTabSz="914400" rtl="0" latinLnBrk="0">
+      <a:lvl6pPr marL="2834638" marR="0" indent="-548638" algn="l" defTabSz="914400" rtl="0" latinLnBrk="0">
         <a:lnSpc>
           <a:spcPct val="100000"/>
         </a:lnSpc>
         <a:spcBef>
-          <a:spcPts val="700"/>
+          <a:spcPts val="500"/>
         </a:spcBef>
         <a:spcAft>
           <a:spcPts val="0"/>
         </a:spcAft>
         <a:buClrTx/>
-        <a:buSzPct val="100000"/>
-        <a:buFont typeface="Arial"/>
-        <a:buChar char="•"/>
+        <a:buSzPct val="70000"/>
+        <a:buFontTx/>
+        <a:buChar char="■"/>
         <a:tabLst/>
-        <a:defRPr sz="3200" b="0" i="0" u="none" strike="noStrike" cap="none" spc="0" baseline="0">
-          <a:ln>
-            <a:noFill/>
-          </a:ln>
+        <a:defRPr b="0" baseline="0" cap="none" i="0" spc="0" strike="noStrike" sz="4800" u="none">
           <a:solidFill>
-            <a:srgbClr val="000000"/>
+            <a:schemeClr val="accent6"/>
           </a:solidFill>
+          <a:effectLst>
+            <a:outerShdw sx="100000" sy="100000" kx="0" ky="0" algn="b" rotWithShape="0" blurRad="38100" dist="38100" dir="2700000">
+              <a:srgbClr val="0B0F14"/>
+            </a:outerShdw>
+          </a:effectLst>
           <a:uFillTx/>
-          <a:latin typeface="+mn-lt"/>
-          <a:ea typeface="+mn-ea"/>
-          <a:cs typeface="+mn-cs"/>
-          <a:sym typeface="Calibri"/>
+          <a:latin typeface="Helvetica Neue"/>
+          <a:ea typeface="Helvetica Neue"/>
+          <a:cs typeface="Helvetica Neue"/>
+          <a:sym typeface="Helvetica Neue"/>
         </a:defRPr>
       </a:lvl6pPr>
-      <a:lvl7pPr marL="3108960" marR="0" indent="-365760" algn="l" defTabSz="914400" rtl="0" latinLnBrk="0">
+      <a:lvl7pPr marL="3291840" marR="0" indent="-548638" algn="l" defTabSz="914400" rtl="0" latinLnBrk="0">
         <a:lnSpc>
           <a:spcPct val="100000"/>
         </a:lnSpc>
         <a:spcBef>
-          <a:spcPts val="700"/>
+          <a:spcPts val="500"/>
         </a:spcBef>
         <a:spcAft>
           <a:spcPts val="0"/>
         </a:spcAft>
         <a:buClrTx/>
-        <a:buSzPct val="100000"/>
-        <a:buFont typeface="Arial"/>
-        <a:buChar char="•"/>
+        <a:buSzPct val="70000"/>
+        <a:buFontTx/>
+        <a:buChar char="■"/>
         <a:tabLst/>
-        <a:defRPr sz="3200" b="0" i="0" u="none" strike="noStrike" cap="none" spc="0" baseline="0">
-          <a:ln>
-            <a:noFill/>
-          </a:ln>
+        <a:defRPr b="0" baseline="0" cap="none" i="0" spc="0" strike="noStrike" sz="4800" u="none">
           <a:solidFill>
-            <a:srgbClr val="000000"/>
+            <a:schemeClr val="accent6"/>
           </a:solidFill>
+          <a:effectLst>
+            <a:outerShdw sx="100000" sy="100000" kx="0" ky="0" algn="b" rotWithShape="0" blurRad="38100" dist="38100" dir="2700000">
+              <a:srgbClr val="0B0F14"/>
+            </a:outerShdw>
+          </a:effectLst>
           <a:uFillTx/>
-          <a:latin typeface="+mn-lt"/>
-          <a:ea typeface="+mn-ea"/>
-          <a:cs typeface="+mn-cs"/>
-          <a:sym typeface="Calibri"/>
+          <a:latin typeface="Helvetica Neue"/>
+          <a:ea typeface="Helvetica Neue"/>
+          <a:cs typeface="Helvetica Neue"/>
+          <a:sym typeface="Helvetica Neue"/>
         </a:defRPr>
       </a:lvl7pPr>
-      <a:lvl8pPr marL="3566159" marR="0" indent="-365759" algn="l" defTabSz="914400" rtl="0" latinLnBrk="0">
+      <a:lvl8pPr marL="3749040" marR="0" indent="-548638" algn="l" defTabSz="914400" rtl="0" latinLnBrk="0">
         <a:lnSpc>
           <a:spcPct val="100000"/>
         </a:lnSpc>
         <a:spcBef>
-          <a:spcPts val="700"/>
+          <a:spcPts val="500"/>
         </a:spcBef>
         <a:spcAft>
           <a:spcPts val="0"/>
         </a:spcAft>
         <a:buClrTx/>
-        <a:buSzPct val="100000"/>
-        <a:buFont typeface="Arial"/>
-        <a:buChar char="•"/>
+        <a:buSzPct val="70000"/>
+        <a:buFontTx/>
+        <a:buChar char="■"/>
         <a:tabLst/>
-        <a:defRPr sz="3200" b="0" i="0" u="none" strike="noStrike" cap="none" spc="0" baseline="0">
-          <a:ln>
-            <a:noFill/>
-          </a:ln>
+        <a:defRPr b="0" baseline="0" cap="none" i="0" spc="0" strike="noStrike" sz="4800" u="none">
           <a:solidFill>
-            <a:srgbClr val="000000"/>
+            <a:schemeClr val="accent6"/>
           </a:solidFill>
+          <a:effectLst>
+            <a:outerShdw sx="100000" sy="100000" kx="0" ky="0" algn="b" rotWithShape="0" blurRad="38100" dist="38100" dir="2700000">
+              <a:srgbClr val="0B0F14"/>
+            </a:outerShdw>
+          </a:effectLst>
           <a:uFillTx/>
-          <a:latin typeface="+mn-lt"/>
-          <a:ea typeface="+mn-ea"/>
-          <a:cs typeface="+mn-cs"/>
-          <a:sym typeface="Calibri"/>
+          <a:latin typeface="Helvetica Neue"/>
+          <a:ea typeface="Helvetica Neue"/>
+          <a:cs typeface="Helvetica Neue"/>
+          <a:sym typeface="Helvetica Neue"/>
         </a:defRPr>
       </a:lvl8pPr>
-      <a:lvl9pPr marL="4023359" marR="0" indent="-365759" algn="l" defTabSz="914400" rtl="0" latinLnBrk="0">
+      <a:lvl9pPr marL="4206240" marR="0" indent="-548640" algn="l" defTabSz="914400" rtl="0" latinLnBrk="0">
         <a:lnSpc>
           <a:spcPct val="100000"/>
         </a:lnSpc>
         <a:spcBef>
-          <a:spcPts val="700"/>
+          <a:spcPts val="500"/>
         </a:spcBef>
         <a:spcAft>
           <a:spcPts val="0"/>
         </a:spcAft>
         <a:buClrTx/>
-        <a:buSzPct val="100000"/>
-        <a:buFont typeface="Arial"/>
-        <a:buChar char="•"/>
+        <a:buSzPct val="70000"/>
+        <a:buFontTx/>
+        <a:buChar char="■"/>
         <a:tabLst/>
-        <a:defRPr sz="3200" b="0" i="0" u="none" strike="noStrike" cap="none" spc="0" baseline="0">
-          <a:ln>
-            <a:noFill/>
-          </a:ln>
+        <a:defRPr b="0" baseline="0" cap="none" i="0" spc="0" strike="noStrike" sz="4800" u="none">
           <a:solidFill>
-            <a:srgbClr val="000000"/>
+            <a:schemeClr val="accent6"/>
           </a:solidFill>
+          <a:effectLst>
+            <a:outerShdw sx="100000" sy="100000" kx="0" ky="0" algn="b" rotWithShape="0" blurRad="38100" dist="38100" dir="2700000">
+              <a:srgbClr val="0B0F14"/>
+            </a:outerShdw>
+          </a:effectLst>
           <a:uFillTx/>
-          <a:latin typeface="+mn-lt"/>
-          <a:ea typeface="+mn-ea"/>
-          <a:cs typeface="+mn-cs"/>
-          <a:sym typeface="Calibri"/>
+          <a:latin typeface="Helvetica Neue"/>
+          <a:ea typeface="Helvetica Neue"/>
+          <a:cs typeface="Helvetica Neue"/>
+          <a:sym typeface="Helvetica Neue"/>
         </a:defRPr>
       </a:lvl9pPr>
     </p:bodyStyle>
@@ -2612,10 +3916,7 @@
         <a:buFontTx/>
         <a:buNone/>
         <a:tabLst/>
-        <a:defRPr sz="1200" b="0" i="0" u="none" strike="noStrike" cap="none" spc="0" baseline="0">
-          <a:ln>
-            <a:noFill/>
-          </a:ln>
+        <a:defRPr b="0" baseline="0" cap="none" i="0" spc="0" strike="noStrike" sz="1200" u="none">
           <a:solidFill>
             <a:schemeClr val="tx1"/>
           </a:solidFill>
@@ -2623,10 +3924,10 @@
           <a:latin typeface="+mn-lt"/>
           <a:ea typeface="+mn-ea"/>
           <a:cs typeface="+mn-cs"/>
-          <a:sym typeface="Calibri"/>
+          <a:sym typeface="Garamond"/>
         </a:defRPr>
       </a:lvl1pPr>
-      <a:lvl2pPr marL="0" marR="0" indent="457200" algn="r" defTabSz="914400" rtl="0" latinLnBrk="0">
+      <a:lvl2pPr marL="0" marR="0" indent="0" algn="r" defTabSz="914400" rtl="0" latinLnBrk="0">
         <a:lnSpc>
           <a:spcPct val="100000"/>
         </a:lnSpc>
@@ -2641,10 +3942,7 @@
         <a:buFontTx/>
         <a:buNone/>
         <a:tabLst/>
-        <a:defRPr sz="1200" b="0" i="0" u="none" strike="noStrike" cap="none" spc="0" baseline="0">
-          <a:ln>
-            <a:noFill/>
-          </a:ln>
+        <a:defRPr b="0" baseline="0" cap="none" i="0" spc="0" strike="noStrike" sz="1200" u="none">
           <a:solidFill>
             <a:schemeClr val="tx1"/>
           </a:solidFill>
@@ -2652,10 +3950,10 @@
           <a:latin typeface="+mn-lt"/>
           <a:ea typeface="+mn-ea"/>
           <a:cs typeface="+mn-cs"/>
-          <a:sym typeface="Calibri"/>
+          <a:sym typeface="Garamond"/>
         </a:defRPr>
       </a:lvl2pPr>
-      <a:lvl3pPr marL="0" marR="0" indent="914400" algn="r" defTabSz="914400" rtl="0" latinLnBrk="0">
+      <a:lvl3pPr marL="0" marR="0" indent="0" algn="r" defTabSz="914400" rtl="0" latinLnBrk="0">
         <a:lnSpc>
           <a:spcPct val="100000"/>
         </a:lnSpc>
@@ -2670,10 +3968,7 @@
         <a:buFontTx/>
         <a:buNone/>
         <a:tabLst/>
-        <a:defRPr sz="1200" b="0" i="0" u="none" strike="noStrike" cap="none" spc="0" baseline="0">
-          <a:ln>
-            <a:noFill/>
-          </a:ln>
+        <a:defRPr b="0" baseline="0" cap="none" i="0" spc="0" strike="noStrike" sz="1200" u="none">
           <a:solidFill>
             <a:schemeClr val="tx1"/>
           </a:solidFill>
@@ -2681,10 +3976,10 @@
           <a:latin typeface="+mn-lt"/>
           <a:ea typeface="+mn-ea"/>
           <a:cs typeface="+mn-cs"/>
-          <a:sym typeface="Calibri"/>
+          <a:sym typeface="Garamond"/>
         </a:defRPr>
       </a:lvl3pPr>
-      <a:lvl4pPr marL="0" marR="0" indent="1371600" algn="r" defTabSz="914400" rtl="0" latinLnBrk="0">
+      <a:lvl4pPr marL="0" marR="0" indent="0" algn="r" defTabSz="914400" rtl="0" latinLnBrk="0">
         <a:lnSpc>
           <a:spcPct val="100000"/>
         </a:lnSpc>
@@ -2699,10 +3994,7 @@
         <a:buFontTx/>
         <a:buNone/>
         <a:tabLst/>
-        <a:defRPr sz="1200" b="0" i="0" u="none" strike="noStrike" cap="none" spc="0" baseline="0">
-          <a:ln>
-            <a:noFill/>
-          </a:ln>
+        <a:defRPr b="0" baseline="0" cap="none" i="0" spc="0" strike="noStrike" sz="1200" u="none">
           <a:solidFill>
             <a:schemeClr val="tx1"/>
           </a:solidFill>
@@ -2710,10 +4002,10 @@
           <a:latin typeface="+mn-lt"/>
           <a:ea typeface="+mn-ea"/>
           <a:cs typeface="+mn-cs"/>
-          <a:sym typeface="Calibri"/>
+          <a:sym typeface="Garamond"/>
         </a:defRPr>
       </a:lvl4pPr>
-      <a:lvl5pPr marL="0" marR="0" indent="1828800" algn="r" defTabSz="914400" rtl="0" latinLnBrk="0">
+      <a:lvl5pPr marL="0" marR="0" indent="0" algn="r" defTabSz="914400" rtl="0" latinLnBrk="0">
         <a:lnSpc>
           <a:spcPct val="100000"/>
         </a:lnSpc>
@@ -2728,10 +4020,7 @@
         <a:buFontTx/>
         <a:buNone/>
         <a:tabLst/>
-        <a:defRPr sz="1200" b="0" i="0" u="none" strike="noStrike" cap="none" spc="0" baseline="0">
-          <a:ln>
-            <a:noFill/>
-          </a:ln>
+        <a:defRPr b="0" baseline="0" cap="none" i="0" spc="0" strike="noStrike" sz="1200" u="none">
           <a:solidFill>
             <a:schemeClr val="tx1"/>
           </a:solidFill>
@@ -2739,10 +4028,10 @@
           <a:latin typeface="+mn-lt"/>
           <a:ea typeface="+mn-ea"/>
           <a:cs typeface="+mn-cs"/>
-          <a:sym typeface="Calibri"/>
+          <a:sym typeface="Garamond"/>
         </a:defRPr>
       </a:lvl5pPr>
-      <a:lvl6pPr marL="0" marR="0" indent="2286000" algn="r" defTabSz="914400" rtl="0" latinLnBrk="0">
+      <a:lvl6pPr marL="0" marR="0" indent="0" algn="r" defTabSz="914400" rtl="0" latinLnBrk="0">
         <a:lnSpc>
           <a:spcPct val="100000"/>
         </a:lnSpc>
@@ -2757,10 +4046,7 @@
         <a:buFontTx/>
         <a:buNone/>
         <a:tabLst/>
-        <a:defRPr sz="1200" b="0" i="0" u="none" strike="noStrike" cap="none" spc="0" baseline="0">
-          <a:ln>
-            <a:noFill/>
-          </a:ln>
+        <a:defRPr b="0" baseline="0" cap="none" i="0" spc="0" strike="noStrike" sz="1200" u="none">
           <a:solidFill>
             <a:schemeClr val="tx1"/>
           </a:solidFill>
@@ -2768,10 +4054,10 @@
           <a:latin typeface="+mn-lt"/>
           <a:ea typeface="+mn-ea"/>
           <a:cs typeface="+mn-cs"/>
-          <a:sym typeface="Calibri"/>
+          <a:sym typeface="Garamond"/>
         </a:defRPr>
       </a:lvl6pPr>
-      <a:lvl7pPr marL="0" marR="0" indent="2743200" algn="r" defTabSz="914400" rtl="0" latinLnBrk="0">
+      <a:lvl7pPr marL="0" marR="0" indent="0" algn="r" defTabSz="914400" rtl="0" latinLnBrk="0">
         <a:lnSpc>
           <a:spcPct val="100000"/>
         </a:lnSpc>
@@ -2786,10 +4072,7 @@
         <a:buFontTx/>
         <a:buNone/>
         <a:tabLst/>
-        <a:defRPr sz="1200" b="0" i="0" u="none" strike="noStrike" cap="none" spc="0" baseline="0">
-          <a:ln>
-            <a:noFill/>
-          </a:ln>
+        <a:defRPr b="0" baseline="0" cap="none" i="0" spc="0" strike="noStrike" sz="1200" u="none">
           <a:solidFill>
             <a:schemeClr val="tx1"/>
           </a:solidFill>
@@ -2797,10 +4080,10 @@
           <a:latin typeface="+mn-lt"/>
           <a:ea typeface="+mn-ea"/>
           <a:cs typeface="+mn-cs"/>
-          <a:sym typeface="Calibri"/>
+          <a:sym typeface="Garamond"/>
         </a:defRPr>
       </a:lvl7pPr>
-      <a:lvl8pPr marL="0" marR="0" indent="3200400" algn="r" defTabSz="914400" rtl="0" latinLnBrk="0">
+      <a:lvl8pPr marL="0" marR="0" indent="0" algn="r" defTabSz="914400" rtl="0" latinLnBrk="0">
         <a:lnSpc>
           <a:spcPct val="100000"/>
         </a:lnSpc>
@@ -2815,10 +4098,7 @@
         <a:buFontTx/>
         <a:buNone/>
         <a:tabLst/>
-        <a:defRPr sz="1200" b="0" i="0" u="none" strike="noStrike" cap="none" spc="0" baseline="0">
-          <a:ln>
-            <a:noFill/>
-          </a:ln>
+        <a:defRPr b="0" baseline="0" cap="none" i="0" spc="0" strike="noStrike" sz="1200" u="none">
           <a:solidFill>
             <a:schemeClr val="tx1"/>
           </a:solidFill>
@@ -2826,10 +4106,10 @@
           <a:latin typeface="+mn-lt"/>
           <a:ea typeface="+mn-ea"/>
           <a:cs typeface="+mn-cs"/>
-          <a:sym typeface="Calibri"/>
+          <a:sym typeface="Garamond"/>
         </a:defRPr>
       </a:lvl8pPr>
-      <a:lvl9pPr marL="0" marR="0" indent="3657600" algn="r" defTabSz="914400" rtl="0" latinLnBrk="0">
+      <a:lvl9pPr marL="0" marR="0" indent="0" algn="r" defTabSz="914400" rtl="0" latinLnBrk="0">
         <a:lnSpc>
           <a:spcPct val="100000"/>
         </a:lnSpc>
@@ -2844,10 +4124,7 @@
         <a:buFontTx/>
         <a:buNone/>
         <a:tabLst/>
-        <a:defRPr sz="1200" b="0" i="0" u="none" strike="noStrike" cap="none" spc="0" baseline="0">
-          <a:ln>
-            <a:noFill/>
-          </a:ln>
+        <a:defRPr b="0" baseline="0" cap="none" i="0" spc="0" strike="noStrike" sz="1200" u="none">
           <a:solidFill>
             <a:schemeClr val="tx1"/>
           </a:solidFill>
@@ -2855,7 +4132,7 @@
           <a:latin typeface="+mn-lt"/>
           <a:ea typeface="+mn-ea"/>
           <a:cs typeface="+mn-cs"/>
-          <a:sym typeface="Calibri"/>
+          <a:sym typeface="Garamond"/>
         </a:defRPr>
       </a:lvl9pPr>
     </p:otherStyle>
@@ -2864,7 +4141,7 @@
 </file>
 
 <file path=ppt/slides/slide1.xml><?xml version="1.0" encoding="utf-8"?>
-<p:sld xmlns:a="http://schemas.openxmlformats.org/drawingml/2006/main" xmlns:r="http://schemas.openxmlformats.org/officeDocument/2006/relationships" xmlns:p="http://schemas.openxmlformats.org/presentationml/2006/main">
+<p:sld xmlns:a="http://schemas.openxmlformats.org/drawingml/2006/main" xmlns:p="http://schemas.openxmlformats.org/presentationml/2006/main" xmlns:r="http://schemas.openxmlformats.org/officeDocument/2006/relationships">
   <p:cSld>
     <p:spTree>
       <p:nvGrpSpPr>
@@ -2872,175 +4149,24 @@
         <p:cNvGrpSpPr/>
         <p:nvPr/>
       </p:nvGrpSpPr>
-      <p:grpSpPr>
-        <a:xfrm>
-          <a:off x="0" y="0"/>
-          <a:ext cx="0" cy="0"/>
-          <a:chOff x="0" y="0"/>
-          <a:chExt cx="0" cy="0"/>
-        </a:xfrm>
-      </p:grpSpPr>
+      <p:grpSpPr/>
       <p:sp>
         <p:nvSpPr>
-          <p:cNvPr id="109" name="Rectangle 4"/>
-          <p:cNvSpPr txBox="1">
+          <p:cNvPr id="2" name="Title 1"/>
+          <p:cNvSpPr>
             <a:spLocks noGrp="1"/>
           </p:cNvSpPr>
           <p:nvPr>
-            <p:ph type="title" idx="4294967295"/>
+            <p:ph type="title"/>
           </p:nvPr>
         </p:nvSpPr>
-        <p:spPr>
-          <a:xfrm>
-            <a:off x="457200" y="0"/>
-            <a:ext cx="8229600" cy="857250"/>
-          </a:xfrm>
-          <a:prstGeom prst="rect">
-            <a:avLst/>
-          </a:prstGeom>
-        </p:spPr>
-        <p:txBody>
-          <a:bodyPr/>
-          <a:lstStyle>
-            <a:lvl1pPr defTabSz="905255">
-              <a:defRPr sz="4356" b="1">
-                <a:effectLst>
-                  <a:outerShdw blurRad="37719" dist="37719" dir="2700000" rotWithShape="0">
-                    <a:srgbClr val="000000">
-                      <a:alpha val="43137"/>
-                    </a:srgbClr>
-                  </a:outerShdw>
-                </a:effectLst>
-              </a:defRPr>
-            </a:lvl1pPr>
-          </a:lstStyle>
-          <a:p>
-            <a:r>
-              <a:t>新的異象，新的方向</a:t>
-            </a:r>
-          </a:p>
-        </p:txBody>
-      </p:sp>
-      <p:sp>
-        <p:nvSpPr>
-          <p:cNvPr id="110" name="Rectangle 5"/>
-          <p:cNvSpPr txBox="1">
-            <a:spLocks noGrp="1"/>
-          </p:cNvSpPr>
-          <p:nvPr>
-            <p:ph type="body" idx="4294967295"/>
-          </p:nvPr>
-        </p:nvSpPr>
-        <p:spPr>
-          <a:xfrm>
-            <a:off x="0" y="742950"/>
-            <a:ext cx="9144000" cy="4400550"/>
-          </a:xfrm>
-          <a:prstGeom prst="rect">
-            <a:avLst/>
-          </a:prstGeom>
-        </p:spPr>
+        <p:spPr/>
         <p:txBody>
           <a:bodyPr/>
           <a:lstStyle/>
           <a:p>
-            <a:pPr marL="0" indent="0" algn="ctr">
-              <a:buSzTx/>
-              <a:buNone/>
-              <a:defRPr sz="1600" b="1">
-                <a:effectLst>
-                  <a:outerShdw blurRad="38100" dist="38100" dir="2700000" rotWithShape="0">
-                    <a:srgbClr val="000000">
-                      <a:alpha val="43137"/>
-                    </a:srgbClr>
-                  </a:outerShdw>
-                </a:effectLst>
-              </a:defRPr>
-            </a:pPr>
-            <a:endParaRPr/>
-          </a:p>
-          <a:p>
-            <a:pPr marL="0" indent="0" algn="ctr">
-              <a:spcBef>
-                <a:spcPts val="900"/>
-              </a:spcBef>
-              <a:buSzTx/>
-              <a:buNone/>
-              <a:defRPr sz="4000" b="1">
-                <a:effectLst>
-                  <a:outerShdw blurRad="38100" dist="38100" dir="2700000" rotWithShape="0">
-                    <a:srgbClr val="000000">
-                      <a:alpha val="43137"/>
-                    </a:srgbClr>
-                  </a:outerShdw>
-                </a:effectLst>
-              </a:defRPr>
-            </a:pPr>
             <a:r>
-              <a:t>有敬拜的聲音發出</a:t>
-            </a:r>
-          </a:p>
-          <a:p>
-            <a:pPr marL="0" indent="0" algn="ctr">
-              <a:spcBef>
-                <a:spcPts val="900"/>
-              </a:spcBef>
-              <a:buSzTx/>
-              <a:buNone/>
-              <a:defRPr sz="4000" b="1">
-                <a:effectLst>
-                  <a:outerShdw blurRad="38100" dist="38100" dir="2700000" rotWithShape="0">
-                    <a:srgbClr val="000000">
-                      <a:alpha val="43137"/>
-                    </a:srgbClr>
-                  </a:outerShdw>
-                </a:effectLst>
-              </a:defRPr>
-            </a:pPr>
-            <a:r>
-              <a:t>從最高的山到海洋深處</a:t>
-            </a:r>
-          </a:p>
-          <a:p>
-            <a:pPr marL="0" indent="0" algn="ctr">
-              <a:spcBef>
-                <a:spcPts val="900"/>
-              </a:spcBef>
-              <a:buSzTx/>
-              <a:buNone/>
-              <a:defRPr sz="4000" b="1">
-                <a:effectLst>
-                  <a:outerShdw blurRad="38100" dist="38100" dir="2700000" rotWithShape="0">
-                    <a:srgbClr val="000000">
-                      <a:alpha val="43137"/>
-                    </a:srgbClr>
-                  </a:outerShdw>
-                </a:effectLst>
-              </a:defRPr>
-            </a:pPr>
-            <a:r>
-              <a:t>神的兒女要唱一首新歌</a:t>
-            </a:r>
-          </a:p>
-          <a:p>
-            <a:pPr marL="0" indent="0" algn="ctr">
-              <a:spcBef>
-                <a:spcPts val="900"/>
-              </a:spcBef>
-              <a:buSzTx/>
-              <a:buNone/>
-              <a:defRPr sz="4000" b="1">
-                <a:effectLst>
-                  <a:outerShdw blurRad="38100" dist="38100" dir="2700000" rotWithShape="0">
-                    <a:srgbClr val="000000">
-                      <a:alpha val="43137"/>
-                    </a:srgbClr>
-                  </a:outerShdw>
-                </a:effectLst>
-              </a:defRPr>
-            </a:pPr>
-            <a:r>
-              <a:t>我們神要做新事</a:t>
+              <a:t>新的異象，新的方向</a:t>
             </a:r>
           </a:p>
         </p:txBody>
@@ -3050,12 +4176,11 @@
   <p:clrMapOvr>
     <a:masterClrMapping/>
   </p:clrMapOvr>
-  <p:transition spd="med"/>
 </p:sld>
 </file>
 
 <file path=ppt/slides/slide10.xml><?xml version="1.0" encoding="utf-8"?>
-<p:sld xmlns:a="http://schemas.openxmlformats.org/drawingml/2006/main" xmlns:r="http://schemas.openxmlformats.org/officeDocument/2006/relationships" xmlns:p="http://schemas.openxmlformats.org/presentationml/2006/main">
+<p:sld xmlns:a="http://schemas.openxmlformats.org/drawingml/2006/main" xmlns:p="http://schemas.openxmlformats.org/presentationml/2006/main" xmlns:r="http://schemas.openxmlformats.org/officeDocument/2006/relationships">
   <p:cSld>
     <p:spTree>
       <p:nvGrpSpPr>
@@ -3063,175 +4188,39 @@
         <p:cNvGrpSpPr/>
         <p:nvPr/>
       </p:nvGrpSpPr>
-      <p:grpSpPr>
-        <a:xfrm>
-          <a:off x="0" y="0"/>
-          <a:ext cx="0" cy="0"/>
-          <a:chOff x="0" y="0"/>
-          <a:chExt cx="0" cy="0"/>
-        </a:xfrm>
-      </p:grpSpPr>
+      <p:grpSpPr/>
       <p:sp>
         <p:nvSpPr>
-          <p:cNvPr id="136" name="Rectangle 4"/>
-          <p:cNvSpPr txBox="1">
+          <p:cNvPr id="2" name="Text Placeholder 1"/>
+          <p:cNvSpPr>
             <a:spLocks noGrp="1"/>
           </p:cNvSpPr>
           <p:nvPr>
-            <p:ph type="title" idx="4294967295"/>
+            <p:ph type="body" idx="21"/>
           </p:nvPr>
         </p:nvSpPr>
-        <p:spPr>
-          <a:xfrm>
-            <a:off x="457200" y="0"/>
-            <a:ext cx="8229600" cy="857250"/>
-          </a:xfrm>
-          <a:prstGeom prst="rect">
-            <a:avLst/>
-          </a:prstGeom>
-        </p:spPr>
-        <p:txBody>
-          <a:bodyPr/>
-          <a:lstStyle>
-            <a:lvl1pPr defTabSz="905255">
-              <a:defRPr sz="4356" b="1">
-                <a:effectLst>
-                  <a:outerShdw blurRad="37719" dist="37719" dir="2700000" rotWithShape="0">
-                    <a:srgbClr val="000000">
-                      <a:alpha val="43137"/>
-                    </a:srgbClr>
-                  </a:outerShdw>
-                </a:effectLst>
-              </a:defRPr>
-            </a:lvl1pPr>
-          </a:lstStyle>
-          <a:p>
-            <a:r>
-              <a:t>新的異象，新的方向</a:t>
-            </a:r>
-          </a:p>
-        </p:txBody>
-      </p:sp>
-      <p:sp>
-        <p:nvSpPr>
-          <p:cNvPr id="137" name="Rectangle 5"/>
-          <p:cNvSpPr txBox="1">
-            <a:spLocks noGrp="1"/>
-          </p:cNvSpPr>
-          <p:nvPr>
-            <p:ph type="body" idx="4294967295"/>
-          </p:nvPr>
-        </p:nvSpPr>
-        <p:spPr>
-          <a:xfrm>
-            <a:off x="0" y="742950"/>
-            <a:ext cx="9144000" cy="4400550"/>
-          </a:xfrm>
-          <a:prstGeom prst="rect">
-            <a:avLst/>
-          </a:prstGeom>
-        </p:spPr>
+        <p:spPr/>
         <p:txBody>
           <a:bodyPr/>
           <a:lstStyle/>
           <a:p>
-            <a:pPr marL="0" indent="0" algn="ctr">
-              <a:buSzTx/>
-              <a:buNone/>
-              <a:defRPr sz="1600" b="1">
-                <a:effectLst>
-                  <a:outerShdw blurRad="38100" dist="38100" dir="2700000" rotWithShape="0">
-                    <a:srgbClr val="000000">
-                      <a:alpha val="43137"/>
-                    </a:srgbClr>
-                  </a:outerShdw>
-                </a:effectLst>
-              </a:defRPr>
-            </a:pPr>
-            <a:endParaRPr/>
-          </a:p>
-          <a:p>
-            <a:pPr marL="0" indent="0" algn="ctr">
-              <a:spcBef>
-                <a:spcPts val="900"/>
-              </a:spcBef>
-              <a:buSzTx/>
-              <a:buNone/>
-              <a:defRPr sz="4000" b="1">
-                <a:effectLst>
-                  <a:outerShdw blurRad="38100" dist="38100" dir="2700000" rotWithShape="0">
-                    <a:srgbClr val="000000">
-                      <a:alpha val="43137"/>
-                    </a:srgbClr>
-                  </a:outerShdw>
-                </a:effectLst>
-              </a:defRPr>
-            </a:pPr>
             <a:r>
-              <a:t>全地都要渴望呼喊</a:t>
+              <a:t> 全地都要渴望呼喊</a:t>
             </a:r>
           </a:p>
           <a:p>
-            <a:pPr marL="0" indent="0" algn="ctr">
-              <a:spcBef>
-                <a:spcPts val="900"/>
-              </a:spcBef>
-              <a:buSzTx/>
-              <a:buNone/>
-              <a:defRPr sz="4000" b="1">
-                <a:effectLst>
-                  <a:outerShdw blurRad="38100" dist="38100" dir="2700000" rotWithShape="0">
-                    <a:srgbClr val="000000">
-                      <a:alpha val="43137"/>
-                    </a:srgbClr>
-                  </a:outerShdw>
-                </a:effectLst>
-              </a:defRPr>
-            </a:pPr>
             <a:r>
               <a:t>榮耀的主我願祢來</a:t>
             </a:r>
           </a:p>
           <a:p>
-            <a:pPr marL="0" indent="0" algn="ctr">
-              <a:spcBef>
-                <a:spcPts val="900"/>
-              </a:spcBef>
-              <a:buSzTx/>
-              <a:buNone/>
-              <a:defRPr sz="4000" b="1">
-                <a:effectLst>
-                  <a:outerShdw blurRad="38100" dist="38100" dir="2700000" rotWithShape="0">
-                    <a:srgbClr val="000000">
-                      <a:alpha val="43137"/>
-                    </a:srgbClr>
-                  </a:outerShdw>
-                </a:effectLst>
-              </a:defRPr>
-            </a:pPr>
             <a:r>
-              <a:t>聖靈引領看見新的異象</a:t>
+              <a:t>天要敞開恩膏傾倒下來</a:t>
             </a:r>
           </a:p>
           <a:p>
-            <a:pPr marL="0" indent="0" algn="ctr">
-              <a:spcBef>
-                <a:spcPts val="900"/>
-              </a:spcBef>
-              <a:buSzTx/>
-              <a:buNone/>
-              <a:defRPr sz="4000" b="1">
-                <a:effectLst>
-                  <a:outerShdw blurRad="38100" dist="38100" dir="2700000" rotWithShape="0">
-                    <a:srgbClr val="000000">
-                      <a:alpha val="43137"/>
-                    </a:srgbClr>
-                  </a:outerShdw>
-                </a:effectLst>
-              </a:defRPr>
-            </a:pPr>
             <a:r>
-              <a:t>祢要做新的事在我們中間</a:t>
+              <a:t>神國度的榮耀彰顯</a:t>
             </a:r>
           </a:p>
         </p:txBody>
@@ -3241,12 +4230,11 @@
   <p:clrMapOvr>
     <a:masterClrMapping/>
   </p:clrMapOvr>
-  <p:transition spd="med"/>
 </p:sld>
 </file>
 
 <file path=ppt/slides/slide11.xml><?xml version="1.0" encoding="utf-8"?>
-<p:sld xmlns:a="http://schemas.openxmlformats.org/drawingml/2006/main" xmlns:r="http://schemas.openxmlformats.org/officeDocument/2006/relationships" xmlns:p="http://schemas.openxmlformats.org/presentationml/2006/main">
+<p:sld xmlns:a="http://schemas.openxmlformats.org/drawingml/2006/main" xmlns:p="http://schemas.openxmlformats.org/presentationml/2006/main" xmlns:r="http://schemas.openxmlformats.org/officeDocument/2006/relationships">
   <p:cSld>
     <p:spTree>
       <p:nvGrpSpPr>
@@ -3254,175 +4242,39 @@
         <p:cNvGrpSpPr/>
         <p:nvPr/>
       </p:nvGrpSpPr>
-      <p:grpSpPr>
-        <a:xfrm>
-          <a:off x="0" y="0"/>
-          <a:ext cx="0" cy="0"/>
-          <a:chOff x="0" y="0"/>
-          <a:chExt cx="0" cy="0"/>
-        </a:xfrm>
-      </p:grpSpPr>
+      <p:grpSpPr/>
       <p:sp>
         <p:nvSpPr>
-          <p:cNvPr id="139" name="Rectangle 4"/>
-          <p:cNvSpPr txBox="1">
+          <p:cNvPr id="2" name="Text Placeholder 1"/>
+          <p:cNvSpPr>
             <a:spLocks noGrp="1"/>
           </p:cNvSpPr>
           <p:nvPr>
-            <p:ph type="title" idx="4294967295"/>
+            <p:ph type="body" idx="21"/>
           </p:nvPr>
         </p:nvSpPr>
-        <p:spPr>
-          <a:xfrm>
-            <a:off x="457200" y="0"/>
-            <a:ext cx="8229600" cy="857250"/>
-          </a:xfrm>
-          <a:prstGeom prst="rect">
-            <a:avLst/>
-          </a:prstGeom>
-        </p:spPr>
-        <p:txBody>
-          <a:bodyPr/>
-          <a:lstStyle>
-            <a:lvl1pPr defTabSz="905255">
-              <a:defRPr sz="4356" b="1">
-                <a:effectLst>
-                  <a:outerShdw blurRad="37719" dist="37719" dir="2700000" rotWithShape="0">
-                    <a:srgbClr val="000000">
-                      <a:alpha val="43137"/>
-                    </a:srgbClr>
-                  </a:outerShdw>
-                </a:effectLst>
-              </a:defRPr>
-            </a:lvl1pPr>
-          </a:lstStyle>
-          <a:p>
-            <a:r>
-              <a:t>新的異象，新的方向</a:t>
-            </a:r>
-          </a:p>
-        </p:txBody>
-      </p:sp>
-      <p:sp>
-        <p:nvSpPr>
-          <p:cNvPr id="140" name="Rectangle 5"/>
-          <p:cNvSpPr txBox="1">
-            <a:spLocks noGrp="1"/>
-          </p:cNvSpPr>
-          <p:nvPr>
-            <p:ph type="body" idx="4294967295"/>
-          </p:nvPr>
-        </p:nvSpPr>
-        <p:spPr>
-          <a:xfrm>
-            <a:off x="0" y="742950"/>
-            <a:ext cx="9144000" cy="4400550"/>
-          </a:xfrm>
-          <a:prstGeom prst="rect">
-            <a:avLst/>
-          </a:prstGeom>
-        </p:spPr>
+        <p:spPr/>
         <p:txBody>
           <a:bodyPr/>
           <a:lstStyle/>
           <a:p>
-            <a:pPr marL="0" indent="0" algn="ctr">
-              <a:buSzTx/>
-              <a:buNone/>
-              <a:defRPr sz="1600" b="1">
-                <a:effectLst>
-                  <a:outerShdw blurRad="38100" dist="38100" dir="2700000" rotWithShape="0">
-                    <a:srgbClr val="000000">
-                      <a:alpha val="43137"/>
-                    </a:srgbClr>
-                  </a:outerShdw>
-                </a:effectLst>
-              </a:defRPr>
-            </a:pPr>
-            <a:endParaRPr/>
-          </a:p>
-          <a:p>
-            <a:pPr marL="0" indent="0" algn="ctr">
-              <a:spcBef>
-                <a:spcPts val="900"/>
-              </a:spcBef>
-              <a:buSzTx/>
-              <a:buNone/>
-              <a:defRPr sz="4000" b="1">
-                <a:effectLst>
-                  <a:outerShdw blurRad="38100" dist="38100" dir="2700000" rotWithShape="0">
-                    <a:srgbClr val="000000">
-                      <a:alpha val="43137"/>
-                    </a:srgbClr>
-                  </a:outerShdw>
-                </a:effectLst>
-              </a:defRPr>
-            </a:pPr>
             <a:r>
-              <a:t>全地都要渴望呼喊</a:t>
+              <a:t> 全地都要渴望呼喊</a:t>
             </a:r>
           </a:p>
           <a:p>
-            <a:pPr marL="0" indent="0" algn="ctr">
-              <a:spcBef>
-                <a:spcPts val="900"/>
-              </a:spcBef>
-              <a:buSzTx/>
-              <a:buNone/>
-              <a:defRPr sz="4000" b="1">
-                <a:effectLst>
-                  <a:outerShdw blurRad="38100" dist="38100" dir="2700000" rotWithShape="0">
-                    <a:srgbClr val="000000">
-                      <a:alpha val="43137"/>
-                    </a:srgbClr>
-                  </a:outerShdw>
-                </a:effectLst>
-              </a:defRPr>
-            </a:pPr>
             <a:r>
               <a:t>榮耀的主我願祢來</a:t>
             </a:r>
           </a:p>
           <a:p>
-            <a:pPr marL="0" indent="0" algn="ctr">
-              <a:spcBef>
-                <a:spcPts val="900"/>
-              </a:spcBef>
-              <a:buSzTx/>
-              <a:buNone/>
-              <a:defRPr sz="4000" b="1">
-                <a:effectLst>
-                  <a:outerShdw blurRad="38100" dist="38100" dir="2700000" rotWithShape="0">
-                    <a:srgbClr val="000000">
-                      <a:alpha val="43137"/>
-                    </a:srgbClr>
-                  </a:outerShdw>
-                </a:effectLst>
-              </a:defRPr>
-            </a:pPr>
             <a:r>
-              <a:t>天要敞開恩膏傾倒下來</a:t>
+              <a:t>聖靈引領看見新的異象</a:t>
             </a:r>
           </a:p>
           <a:p>
-            <a:pPr marL="0" indent="0" algn="ctr">
-              <a:spcBef>
-                <a:spcPts val="900"/>
-              </a:spcBef>
-              <a:buSzTx/>
-              <a:buNone/>
-              <a:defRPr sz="4000" b="1">
-                <a:effectLst>
-                  <a:outerShdw blurRad="38100" dist="38100" dir="2700000" rotWithShape="0">
-                    <a:srgbClr val="000000">
-                      <a:alpha val="43137"/>
-                    </a:srgbClr>
-                  </a:outerShdw>
-                </a:effectLst>
-              </a:defRPr>
-            </a:pPr>
             <a:r>
-              <a:t>神國度的榮耀彰顯</a:t>
+              <a:t>祢要做新的事在我們中間</a:t>
             </a:r>
           </a:p>
         </p:txBody>
@@ -3432,12 +4284,11 @@
   <p:clrMapOvr>
     <a:masterClrMapping/>
   </p:clrMapOvr>
-  <p:transition spd="med"/>
 </p:sld>
 </file>
 
 <file path=ppt/slides/slide12.xml><?xml version="1.0" encoding="utf-8"?>
-<p:sld xmlns:a="http://schemas.openxmlformats.org/drawingml/2006/main" xmlns:r="http://schemas.openxmlformats.org/officeDocument/2006/relationships" xmlns:p="http://schemas.openxmlformats.org/presentationml/2006/main">
+<p:sld xmlns:a="http://schemas.openxmlformats.org/drawingml/2006/main" xmlns:p="http://schemas.openxmlformats.org/presentationml/2006/main" xmlns:r="http://schemas.openxmlformats.org/officeDocument/2006/relationships">
   <p:cSld>
     <p:spTree>
       <p:nvGrpSpPr>
@@ -3445,175 +4296,39 @@
         <p:cNvGrpSpPr/>
         <p:nvPr/>
       </p:nvGrpSpPr>
-      <p:grpSpPr>
-        <a:xfrm>
-          <a:off x="0" y="0"/>
-          <a:ext cx="0" cy="0"/>
-          <a:chOff x="0" y="0"/>
-          <a:chExt cx="0" cy="0"/>
-        </a:xfrm>
-      </p:grpSpPr>
+      <p:grpSpPr/>
       <p:sp>
         <p:nvSpPr>
-          <p:cNvPr id="142" name="Rectangle 4"/>
-          <p:cNvSpPr txBox="1">
+          <p:cNvPr id="2" name="Text Placeholder 1"/>
+          <p:cNvSpPr>
             <a:spLocks noGrp="1"/>
           </p:cNvSpPr>
           <p:nvPr>
-            <p:ph type="title" idx="4294967295"/>
+            <p:ph type="body" idx="21"/>
           </p:nvPr>
         </p:nvSpPr>
-        <p:spPr>
-          <a:xfrm>
-            <a:off x="457200" y="0"/>
-            <a:ext cx="8229600" cy="857250"/>
-          </a:xfrm>
-          <a:prstGeom prst="rect">
-            <a:avLst/>
-          </a:prstGeom>
-        </p:spPr>
-        <p:txBody>
-          <a:bodyPr/>
-          <a:lstStyle>
-            <a:lvl1pPr defTabSz="905255">
-              <a:defRPr sz="4356" b="1">
-                <a:effectLst>
-                  <a:outerShdw blurRad="37719" dist="37719" dir="2700000" rotWithShape="0">
-                    <a:srgbClr val="000000">
-                      <a:alpha val="43137"/>
-                    </a:srgbClr>
-                  </a:outerShdw>
-                </a:effectLst>
-              </a:defRPr>
-            </a:lvl1pPr>
-          </a:lstStyle>
-          <a:p>
-            <a:r>
-              <a:t>新的異象，新的方向</a:t>
-            </a:r>
-          </a:p>
-        </p:txBody>
-      </p:sp>
-      <p:sp>
-        <p:nvSpPr>
-          <p:cNvPr id="143" name="Rectangle 5"/>
-          <p:cNvSpPr txBox="1">
-            <a:spLocks noGrp="1"/>
-          </p:cNvSpPr>
-          <p:nvPr>
-            <p:ph type="body" idx="4294967295"/>
-          </p:nvPr>
-        </p:nvSpPr>
-        <p:spPr>
-          <a:xfrm>
-            <a:off x="0" y="742950"/>
-            <a:ext cx="9144000" cy="4400550"/>
-          </a:xfrm>
-          <a:prstGeom prst="rect">
-            <a:avLst/>
-          </a:prstGeom>
-        </p:spPr>
+        <p:spPr/>
         <p:txBody>
           <a:bodyPr/>
           <a:lstStyle/>
           <a:p>
-            <a:pPr marL="0" indent="0" algn="ctr">
-              <a:buSzTx/>
-              <a:buNone/>
-              <a:defRPr sz="1600" b="1">
-                <a:effectLst>
-                  <a:outerShdw blurRad="38100" dist="38100" dir="2700000" rotWithShape="0">
-                    <a:srgbClr val="000000">
-                      <a:alpha val="43137"/>
-                    </a:srgbClr>
-                  </a:outerShdw>
-                </a:effectLst>
-              </a:defRPr>
-            </a:pPr>
-            <a:endParaRPr/>
-          </a:p>
-          <a:p>
-            <a:pPr marL="0" indent="0" algn="ctr">
-              <a:spcBef>
-                <a:spcPts val="900"/>
-              </a:spcBef>
-              <a:buSzTx/>
-              <a:buNone/>
-              <a:defRPr sz="4000" b="1">
-                <a:effectLst>
-                  <a:outerShdw blurRad="38100" dist="38100" dir="2700000" rotWithShape="0">
-                    <a:srgbClr val="000000">
-                      <a:alpha val="43137"/>
-                    </a:srgbClr>
-                  </a:outerShdw>
-                </a:effectLst>
-              </a:defRPr>
-            </a:pPr>
             <a:r>
-              <a:t>全地都要渴望呼喊</a:t>
+              <a:t> 全地都要渴望呼喊</a:t>
             </a:r>
           </a:p>
           <a:p>
-            <a:pPr marL="0" indent="0" algn="ctr">
-              <a:spcBef>
-                <a:spcPts val="900"/>
-              </a:spcBef>
-              <a:buSzTx/>
-              <a:buNone/>
-              <a:defRPr sz="4000" b="1">
-                <a:effectLst>
-                  <a:outerShdw blurRad="38100" dist="38100" dir="2700000" rotWithShape="0">
-                    <a:srgbClr val="000000">
-                      <a:alpha val="43137"/>
-                    </a:srgbClr>
-                  </a:outerShdw>
-                </a:effectLst>
-              </a:defRPr>
-            </a:pPr>
             <a:r>
               <a:t>榮耀的主我願祢來</a:t>
             </a:r>
           </a:p>
           <a:p>
-            <a:pPr marL="0" indent="0" algn="ctr">
-              <a:spcBef>
-                <a:spcPts val="900"/>
-              </a:spcBef>
-              <a:buSzTx/>
-              <a:buNone/>
-              <a:defRPr sz="4000" b="1">
-                <a:effectLst>
-                  <a:outerShdw blurRad="38100" dist="38100" dir="2700000" rotWithShape="0">
-                    <a:srgbClr val="000000">
-                      <a:alpha val="43137"/>
-                    </a:srgbClr>
-                  </a:outerShdw>
-                </a:effectLst>
-              </a:defRPr>
-            </a:pPr>
             <a:r>
-              <a:t>聖靈引領看見新的異象</a:t>
+              <a:t>天要敞開恩膏傾倒下來</a:t>
             </a:r>
           </a:p>
           <a:p>
-            <a:pPr marL="0" indent="0" algn="ctr">
-              <a:spcBef>
-                <a:spcPts val="900"/>
-              </a:spcBef>
-              <a:buSzTx/>
-              <a:buNone/>
-              <a:defRPr sz="4000" b="1">
-                <a:effectLst>
-                  <a:outerShdw blurRad="38100" dist="38100" dir="2700000" rotWithShape="0">
-                    <a:srgbClr val="000000">
-                      <a:alpha val="43137"/>
-                    </a:srgbClr>
-                  </a:outerShdw>
-                </a:effectLst>
-              </a:defRPr>
-            </a:pPr>
             <a:r>
-              <a:t>祢要做新的事在我們中間</a:t>
+              <a:t>神國度的榮耀彰顯</a:t>
             </a:r>
           </a:p>
         </p:txBody>
@@ -3623,12 +4338,11 @@
   <p:clrMapOvr>
     <a:masterClrMapping/>
   </p:clrMapOvr>
-  <p:transition spd="med"/>
 </p:sld>
 </file>
 
-<file path=ppt/slides/slide2.xml><?xml version="1.0" encoding="utf-8"?>
-<p:sld xmlns:a="http://schemas.openxmlformats.org/drawingml/2006/main" xmlns:r="http://schemas.openxmlformats.org/officeDocument/2006/relationships" xmlns:p="http://schemas.openxmlformats.org/presentationml/2006/main">
+<file path=ppt/slides/slide13.xml><?xml version="1.0" encoding="utf-8"?>
+<p:sld xmlns:a="http://schemas.openxmlformats.org/drawingml/2006/main" xmlns:p="http://schemas.openxmlformats.org/presentationml/2006/main" xmlns:r="http://schemas.openxmlformats.org/officeDocument/2006/relationships">
   <p:cSld>
     <p:spTree>
       <p:nvGrpSpPr>
@@ -3636,175 +4350,39 @@
         <p:cNvGrpSpPr/>
         <p:nvPr/>
       </p:nvGrpSpPr>
-      <p:grpSpPr>
-        <a:xfrm>
-          <a:off x="0" y="0"/>
-          <a:ext cx="0" cy="0"/>
-          <a:chOff x="0" y="0"/>
-          <a:chExt cx="0" cy="0"/>
-        </a:xfrm>
-      </p:grpSpPr>
+      <p:grpSpPr/>
       <p:sp>
         <p:nvSpPr>
-          <p:cNvPr id="112" name="Rectangle 4"/>
-          <p:cNvSpPr txBox="1">
+          <p:cNvPr id="2" name="Text Placeholder 1"/>
+          <p:cNvSpPr>
             <a:spLocks noGrp="1"/>
           </p:cNvSpPr>
           <p:nvPr>
-            <p:ph type="title" idx="4294967295"/>
+            <p:ph type="body" idx="21"/>
           </p:nvPr>
         </p:nvSpPr>
-        <p:spPr>
-          <a:xfrm>
-            <a:off x="457200" y="0"/>
-            <a:ext cx="8229600" cy="857250"/>
-          </a:xfrm>
-          <a:prstGeom prst="rect">
-            <a:avLst/>
-          </a:prstGeom>
-        </p:spPr>
-        <p:txBody>
-          <a:bodyPr/>
-          <a:lstStyle>
-            <a:lvl1pPr defTabSz="905255">
-              <a:defRPr sz="4356" b="1">
-                <a:effectLst>
-                  <a:outerShdw blurRad="37719" dist="37719" dir="2700000" rotWithShape="0">
-                    <a:srgbClr val="000000">
-                      <a:alpha val="43137"/>
-                    </a:srgbClr>
-                  </a:outerShdw>
-                </a:effectLst>
-              </a:defRPr>
-            </a:lvl1pPr>
-          </a:lstStyle>
-          <a:p>
-            <a:r>
-              <a:t>新的異象，新的方向</a:t>
-            </a:r>
-          </a:p>
-        </p:txBody>
-      </p:sp>
-      <p:sp>
-        <p:nvSpPr>
-          <p:cNvPr id="113" name="Rectangle 5"/>
-          <p:cNvSpPr txBox="1">
-            <a:spLocks noGrp="1"/>
-          </p:cNvSpPr>
-          <p:nvPr>
-            <p:ph type="body" idx="4294967295"/>
-          </p:nvPr>
-        </p:nvSpPr>
-        <p:spPr>
-          <a:xfrm>
-            <a:off x="0" y="742950"/>
-            <a:ext cx="9144000" cy="4400550"/>
-          </a:xfrm>
-          <a:prstGeom prst="rect">
-            <a:avLst/>
-          </a:prstGeom>
-        </p:spPr>
+        <p:spPr/>
         <p:txBody>
           <a:bodyPr/>
           <a:lstStyle/>
           <a:p>
-            <a:pPr marL="0" indent="0" algn="ctr">
-              <a:buSzTx/>
-              <a:buNone/>
-              <a:defRPr sz="1600" b="1">
-                <a:effectLst>
-                  <a:outerShdw blurRad="38100" dist="38100" dir="2700000" rotWithShape="0">
-                    <a:srgbClr val="000000">
-                      <a:alpha val="43137"/>
-                    </a:srgbClr>
-                  </a:outerShdw>
-                </a:effectLst>
-              </a:defRPr>
-            </a:pPr>
-            <a:endParaRPr/>
-          </a:p>
-          <a:p>
-            <a:pPr marL="0" indent="0" algn="ctr">
-              <a:spcBef>
-                <a:spcPts val="900"/>
-              </a:spcBef>
-              <a:buSzTx/>
-              <a:buNone/>
-              <a:defRPr sz="4000" b="1">
-                <a:effectLst>
-                  <a:outerShdw blurRad="38100" dist="38100" dir="2700000" rotWithShape="0">
-                    <a:srgbClr val="000000">
-                      <a:alpha val="43137"/>
-                    </a:srgbClr>
-                  </a:outerShdw>
-                </a:effectLst>
-              </a:defRPr>
-            </a:pPr>
             <a:r>
-              <a:t>舊的事都已經過去</a:t>
+              <a:t> 全地都要渴望呼喊</a:t>
             </a:r>
           </a:p>
           <a:p>
-            <a:pPr marL="0" indent="0" algn="ctr">
-              <a:spcBef>
-                <a:spcPts val="900"/>
-              </a:spcBef>
-              <a:buSzTx/>
-              <a:buNone/>
-              <a:defRPr sz="4000" b="1">
-                <a:effectLst>
-                  <a:outerShdw blurRad="38100" dist="38100" dir="2700000" rotWithShape="0">
-                    <a:srgbClr val="000000">
-                      <a:alpha val="43137"/>
-                    </a:srgbClr>
-                  </a:outerShdw>
-                </a:effectLst>
-              </a:defRPr>
-            </a:pPr>
             <a:r>
-              <a:t>在基督裡一切都要更新</a:t>
+              <a:t>榮耀的主我願祢來</a:t>
             </a:r>
           </a:p>
           <a:p>
-            <a:pPr marL="0" indent="0" algn="ctr">
-              <a:spcBef>
-                <a:spcPts val="900"/>
-              </a:spcBef>
-              <a:buSzTx/>
-              <a:buNone/>
-              <a:defRPr sz="4000" b="1">
-                <a:effectLst>
-                  <a:outerShdw blurRad="38100" dist="38100" dir="2700000" rotWithShape="0">
-                    <a:srgbClr val="000000">
-                      <a:alpha val="43137"/>
-                    </a:srgbClr>
-                  </a:outerShdw>
-                </a:effectLst>
-              </a:defRPr>
-            </a:pPr>
             <a:r>
-              <a:t>新的眼界 新的異象</a:t>
+              <a:t>聖靈引領看見新的異象</a:t>
             </a:r>
           </a:p>
           <a:p>
-            <a:pPr marL="0" indent="0" algn="ctr">
-              <a:spcBef>
-                <a:spcPts val="900"/>
-              </a:spcBef>
-              <a:buSzTx/>
-              <a:buNone/>
-              <a:defRPr sz="4000" b="1">
-                <a:effectLst>
-                  <a:outerShdw blurRad="38100" dist="38100" dir="2700000" rotWithShape="0">
-                    <a:srgbClr val="000000">
-                      <a:alpha val="43137"/>
-                    </a:srgbClr>
-                  </a:outerShdw>
-                </a:effectLst>
-              </a:defRPr>
-            </a:pPr>
             <a:r>
-              <a:t>新的故事 新的方向</a:t>
+              <a:t>祢要做新的事在我們中間</a:t>
             </a:r>
           </a:p>
         </p:txBody>
@@ -3814,12 +4392,11 @@
   <p:clrMapOvr>
     <a:masterClrMapping/>
   </p:clrMapOvr>
-  <p:transition spd="med"/>
 </p:sld>
 </file>
 
-<file path=ppt/slides/slide3.xml><?xml version="1.0" encoding="utf-8"?>
-<p:sld xmlns:a="http://schemas.openxmlformats.org/drawingml/2006/main" xmlns:r="http://schemas.openxmlformats.org/officeDocument/2006/relationships" xmlns:p="http://schemas.openxmlformats.org/presentationml/2006/main">
+<file path=ppt/slides/slide2.xml><?xml version="1.0" encoding="utf-8"?>
+<p:sld xmlns:a="http://schemas.openxmlformats.org/drawingml/2006/main" xmlns:p="http://schemas.openxmlformats.org/presentationml/2006/main" xmlns:r="http://schemas.openxmlformats.org/officeDocument/2006/relationships">
   <p:cSld>
     <p:spTree>
       <p:nvGrpSpPr>
@@ -3827,175 +4404,39 @@
         <p:cNvGrpSpPr/>
         <p:nvPr/>
       </p:nvGrpSpPr>
-      <p:grpSpPr>
-        <a:xfrm>
-          <a:off x="0" y="0"/>
-          <a:ext cx="0" cy="0"/>
-          <a:chOff x="0" y="0"/>
-          <a:chExt cx="0" cy="0"/>
-        </a:xfrm>
-      </p:grpSpPr>
+      <p:grpSpPr/>
       <p:sp>
         <p:nvSpPr>
-          <p:cNvPr id="115" name="Rectangle 4"/>
-          <p:cNvSpPr txBox="1">
+          <p:cNvPr id="2" name="Text Placeholder 1"/>
+          <p:cNvSpPr>
             <a:spLocks noGrp="1"/>
           </p:cNvSpPr>
           <p:nvPr>
-            <p:ph type="title" idx="4294967295"/>
+            <p:ph type="body" idx="21"/>
           </p:nvPr>
         </p:nvSpPr>
-        <p:spPr>
-          <a:xfrm>
-            <a:off x="457200" y="0"/>
-            <a:ext cx="8229600" cy="857250"/>
-          </a:xfrm>
-          <a:prstGeom prst="rect">
-            <a:avLst/>
-          </a:prstGeom>
-        </p:spPr>
-        <p:txBody>
-          <a:bodyPr/>
-          <a:lstStyle>
-            <a:lvl1pPr defTabSz="905255">
-              <a:defRPr sz="4356" b="1">
-                <a:effectLst>
-                  <a:outerShdw blurRad="37719" dist="37719" dir="2700000" rotWithShape="0">
-                    <a:srgbClr val="000000">
-                      <a:alpha val="43137"/>
-                    </a:srgbClr>
-                  </a:outerShdw>
-                </a:effectLst>
-              </a:defRPr>
-            </a:lvl1pPr>
-          </a:lstStyle>
-          <a:p>
-            <a:r>
-              <a:t>新的異象，新的方向</a:t>
-            </a:r>
-          </a:p>
-        </p:txBody>
-      </p:sp>
-      <p:sp>
-        <p:nvSpPr>
-          <p:cNvPr id="116" name="Rectangle 5"/>
-          <p:cNvSpPr txBox="1">
-            <a:spLocks noGrp="1"/>
-          </p:cNvSpPr>
-          <p:nvPr>
-            <p:ph type="body" idx="4294967295"/>
-          </p:nvPr>
-        </p:nvSpPr>
-        <p:spPr>
-          <a:xfrm>
-            <a:off x="0" y="742950"/>
-            <a:ext cx="9144000" cy="4400550"/>
-          </a:xfrm>
-          <a:prstGeom prst="rect">
-            <a:avLst/>
-          </a:prstGeom>
-        </p:spPr>
+        <p:spPr/>
         <p:txBody>
           <a:bodyPr/>
           <a:lstStyle/>
           <a:p>
-            <a:pPr marL="0" indent="0" algn="ctr">
-              <a:buSzTx/>
-              <a:buNone/>
-              <a:defRPr sz="1600" b="1">
-                <a:effectLst>
-                  <a:outerShdw blurRad="38100" dist="38100" dir="2700000" rotWithShape="0">
-                    <a:srgbClr val="000000">
-                      <a:alpha val="43137"/>
-                    </a:srgbClr>
-                  </a:outerShdw>
-                </a:effectLst>
-              </a:defRPr>
-            </a:pPr>
-            <a:endParaRPr/>
-          </a:p>
-          <a:p>
-            <a:pPr marL="0" indent="0" algn="ctr">
-              <a:spcBef>
-                <a:spcPts val="900"/>
-              </a:spcBef>
-              <a:buSzTx/>
-              <a:buNone/>
-              <a:defRPr sz="4000" b="1">
-                <a:effectLst>
-                  <a:outerShdw blurRad="38100" dist="38100" dir="2700000" rotWithShape="0">
-                    <a:srgbClr val="000000">
-                      <a:alpha val="43137"/>
-                    </a:srgbClr>
-                  </a:outerShdw>
-                </a:effectLst>
-              </a:defRPr>
-            </a:pPr>
             <a:r>
-              <a:t>全地都要渴望呼喊</a:t>
+              <a:t> 有敬拜的聲音發出</a:t>
             </a:r>
           </a:p>
           <a:p>
-            <a:pPr marL="0" indent="0" algn="ctr">
-              <a:spcBef>
-                <a:spcPts val="900"/>
-              </a:spcBef>
-              <a:buSzTx/>
-              <a:buNone/>
-              <a:defRPr sz="4000" b="1">
-                <a:effectLst>
-                  <a:outerShdw blurRad="38100" dist="38100" dir="2700000" rotWithShape="0">
-                    <a:srgbClr val="000000">
-                      <a:alpha val="43137"/>
-                    </a:srgbClr>
-                  </a:outerShdw>
-                </a:effectLst>
-              </a:defRPr>
-            </a:pPr>
             <a:r>
-              <a:t>榮耀的主我願祢來</a:t>
+              <a:t>從最高的山到海洋深處</a:t>
             </a:r>
           </a:p>
           <a:p>
-            <a:pPr marL="0" indent="0" algn="ctr">
-              <a:spcBef>
-                <a:spcPts val="900"/>
-              </a:spcBef>
-              <a:buSzTx/>
-              <a:buNone/>
-              <a:defRPr sz="4000" b="1">
-                <a:effectLst>
-                  <a:outerShdw blurRad="38100" dist="38100" dir="2700000" rotWithShape="0">
-                    <a:srgbClr val="000000">
-                      <a:alpha val="43137"/>
-                    </a:srgbClr>
-                  </a:outerShdw>
-                </a:effectLst>
-              </a:defRPr>
-            </a:pPr>
             <a:r>
-              <a:t>天要敞開恩膏傾倒下來</a:t>
+              <a:t>神的兒女要唱一首新歌</a:t>
             </a:r>
           </a:p>
           <a:p>
-            <a:pPr marL="0" indent="0" algn="ctr">
-              <a:spcBef>
-                <a:spcPts val="900"/>
-              </a:spcBef>
-              <a:buSzTx/>
-              <a:buNone/>
-              <a:defRPr sz="4000" b="1">
-                <a:effectLst>
-                  <a:outerShdw blurRad="38100" dist="38100" dir="2700000" rotWithShape="0">
-                    <a:srgbClr val="000000">
-                      <a:alpha val="43137"/>
-                    </a:srgbClr>
-                  </a:outerShdw>
-                </a:effectLst>
-              </a:defRPr>
-            </a:pPr>
             <a:r>
-              <a:t>神國度的榮耀彰顯</a:t>
+              <a:t>我們神要做新事</a:t>
             </a:r>
           </a:p>
         </p:txBody>
@@ -4005,12 +4446,11 @@
   <p:clrMapOvr>
     <a:masterClrMapping/>
   </p:clrMapOvr>
-  <p:transition spd="med"/>
 </p:sld>
 </file>
 
-<file path=ppt/slides/slide4.xml><?xml version="1.0" encoding="utf-8"?>
-<p:sld xmlns:a="http://schemas.openxmlformats.org/drawingml/2006/main" xmlns:r="http://schemas.openxmlformats.org/officeDocument/2006/relationships" xmlns:p="http://schemas.openxmlformats.org/presentationml/2006/main">
+<file path=ppt/slides/slide3.xml><?xml version="1.0" encoding="utf-8"?>
+<p:sld xmlns:a="http://schemas.openxmlformats.org/drawingml/2006/main" xmlns:p="http://schemas.openxmlformats.org/presentationml/2006/main" xmlns:r="http://schemas.openxmlformats.org/officeDocument/2006/relationships">
   <p:cSld>
     <p:spTree>
       <p:nvGrpSpPr>
@@ -4018,175 +4458,39 @@
         <p:cNvGrpSpPr/>
         <p:nvPr/>
       </p:nvGrpSpPr>
-      <p:grpSpPr>
-        <a:xfrm>
-          <a:off x="0" y="0"/>
-          <a:ext cx="0" cy="0"/>
-          <a:chOff x="0" y="0"/>
-          <a:chExt cx="0" cy="0"/>
-        </a:xfrm>
-      </p:grpSpPr>
+      <p:grpSpPr/>
       <p:sp>
         <p:nvSpPr>
-          <p:cNvPr id="118" name="Rectangle 4"/>
-          <p:cNvSpPr txBox="1">
+          <p:cNvPr id="2" name="Text Placeholder 1"/>
+          <p:cNvSpPr>
             <a:spLocks noGrp="1"/>
           </p:cNvSpPr>
           <p:nvPr>
-            <p:ph type="title" idx="4294967295"/>
+            <p:ph type="body" idx="21"/>
           </p:nvPr>
         </p:nvSpPr>
-        <p:spPr>
-          <a:xfrm>
-            <a:off x="457200" y="0"/>
-            <a:ext cx="8229600" cy="857250"/>
-          </a:xfrm>
-          <a:prstGeom prst="rect">
-            <a:avLst/>
-          </a:prstGeom>
-        </p:spPr>
-        <p:txBody>
-          <a:bodyPr/>
-          <a:lstStyle>
-            <a:lvl1pPr defTabSz="905255">
-              <a:defRPr sz="4356" b="1">
-                <a:effectLst>
-                  <a:outerShdw blurRad="37719" dist="37719" dir="2700000" rotWithShape="0">
-                    <a:srgbClr val="000000">
-                      <a:alpha val="43137"/>
-                    </a:srgbClr>
-                  </a:outerShdw>
-                </a:effectLst>
-              </a:defRPr>
-            </a:lvl1pPr>
-          </a:lstStyle>
-          <a:p>
-            <a:r>
-              <a:t>新的異象，新的方向</a:t>
-            </a:r>
-          </a:p>
-        </p:txBody>
-      </p:sp>
-      <p:sp>
-        <p:nvSpPr>
-          <p:cNvPr id="119" name="Rectangle 5"/>
-          <p:cNvSpPr txBox="1">
-            <a:spLocks noGrp="1"/>
-          </p:cNvSpPr>
-          <p:nvPr>
-            <p:ph type="body" idx="4294967295"/>
-          </p:nvPr>
-        </p:nvSpPr>
-        <p:spPr>
-          <a:xfrm>
-            <a:off x="0" y="742950"/>
-            <a:ext cx="9144000" cy="4400550"/>
-          </a:xfrm>
-          <a:prstGeom prst="rect">
-            <a:avLst/>
-          </a:prstGeom>
-        </p:spPr>
+        <p:spPr/>
         <p:txBody>
           <a:bodyPr/>
           <a:lstStyle/>
           <a:p>
-            <a:pPr marL="0" indent="0" algn="ctr">
-              <a:buSzTx/>
-              <a:buNone/>
-              <a:defRPr sz="1600" b="1">
-                <a:effectLst>
-                  <a:outerShdw blurRad="38100" dist="38100" dir="2700000" rotWithShape="0">
-                    <a:srgbClr val="000000">
-                      <a:alpha val="43137"/>
-                    </a:srgbClr>
-                  </a:outerShdw>
-                </a:effectLst>
-              </a:defRPr>
-            </a:pPr>
-            <a:endParaRPr/>
-          </a:p>
-          <a:p>
-            <a:pPr marL="0" indent="0" algn="ctr">
-              <a:spcBef>
-                <a:spcPts val="900"/>
-              </a:spcBef>
-              <a:buSzTx/>
-              <a:buNone/>
-              <a:defRPr sz="4000" b="1">
-                <a:effectLst>
-                  <a:outerShdw blurRad="38100" dist="38100" dir="2700000" rotWithShape="0">
-                    <a:srgbClr val="000000">
-                      <a:alpha val="43137"/>
-                    </a:srgbClr>
-                  </a:outerShdw>
-                </a:effectLst>
-              </a:defRPr>
-            </a:pPr>
             <a:r>
-              <a:t>全地都要渴望呼喊</a:t>
+              <a:t> 舊的事都已經過去</a:t>
             </a:r>
           </a:p>
           <a:p>
-            <a:pPr marL="0" indent="0" algn="ctr">
-              <a:spcBef>
-                <a:spcPts val="900"/>
-              </a:spcBef>
-              <a:buSzTx/>
-              <a:buNone/>
-              <a:defRPr sz="4000" b="1">
-                <a:effectLst>
-                  <a:outerShdw blurRad="38100" dist="38100" dir="2700000" rotWithShape="0">
-                    <a:srgbClr val="000000">
-                      <a:alpha val="43137"/>
-                    </a:srgbClr>
-                  </a:outerShdw>
-                </a:effectLst>
-              </a:defRPr>
-            </a:pPr>
             <a:r>
-              <a:t>榮耀的主我願祢來</a:t>
+              <a:t>在基督裡一切都要更新</a:t>
             </a:r>
           </a:p>
           <a:p>
-            <a:pPr marL="0" indent="0" algn="ctr">
-              <a:spcBef>
-                <a:spcPts val="900"/>
-              </a:spcBef>
-              <a:buSzTx/>
-              <a:buNone/>
-              <a:defRPr sz="4000" b="1">
-                <a:effectLst>
-                  <a:outerShdw blurRad="38100" dist="38100" dir="2700000" rotWithShape="0">
-                    <a:srgbClr val="000000">
-                      <a:alpha val="43137"/>
-                    </a:srgbClr>
-                  </a:outerShdw>
-                </a:effectLst>
-              </a:defRPr>
-            </a:pPr>
             <a:r>
-              <a:t>聖靈引領看見新的異象</a:t>
+              <a:t>新的眼界 新的異象</a:t>
             </a:r>
           </a:p>
           <a:p>
-            <a:pPr marL="0" indent="0" algn="ctr">
-              <a:spcBef>
-                <a:spcPts val="900"/>
-              </a:spcBef>
-              <a:buSzTx/>
-              <a:buNone/>
-              <a:defRPr sz="4000" b="1">
-                <a:effectLst>
-                  <a:outerShdw blurRad="38100" dist="38100" dir="2700000" rotWithShape="0">
-                    <a:srgbClr val="000000">
-                      <a:alpha val="43137"/>
-                    </a:srgbClr>
-                  </a:outerShdw>
-                </a:effectLst>
-              </a:defRPr>
-            </a:pPr>
             <a:r>
-              <a:t>祢要做新的事在我們中間</a:t>
+              <a:t>新的故事 新的方向</a:t>
             </a:r>
           </a:p>
         </p:txBody>
@@ -4196,12 +4500,11 @@
   <p:clrMapOvr>
     <a:masterClrMapping/>
   </p:clrMapOvr>
-  <p:transition spd="med"/>
 </p:sld>
 </file>
 
-<file path=ppt/slides/slide5.xml><?xml version="1.0" encoding="utf-8"?>
-<p:sld xmlns:a="http://schemas.openxmlformats.org/drawingml/2006/main" xmlns:r="http://schemas.openxmlformats.org/officeDocument/2006/relationships" xmlns:p="http://schemas.openxmlformats.org/presentationml/2006/main">
+<file path=ppt/slides/slide4.xml><?xml version="1.0" encoding="utf-8"?>
+<p:sld xmlns:a="http://schemas.openxmlformats.org/drawingml/2006/main" xmlns:p="http://schemas.openxmlformats.org/presentationml/2006/main" xmlns:r="http://schemas.openxmlformats.org/officeDocument/2006/relationships">
   <p:cSld>
     <p:spTree>
       <p:nvGrpSpPr>
@@ -4209,175 +4512,39 @@
         <p:cNvGrpSpPr/>
         <p:nvPr/>
       </p:nvGrpSpPr>
-      <p:grpSpPr>
-        <a:xfrm>
-          <a:off x="0" y="0"/>
-          <a:ext cx="0" cy="0"/>
-          <a:chOff x="0" y="0"/>
-          <a:chExt cx="0" cy="0"/>
-        </a:xfrm>
-      </p:grpSpPr>
+      <p:grpSpPr/>
       <p:sp>
         <p:nvSpPr>
-          <p:cNvPr id="121" name="Rectangle 4"/>
-          <p:cNvSpPr txBox="1">
+          <p:cNvPr id="2" name="Text Placeholder 1"/>
+          <p:cNvSpPr>
             <a:spLocks noGrp="1"/>
           </p:cNvSpPr>
           <p:nvPr>
-            <p:ph type="title" idx="4294967295"/>
+            <p:ph type="body" idx="21"/>
           </p:nvPr>
         </p:nvSpPr>
-        <p:spPr>
-          <a:xfrm>
-            <a:off x="457200" y="0"/>
-            <a:ext cx="8229600" cy="857250"/>
-          </a:xfrm>
-          <a:prstGeom prst="rect">
-            <a:avLst/>
-          </a:prstGeom>
-        </p:spPr>
-        <p:txBody>
-          <a:bodyPr/>
-          <a:lstStyle>
-            <a:lvl1pPr defTabSz="905255">
-              <a:defRPr sz="4356" b="1">
-                <a:effectLst>
-                  <a:outerShdw blurRad="37719" dist="37719" dir="2700000" rotWithShape="0">
-                    <a:srgbClr val="000000">
-                      <a:alpha val="43137"/>
-                    </a:srgbClr>
-                  </a:outerShdw>
-                </a:effectLst>
-              </a:defRPr>
-            </a:lvl1pPr>
-          </a:lstStyle>
-          <a:p>
-            <a:r>
-              <a:t>新的異象，新的方向</a:t>
-            </a:r>
-          </a:p>
-        </p:txBody>
-      </p:sp>
-      <p:sp>
-        <p:nvSpPr>
-          <p:cNvPr id="122" name="Rectangle 5"/>
-          <p:cNvSpPr txBox="1">
-            <a:spLocks noGrp="1"/>
-          </p:cNvSpPr>
-          <p:nvPr>
-            <p:ph type="body" idx="4294967295"/>
-          </p:nvPr>
-        </p:nvSpPr>
-        <p:spPr>
-          <a:xfrm>
-            <a:off x="0" y="742950"/>
-            <a:ext cx="9144000" cy="4400550"/>
-          </a:xfrm>
-          <a:prstGeom prst="rect">
-            <a:avLst/>
-          </a:prstGeom>
-        </p:spPr>
+        <p:spPr/>
         <p:txBody>
           <a:bodyPr/>
           <a:lstStyle/>
           <a:p>
-            <a:pPr marL="0" indent="0" algn="ctr">
-              <a:buSzTx/>
-              <a:buNone/>
-              <a:defRPr sz="1600" b="1">
-                <a:effectLst>
-                  <a:outerShdw blurRad="38100" dist="38100" dir="2700000" rotWithShape="0">
-                    <a:srgbClr val="000000">
-                      <a:alpha val="43137"/>
-                    </a:srgbClr>
-                  </a:outerShdw>
-                </a:effectLst>
-              </a:defRPr>
-            </a:pPr>
-            <a:endParaRPr/>
-          </a:p>
-          <a:p>
-            <a:pPr marL="0" indent="0" algn="ctr">
-              <a:spcBef>
-                <a:spcPts val="900"/>
-              </a:spcBef>
-              <a:buSzTx/>
-              <a:buNone/>
-              <a:defRPr sz="4000" b="1">
-                <a:effectLst>
-                  <a:outerShdw blurRad="38100" dist="38100" dir="2700000" rotWithShape="0">
-                    <a:srgbClr val="000000">
-                      <a:alpha val="43137"/>
-                    </a:srgbClr>
-                  </a:outerShdw>
-                </a:effectLst>
-              </a:defRPr>
-            </a:pPr>
             <a:r>
-              <a:t>有敬拜的聲音發出</a:t>
+              <a:t> 全地都要渴望呼喊</a:t>
             </a:r>
           </a:p>
           <a:p>
-            <a:pPr marL="0" indent="0" algn="ctr">
-              <a:spcBef>
-                <a:spcPts val="900"/>
-              </a:spcBef>
-              <a:buSzTx/>
-              <a:buNone/>
-              <a:defRPr sz="4000" b="1">
-                <a:effectLst>
-                  <a:outerShdw blurRad="38100" dist="38100" dir="2700000" rotWithShape="0">
-                    <a:srgbClr val="000000">
-                      <a:alpha val="43137"/>
-                    </a:srgbClr>
-                  </a:outerShdw>
-                </a:effectLst>
-              </a:defRPr>
-            </a:pPr>
             <a:r>
-              <a:t>從最高的山到海洋深處</a:t>
+              <a:t>榮耀的主我願祢來</a:t>
             </a:r>
           </a:p>
           <a:p>
-            <a:pPr marL="0" indent="0" algn="ctr">
-              <a:spcBef>
-                <a:spcPts val="900"/>
-              </a:spcBef>
-              <a:buSzTx/>
-              <a:buNone/>
-              <a:defRPr sz="4000" b="1">
-                <a:effectLst>
-                  <a:outerShdw blurRad="38100" dist="38100" dir="2700000" rotWithShape="0">
-                    <a:srgbClr val="000000">
-                      <a:alpha val="43137"/>
-                    </a:srgbClr>
-                  </a:outerShdw>
-                </a:effectLst>
-              </a:defRPr>
-            </a:pPr>
             <a:r>
-              <a:t>神的兒女要唱一首新歌</a:t>
+              <a:t>天要敞開恩膏傾倒下來</a:t>
             </a:r>
           </a:p>
           <a:p>
-            <a:pPr marL="0" indent="0" algn="ctr">
-              <a:spcBef>
-                <a:spcPts val="900"/>
-              </a:spcBef>
-              <a:buSzTx/>
-              <a:buNone/>
-              <a:defRPr sz="4000" b="1">
-                <a:effectLst>
-                  <a:outerShdw blurRad="38100" dist="38100" dir="2700000" rotWithShape="0">
-                    <a:srgbClr val="000000">
-                      <a:alpha val="43137"/>
-                    </a:srgbClr>
-                  </a:outerShdw>
-                </a:effectLst>
-              </a:defRPr>
-            </a:pPr>
             <a:r>
-              <a:t>我們神要做新事</a:t>
+              <a:t>神國度的榮耀彰顯</a:t>
             </a:r>
           </a:p>
         </p:txBody>
@@ -4387,12 +4554,11 @@
   <p:clrMapOvr>
     <a:masterClrMapping/>
   </p:clrMapOvr>
-  <p:transition spd="med"/>
 </p:sld>
 </file>
 
-<file path=ppt/slides/slide6.xml><?xml version="1.0" encoding="utf-8"?>
-<p:sld xmlns:a="http://schemas.openxmlformats.org/drawingml/2006/main" xmlns:r="http://schemas.openxmlformats.org/officeDocument/2006/relationships" xmlns:p="http://schemas.openxmlformats.org/presentationml/2006/main">
+<file path=ppt/slides/slide5.xml><?xml version="1.0" encoding="utf-8"?>
+<p:sld xmlns:a="http://schemas.openxmlformats.org/drawingml/2006/main" xmlns:p="http://schemas.openxmlformats.org/presentationml/2006/main" xmlns:r="http://schemas.openxmlformats.org/officeDocument/2006/relationships">
   <p:cSld>
     <p:spTree>
       <p:nvGrpSpPr>
@@ -4400,175 +4566,39 @@
         <p:cNvGrpSpPr/>
         <p:nvPr/>
       </p:nvGrpSpPr>
-      <p:grpSpPr>
-        <a:xfrm>
-          <a:off x="0" y="0"/>
-          <a:ext cx="0" cy="0"/>
-          <a:chOff x="0" y="0"/>
-          <a:chExt cx="0" cy="0"/>
-        </a:xfrm>
-      </p:grpSpPr>
+      <p:grpSpPr/>
       <p:sp>
         <p:nvSpPr>
-          <p:cNvPr id="124" name="Rectangle 4"/>
-          <p:cNvSpPr txBox="1">
+          <p:cNvPr id="2" name="Text Placeholder 1"/>
+          <p:cNvSpPr>
             <a:spLocks noGrp="1"/>
           </p:cNvSpPr>
           <p:nvPr>
-            <p:ph type="title" idx="4294967295"/>
+            <p:ph type="body" idx="21"/>
           </p:nvPr>
         </p:nvSpPr>
-        <p:spPr>
-          <a:xfrm>
-            <a:off x="457200" y="0"/>
-            <a:ext cx="8229600" cy="857250"/>
-          </a:xfrm>
-          <a:prstGeom prst="rect">
-            <a:avLst/>
-          </a:prstGeom>
-        </p:spPr>
-        <p:txBody>
-          <a:bodyPr/>
-          <a:lstStyle>
-            <a:lvl1pPr defTabSz="905255">
-              <a:defRPr sz="4356" b="1">
-                <a:effectLst>
-                  <a:outerShdw blurRad="37719" dist="37719" dir="2700000" rotWithShape="0">
-                    <a:srgbClr val="000000">
-                      <a:alpha val="43137"/>
-                    </a:srgbClr>
-                  </a:outerShdw>
-                </a:effectLst>
-              </a:defRPr>
-            </a:lvl1pPr>
-          </a:lstStyle>
-          <a:p>
-            <a:r>
-              <a:t>新的異象，新的方向</a:t>
-            </a:r>
-          </a:p>
-        </p:txBody>
-      </p:sp>
-      <p:sp>
-        <p:nvSpPr>
-          <p:cNvPr id="125" name="Rectangle 5"/>
-          <p:cNvSpPr txBox="1">
-            <a:spLocks noGrp="1"/>
-          </p:cNvSpPr>
-          <p:nvPr>
-            <p:ph type="body" idx="4294967295"/>
-          </p:nvPr>
-        </p:nvSpPr>
-        <p:spPr>
-          <a:xfrm>
-            <a:off x="0" y="742950"/>
-            <a:ext cx="9144000" cy="4400550"/>
-          </a:xfrm>
-          <a:prstGeom prst="rect">
-            <a:avLst/>
-          </a:prstGeom>
-        </p:spPr>
+        <p:spPr/>
         <p:txBody>
           <a:bodyPr/>
           <a:lstStyle/>
           <a:p>
-            <a:pPr marL="0" indent="0" algn="ctr">
-              <a:buSzTx/>
-              <a:buNone/>
-              <a:defRPr sz="1600" b="1">
-                <a:effectLst>
-                  <a:outerShdw blurRad="38100" dist="38100" dir="2700000" rotWithShape="0">
-                    <a:srgbClr val="000000">
-                      <a:alpha val="43137"/>
-                    </a:srgbClr>
-                  </a:outerShdw>
-                </a:effectLst>
-              </a:defRPr>
-            </a:pPr>
-            <a:endParaRPr/>
-          </a:p>
-          <a:p>
-            <a:pPr marL="0" indent="0" algn="ctr">
-              <a:spcBef>
-                <a:spcPts val="900"/>
-              </a:spcBef>
-              <a:buSzTx/>
-              <a:buNone/>
-              <a:defRPr sz="4000" b="1">
-                <a:effectLst>
-                  <a:outerShdw blurRad="38100" dist="38100" dir="2700000" rotWithShape="0">
-                    <a:srgbClr val="000000">
-                      <a:alpha val="43137"/>
-                    </a:srgbClr>
-                  </a:outerShdw>
-                </a:effectLst>
-              </a:defRPr>
-            </a:pPr>
             <a:r>
-              <a:t>舊的事都已經過去</a:t>
+              <a:t> 全地都要渴望呼喊</a:t>
             </a:r>
           </a:p>
           <a:p>
-            <a:pPr marL="0" indent="0" algn="ctr">
-              <a:spcBef>
-                <a:spcPts val="900"/>
-              </a:spcBef>
-              <a:buSzTx/>
-              <a:buNone/>
-              <a:defRPr sz="4000" b="1">
-                <a:effectLst>
-                  <a:outerShdw blurRad="38100" dist="38100" dir="2700000" rotWithShape="0">
-                    <a:srgbClr val="000000">
-                      <a:alpha val="43137"/>
-                    </a:srgbClr>
-                  </a:outerShdw>
-                </a:effectLst>
-              </a:defRPr>
-            </a:pPr>
             <a:r>
-              <a:t>在基督裡一切都要更新</a:t>
+              <a:t>榮耀的主我願祢來</a:t>
             </a:r>
           </a:p>
           <a:p>
-            <a:pPr marL="0" indent="0" algn="ctr">
-              <a:spcBef>
-                <a:spcPts val="900"/>
-              </a:spcBef>
-              <a:buSzTx/>
-              <a:buNone/>
-              <a:defRPr sz="4000" b="1">
-                <a:effectLst>
-                  <a:outerShdw blurRad="38100" dist="38100" dir="2700000" rotWithShape="0">
-                    <a:srgbClr val="000000">
-                      <a:alpha val="43137"/>
-                    </a:srgbClr>
-                  </a:outerShdw>
-                </a:effectLst>
-              </a:defRPr>
-            </a:pPr>
             <a:r>
-              <a:t>新的眼界 新的異象</a:t>
+              <a:t>聖靈引領看見新的異象</a:t>
             </a:r>
           </a:p>
           <a:p>
-            <a:pPr marL="0" indent="0" algn="ctr">
-              <a:spcBef>
-                <a:spcPts val="900"/>
-              </a:spcBef>
-              <a:buSzTx/>
-              <a:buNone/>
-              <a:defRPr sz="4000" b="1">
-                <a:effectLst>
-                  <a:outerShdw blurRad="38100" dist="38100" dir="2700000" rotWithShape="0">
-                    <a:srgbClr val="000000">
-                      <a:alpha val="43137"/>
-                    </a:srgbClr>
-                  </a:outerShdw>
-                </a:effectLst>
-              </a:defRPr>
-            </a:pPr>
             <a:r>
-              <a:t>新的故事 新的方向</a:t>
+              <a:t>祢要做新的事在我們中間</a:t>
             </a:r>
           </a:p>
         </p:txBody>
@@ -4578,12 +4608,11 @@
   <p:clrMapOvr>
     <a:masterClrMapping/>
   </p:clrMapOvr>
-  <p:transition spd="med"/>
 </p:sld>
 </file>
 
-<file path=ppt/slides/slide7.xml><?xml version="1.0" encoding="utf-8"?>
-<p:sld xmlns:a="http://schemas.openxmlformats.org/drawingml/2006/main" xmlns:r="http://schemas.openxmlformats.org/officeDocument/2006/relationships" xmlns:p="http://schemas.openxmlformats.org/presentationml/2006/main">
+<file path=ppt/slides/slide6.xml><?xml version="1.0" encoding="utf-8"?>
+<p:sld xmlns:a="http://schemas.openxmlformats.org/drawingml/2006/main" xmlns:p="http://schemas.openxmlformats.org/presentationml/2006/main" xmlns:r="http://schemas.openxmlformats.org/officeDocument/2006/relationships">
   <p:cSld>
     <p:spTree>
       <p:nvGrpSpPr>
@@ -4591,175 +4620,39 @@
         <p:cNvGrpSpPr/>
         <p:nvPr/>
       </p:nvGrpSpPr>
-      <p:grpSpPr>
-        <a:xfrm>
-          <a:off x="0" y="0"/>
-          <a:ext cx="0" cy="0"/>
-          <a:chOff x="0" y="0"/>
-          <a:chExt cx="0" cy="0"/>
-        </a:xfrm>
-      </p:grpSpPr>
+      <p:grpSpPr/>
       <p:sp>
         <p:nvSpPr>
-          <p:cNvPr id="127" name="Rectangle 4"/>
-          <p:cNvSpPr txBox="1">
+          <p:cNvPr id="2" name="Text Placeholder 1"/>
+          <p:cNvSpPr>
             <a:spLocks noGrp="1"/>
           </p:cNvSpPr>
           <p:nvPr>
-            <p:ph type="title" idx="4294967295"/>
+            <p:ph type="body" idx="21"/>
           </p:nvPr>
         </p:nvSpPr>
-        <p:spPr>
-          <a:xfrm>
-            <a:off x="457200" y="0"/>
-            <a:ext cx="8229600" cy="857250"/>
-          </a:xfrm>
-          <a:prstGeom prst="rect">
-            <a:avLst/>
-          </a:prstGeom>
-        </p:spPr>
-        <p:txBody>
-          <a:bodyPr/>
-          <a:lstStyle>
-            <a:lvl1pPr defTabSz="905255">
-              <a:defRPr sz="4356" b="1">
-                <a:effectLst>
-                  <a:outerShdw blurRad="37719" dist="37719" dir="2700000" rotWithShape="0">
-                    <a:srgbClr val="000000">
-                      <a:alpha val="43137"/>
-                    </a:srgbClr>
-                  </a:outerShdw>
-                </a:effectLst>
-              </a:defRPr>
-            </a:lvl1pPr>
-          </a:lstStyle>
-          <a:p>
-            <a:r>
-              <a:t>新的異象，新的方向</a:t>
-            </a:r>
-          </a:p>
-        </p:txBody>
-      </p:sp>
-      <p:sp>
-        <p:nvSpPr>
-          <p:cNvPr id="128" name="Rectangle 5"/>
-          <p:cNvSpPr txBox="1">
-            <a:spLocks noGrp="1"/>
-          </p:cNvSpPr>
-          <p:nvPr>
-            <p:ph type="body" idx="4294967295"/>
-          </p:nvPr>
-        </p:nvSpPr>
-        <p:spPr>
-          <a:xfrm>
-            <a:off x="0" y="742950"/>
-            <a:ext cx="9144000" cy="4400550"/>
-          </a:xfrm>
-          <a:prstGeom prst="rect">
-            <a:avLst/>
-          </a:prstGeom>
-        </p:spPr>
+        <p:spPr/>
         <p:txBody>
           <a:bodyPr/>
           <a:lstStyle/>
           <a:p>
-            <a:pPr marL="0" indent="0" algn="ctr">
-              <a:buSzTx/>
-              <a:buNone/>
-              <a:defRPr sz="1600" b="1">
-                <a:effectLst>
-                  <a:outerShdw blurRad="38100" dist="38100" dir="2700000" rotWithShape="0">
-                    <a:srgbClr val="000000">
-                      <a:alpha val="43137"/>
-                    </a:srgbClr>
-                  </a:outerShdw>
-                </a:effectLst>
-              </a:defRPr>
-            </a:pPr>
-            <a:endParaRPr/>
-          </a:p>
-          <a:p>
-            <a:pPr marL="0" indent="0" algn="ctr">
-              <a:spcBef>
-                <a:spcPts val="900"/>
-              </a:spcBef>
-              <a:buSzTx/>
-              <a:buNone/>
-              <a:defRPr sz="4000" b="1">
-                <a:effectLst>
-                  <a:outerShdw blurRad="38100" dist="38100" dir="2700000" rotWithShape="0">
-                    <a:srgbClr val="000000">
-                      <a:alpha val="43137"/>
-                    </a:srgbClr>
-                  </a:outerShdw>
-                </a:effectLst>
-              </a:defRPr>
-            </a:pPr>
             <a:r>
-              <a:t>全地都要渴望呼喊</a:t>
+              <a:t> 有敬拜的聲音發出</a:t>
             </a:r>
           </a:p>
           <a:p>
-            <a:pPr marL="0" indent="0" algn="ctr">
-              <a:spcBef>
-                <a:spcPts val="900"/>
-              </a:spcBef>
-              <a:buSzTx/>
-              <a:buNone/>
-              <a:defRPr sz="4000" b="1">
-                <a:effectLst>
-                  <a:outerShdw blurRad="38100" dist="38100" dir="2700000" rotWithShape="0">
-                    <a:srgbClr val="000000">
-                      <a:alpha val="43137"/>
-                    </a:srgbClr>
-                  </a:outerShdw>
-                </a:effectLst>
-              </a:defRPr>
-            </a:pPr>
             <a:r>
-              <a:t>榮耀的主我願祢來</a:t>
+              <a:t>從最高的山到海洋深處</a:t>
             </a:r>
           </a:p>
           <a:p>
-            <a:pPr marL="0" indent="0" algn="ctr">
-              <a:spcBef>
-                <a:spcPts val="900"/>
-              </a:spcBef>
-              <a:buSzTx/>
-              <a:buNone/>
-              <a:defRPr sz="4000" b="1">
-                <a:effectLst>
-                  <a:outerShdw blurRad="38100" dist="38100" dir="2700000" rotWithShape="0">
-                    <a:srgbClr val="000000">
-                      <a:alpha val="43137"/>
-                    </a:srgbClr>
-                  </a:outerShdw>
-                </a:effectLst>
-              </a:defRPr>
-            </a:pPr>
             <a:r>
-              <a:t>天要敞開恩膏傾倒下來</a:t>
+              <a:t>神的兒女要唱一首新歌</a:t>
             </a:r>
           </a:p>
           <a:p>
-            <a:pPr marL="0" indent="0" algn="ctr">
-              <a:spcBef>
-                <a:spcPts val="900"/>
-              </a:spcBef>
-              <a:buSzTx/>
-              <a:buNone/>
-              <a:defRPr sz="4000" b="1">
-                <a:effectLst>
-                  <a:outerShdw blurRad="38100" dist="38100" dir="2700000" rotWithShape="0">
-                    <a:srgbClr val="000000">
-                      <a:alpha val="43137"/>
-                    </a:srgbClr>
-                  </a:outerShdw>
-                </a:effectLst>
-              </a:defRPr>
-            </a:pPr>
             <a:r>
-              <a:t>神國度的榮耀彰顯</a:t>
+              <a:t>我們神要做新事</a:t>
             </a:r>
           </a:p>
         </p:txBody>
@@ -4769,12 +4662,11 @@
   <p:clrMapOvr>
     <a:masterClrMapping/>
   </p:clrMapOvr>
-  <p:transition spd="med"/>
 </p:sld>
 </file>
 
-<file path=ppt/slides/slide8.xml><?xml version="1.0" encoding="utf-8"?>
-<p:sld xmlns:a="http://schemas.openxmlformats.org/drawingml/2006/main" xmlns:r="http://schemas.openxmlformats.org/officeDocument/2006/relationships" xmlns:p="http://schemas.openxmlformats.org/presentationml/2006/main">
+<file path=ppt/slides/slide7.xml><?xml version="1.0" encoding="utf-8"?>
+<p:sld xmlns:a="http://schemas.openxmlformats.org/drawingml/2006/main" xmlns:p="http://schemas.openxmlformats.org/presentationml/2006/main" xmlns:r="http://schemas.openxmlformats.org/officeDocument/2006/relationships">
   <p:cSld>
     <p:spTree>
       <p:nvGrpSpPr>
@@ -4782,175 +4674,39 @@
         <p:cNvGrpSpPr/>
         <p:nvPr/>
       </p:nvGrpSpPr>
-      <p:grpSpPr>
-        <a:xfrm>
-          <a:off x="0" y="0"/>
-          <a:ext cx="0" cy="0"/>
-          <a:chOff x="0" y="0"/>
-          <a:chExt cx="0" cy="0"/>
-        </a:xfrm>
-      </p:grpSpPr>
+      <p:grpSpPr/>
       <p:sp>
         <p:nvSpPr>
-          <p:cNvPr id="130" name="Rectangle 4"/>
-          <p:cNvSpPr txBox="1">
+          <p:cNvPr id="2" name="Text Placeholder 1"/>
+          <p:cNvSpPr>
             <a:spLocks noGrp="1"/>
           </p:cNvSpPr>
           <p:nvPr>
-            <p:ph type="title" idx="4294967295"/>
+            <p:ph type="body" idx="21"/>
           </p:nvPr>
         </p:nvSpPr>
-        <p:spPr>
-          <a:xfrm>
-            <a:off x="457200" y="0"/>
-            <a:ext cx="8229600" cy="857250"/>
-          </a:xfrm>
-          <a:prstGeom prst="rect">
-            <a:avLst/>
-          </a:prstGeom>
-        </p:spPr>
-        <p:txBody>
-          <a:bodyPr/>
-          <a:lstStyle>
-            <a:lvl1pPr defTabSz="905255">
-              <a:defRPr sz="4356" b="1">
-                <a:effectLst>
-                  <a:outerShdw blurRad="37719" dist="37719" dir="2700000" rotWithShape="0">
-                    <a:srgbClr val="000000">
-                      <a:alpha val="43137"/>
-                    </a:srgbClr>
-                  </a:outerShdw>
-                </a:effectLst>
-              </a:defRPr>
-            </a:lvl1pPr>
-          </a:lstStyle>
-          <a:p>
-            <a:r>
-              <a:t>新的異象，新的方向</a:t>
-            </a:r>
-          </a:p>
-        </p:txBody>
-      </p:sp>
-      <p:sp>
-        <p:nvSpPr>
-          <p:cNvPr id="131" name="Rectangle 5"/>
-          <p:cNvSpPr txBox="1">
-            <a:spLocks noGrp="1"/>
-          </p:cNvSpPr>
-          <p:nvPr>
-            <p:ph type="body" idx="4294967295"/>
-          </p:nvPr>
-        </p:nvSpPr>
-        <p:spPr>
-          <a:xfrm>
-            <a:off x="0" y="742950"/>
-            <a:ext cx="9144000" cy="4400550"/>
-          </a:xfrm>
-          <a:prstGeom prst="rect">
-            <a:avLst/>
-          </a:prstGeom>
-        </p:spPr>
+        <p:spPr/>
         <p:txBody>
           <a:bodyPr/>
           <a:lstStyle/>
           <a:p>
-            <a:pPr marL="0" indent="0" algn="ctr">
-              <a:buSzTx/>
-              <a:buNone/>
-              <a:defRPr sz="1600" b="1">
-                <a:effectLst>
-                  <a:outerShdw blurRad="38100" dist="38100" dir="2700000" rotWithShape="0">
-                    <a:srgbClr val="000000">
-                      <a:alpha val="43137"/>
-                    </a:srgbClr>
-                  </a:outerShdw>
-                </a:effectLst>
-              </a:defRPr>
-            </a:pPr>
-            <a:endParaRPr/>
-          </a:p>
-          <a:p>
-            <a:pPr marL="0" indent="0" algn="ctr">
-              <a:spcBef>
-                <a:spcPts val="900"/>
-              </a:spcBef>
-              <a:buSzTx/>
-              <a:buNone/>
-              <a:defRPr sz="4000" b="1">
-                <a:effectLst>
-                  <a:outerShdw blurRad="38100" dist="38100" dir="2700000" rotWithShape="0">
-                    <a:srgbClr val="000000">
-                      <a:alpha val="43137"/>
-                    </a:srgbClr>
-                  </a:outerShdw>
-                </a:effectLst>
-              </a:defRPr>
-            </a:pPr>
             <a:r>
-              <a:t>全地都要渴望呼喊</a:t>
+              <a:t> 舊的事都已經過去</a:t>
             </a:r>
           </a:p>
           <a:p>
-            <a:pPr marL="0" indent="0" algn="ctr">
-              <a:spcBef>
-                <a:spcPts val="900"/>
-              </a:spcBef>
-              <a:buSzTx/>
-              <a:buNone/>
-              <a:defRPr sz="4000" b="1">
-                <a:effectLst>
-                  <a:outerShdw blurRad="38100" dist="38100" dir="2700000" rotWithShape="0">
-                    <a:srgbClr val="000000">
-                      <a:alpha val="43137"/>
-                    </a:srgbClr>
-                  </a:outerShdw>
-                </a:effectLst>
-              </a:defRPr>
-            </a:pPr>
             <a:r>
-              <a:t>榮耀的主我願祢來</a:t>
+              <a:t>在基督裡一切都要更新</a:t>
             </a:r>
           </a:p>
           <a:p>
-            <a:pPr marL="0" indent="0" algn="ctr">
-              <a:spcBef>
-                <a:spcPts val="900"/>
-              </a:spcBef>
-              <a:buSzTx/>
-              <a:buNone/>
-              <a:defRPr sz="4000" b="1">
-                <a:effectLst>
-                  <a:outerShdw blurRad="38100" dist="38100" dir="2700000" rotWithShape="0">
-                    <a:srgbClr val="000000">
-                      <a:alpha val="43137"/>
-                    </a:srgbClr>
-                  </a:outerShdw>
-                </a:effectLst>
-              </a:defRPr>
-            </a:pPr>
             <a:r>
-              <a:t>聖靈引領看見新的異象</a:t>
+              <a:t>新的眼界 新的異象</a:t>
             </a:r>
           </a:p>
           <a:p>
-            <a:pPr marL="0" indent="0" algn="ctr">
-              <a:spcBef>
-                <a:spcPts val="900"/>
-              </a:spcBef>
-              <a:buSzTx/>
-              <a:buNone/>
-              <a:defRPr sz="4000" b="1">
-                <a:effectLst>
-                  <a:outerShdw blurRad="38100" dist="38100" dir="2700000" rotWithShape="0">
-                    <a:srgbClr val="000000">
-                      <a:alpha val="43137"/>
-                    </a:srgbClr>
-                  </a:outerShdw>
-                </a:effectLst>
-              </a:defRPr>
-            </a:pPr>
             <a:r>
-              <a:t>祢要做新的事在我們中間</a:t>
+              <a:t>新的故事 新的方向</a:t>
             </a:r>
           </a:p>
         </p:txBody>
@@ -4960,12 +4716,11 @@
   <p:clrMapOvr>
     <a:masterClrMapping/>
   </p:clrMapOvr>
-  <p:transition spd="med"/>
 </p:sld>
 </file>
 
-<file path=ppt/slides/slide9.xml><?xml version="1.0" encoding="utf-8"?>
-<p:sld xmlns:a="http://schemas.openxmlformats.org/drawingml/2006/main" xmlns:r="http://schemas.openxmlformats.org/officeDocument/2006/relationships" xmlns:p="http://schemas.openxmlformats.org/presentationml/2006/main">
+<file path=ppt/slides/slide8.xml><?xml version="1.0" encoding="utf-8"?>
+<p:sld xmlns:a="http://schemas.openxmlformats.org/drawingml/2006/main" xmlns:p="http://schemas.openxmlformats.org/presentationml/2006/main" xmlns:r="http://schemas.openxmlformats.org/officeDocument/2006/relationships">
   <p:cSld>
     <p:spTree>
       <p:nvGrpSpPr>
@@ -4973,173 +4728,37 @@
         <p:cNvGrpSpPr/>
         <p:nvPr/>
       </p:nvGrpSpPr>
-      <p:grpSpPr>
-        <a:xfrm>
-          <a:off x="0" y="0"/>
-          <a:ext cx="0" cy="0"/>
-          <a:chOff x="0" y="0"/>
-          <a:chExt cx="0" cy="0"/>
-        </a:xfrm>
-      </p:grpSpPr>
+      <p:grpSpPr/>
       <p:sp>
         <p:nvSpPr>
-          <p:cNvPr id="133" name="Rectangle 4"/>
-          <p:cNvSpPr txBox="1">
+          <p:cNvPr id="2" name="Text Placeholder 1"/>
+          <p:cNvSpPr>
             <a:spLocks noGrp="1"/>
           </p:cNvSpPr>
           <p:nvPr>
-            <p:ph type="title" idx="4294967295"/>
+            <p:ph type="body" idx="21"/>
           </p:nvPr>
         </p:nvSpPr>
-        <p:spPr>
-          <a:xfrm>
-            <a:off x="457200" y="0"/>
-            <a:ext cx="8229600" cy="857250"/>
-          </a:xfrm>
-          <a:prstGeom prst="rect">
-            <a:avLst/>
-          </a:prstGeom>
-        </p:spPr>
-        <p:txBody>
-          <a:bodyPr/>
-          <a:lstStyle>
-            <a:lvl1pPr defTabSz="905255">
-              <a:defRPr sz="4356" b="1">
-                <a:effectLst>
-                  <a:outerShdw blurRad="37719" dist="37719" dir="2700000" rotWithShape="0">
-                    <a:srgbClr val="000000">
-                      <a:alpha val="43137"/>
-                    </a:srgbClr>
-                  </a:outerShdw>
-                </a:effectLst>
-              </a:defRPr>
-            </a:lvl1pPr>
-          </a:lstStyle>
-          <a:p>
-            <a:r>
-              <a:t>新的異象，新的方向</a:t>
-            </a:r>
-          </a:p>
-        </p:txBody>
-      </p:sp>
-      <p:sp>
-        <p:nvSpPr>
-          <p:cNvPr id="134" name="Rectangle 5"/>
-          <p:cNvSpPr txBox="1">
-            <a:spLocks noGrp="1"/>
-          </p:cNvSpPr>
-          <p:nvPr>
-            <p:ph type="body" idx="4294967295"/>
-          </p:nvPr>
-        </p:nvSpPr>
-        <p:spPr>
-          <a:xfrm>
-            <a:off x="0" y="742950"/>
-            <a:ext cx="9144000" cy="4400550"/>
-          </a:xfrm>
-          <a:prstGeom prst="rect">
-            <a:avLst/>
-          </a:prstGeom>
-        </p:spPr>
+        <p:spPr/>
         <p:txBody>
           <a:bodyPr/>
           <a:lstStyle/>
           <a:p>
-            <a:pPr marL="0" indent="0" algn="ctr">
-              <a:buSzTx/>
-              <a:buNone/>
-              <a:defRPr sz="1600" b="1">
-                <a:effectLst>
-                  <a:outerShdw blurRad="38100" dist="38100" dir="2700000" rotWithShape="0">
-                    <a:srgbClr val="000000">
-                      <a:alpha val="43137"/>
-                    </a:srgbClr>
-                  </a:outerShdw>
-                </a:effectLst>
-              </a:defRPr>
-            </a:pPr>
-            <a:endParaRPr/>
-          </a:p>
-          <a:p>
-            <a:pPr marL="0" indent="0" algn="ctr">
-              <a:spcBef>
-                <a:spcPts val="900"/>
-              </a:spcBef>
-              <a:buSzTx/>
-              <a:buNone/>
-              <a:defRPr sz="4000" b="1">
-                <a:effectLst>
-                  <a:outerShdw blurRad="38100" dist="38100" dir="2700000" rotWithShape="0">
-                    <a:srgbClr val="000000">
-                      <a:alpha val="43137"/>
-                    </a:srgbClr>
-                  </a:outerShdw>
-                </a:effectLst>
-              </a:defRPr>
-            </a:pPr>
             <a:r>
-              <a:t>全地都要渴望呼喊</a:t>
+              <a:t> 全地都要渴望呼喊</a:t>
             </a:r>
           </a:p>
           <a:p>
-            <a:pPr marL="0" indent="0" algn="ctr">
-              <a:spcBef>
-                <a:spcPts val="900"/>
-              </a:spcBef>
-              <a:buSzTx/>
-              <a:buNone/>
-              <a:defRPr sz="4000" b="1">
-                <a:effectLst>
-                  <a:outerShdw blurRad="38100" dist="38100" dir="2700000" rotWithShape="0">
-                    <a:srgbClr val="000000">
-                      <a:alpha val="43137"/>
-                    </a:srgbClr>
-                  </a:outerShdw>
-                </a:effectLst>
-              </a:defRPr>
-            </a:pPr>
             <a:r>
               <a:t>榮耀的主我願祢來</a:t>
             </a:r>
           </a:p>
           <a:p>
-            <a:pPr marL="0" indent="0" algn="ctr">
-              <a:spcBef>
-                <a:spcPts val="900"/>
-              </a:spcBef>
-              <a:buSzTx/>
-              <a:buNone/>
-              <a:defRPr sz="4000" b="1">
-                <a:effectLst>
-                  <a:outerShdw blurRad="38100" dist="38100" dir="2700000" rotWithShape="0">
-                    <a:srgbClr val="000000">
-                      <a:alpha val="43137"/>
-                    </a:srgbClr>
-                  </a:outerShdw>
-                </a:effectLst>
-              </a:defRPr>
-            </a:pPr>
             <a:r>
               <a:t>天要敞開恩膏傾倒下來</a:t>
             </a:r>
           </a:p>
           <a:p>
-            <a:pPr marL="0" indent="0" algn="ctr">
-              <a:spcBef>
-                <a:spcPts val="900"/>
-              </a:spcBef>
-              <a:buSzTx/>
-              <a:buNone/>
-              <a:defRPr sz="4000" b="1">
-                <a:effectLst>
-                  <a:outerShdw blurRad="38100" dist="38100" dir="2700000" rotWithShape="0">
-                    <a:srgbClr val="000000">
-                      <a:alpha val="43137"/>
-                    </a:srgbClr>
-                  </a:outerShdw>
-                </a:effectLst>
-              </a:defRPr>
-            </a:pPr>
             <a:r>
               <a:t>神國度的榮耀彰顯</a:t>
             </a:r>
@@ -5151,19 +4770,72 @@
   <p:clrMapOvr>
     <a:masterClrMapping/>
   </p:clrMapOvr>
-  <p:transition spd="med"/>
+</p:sld>
+</file>
+
+<file path=ppt/slides/slide9.xml><?xml version="1.0" encoding="utf-8"?>
+<p:sld xmlns:a="http://schemas.openxmlformats.org/drawingml/2006/main" xmlns:p="http://schemas.openxmlformats.org/presentationml/2006/main" xmlns:r="http://schemas.openxmlformats.org/officeDocument/2006/relationships">
+  <p:cSld>
+    <p:spTree>
+      <p:nvGrpSpPr>
+        <p:cNvPr id="1" name=""/>
+        <p:cNvGrpSpPr/>
+        <p:nvPr/>
+      </p:nvGrpSpPr>
+      <p:grpSpPr/>
+      <p:sp>
+        <p:nvSpPr>
+          <p:cNvPr id="2" name="Text Placeholder 1"/>
+          <p:cNvSpPr>
+            <a:spLocks noGrp="1"/>
+          </p:cNvSpPr>
+          <p:nvPr>
+            <p:ph type="body" idx="21"/>
+          </p:nvPr>
+        </p:nvSpPr>
+        <p:spPr/>
+        <p:txBody>
+          <a:bodyPr/>
+          <a:lstStyle/>
+          <a:p>
+            <a:r>
+              <a:t> 全地都要渴望呼喊</a:t>
+            </a:r>
+          </a:p>
+          <a:p>
+            <a:r>
+              <a:t>榮耀的主我願祢來</a:t>
+            </a:r>
+          </a:p>
+          <a:p>
+            <a:r>
+              <a:t>聖靈引領看見新的異象</a:t>
+            </a:r>
+          </a:p>
+          <a:p>
+            <a:r>
+              <a:t>祢要做新的事在我們中間</a:t>
+            </a:r>
+          </a:p>
+        </p:txBody>
+      </p:sp>
+    </p:spTree>
+  </p:cSld>
+  <p:clrMapOvr>
+    <a:masterClrMapping/>
+  </p:clrMapOvr>
 </p:sld>
 </file>
 
 <file path=ppt/theme/theme1.xml><?xml version="1.0" encoding="utf-8"?>
-<a:theme xmlns:a="http://schemas.openxmlformats.org/drawingml/2006/main" name="Office Theme">
+<a:theme xmlns:a="http://schemas.openxmlformats.org/drawingml/2006/main" xmlns:r="http://schemas.openxmlformats.org/officeDocument/2006/relationships" name="Stream_blue">
   <a:themeElements>
-    <a:clrScheme name="Office Theme">
+    <a:clrScheme name="Stream_blue">
       <a:dk1>
-        <a:srgbClr val="000000"/>
+        <a:srgbClr val="0B0F14"/>
       </a:dk1>
       <a:lt1>
-        <a:srgbClr val="FFFFFF"/>
+        <a:srgbClr val="0B0F14"/>
       </a:lt1>
       <a:dk2>
         <a:srgbClr val="A7A7A7"/>
@@ -5172,22 +4844,22 @@
         <a:srgbClr val="535353"/>
       </a:lt2>
       <a:accent1>
-        <a:srgbClr val="4F81BD"/>
+        <a:srgbClr val="7DD3FC"/>
       </a:accent1>
       <a:accent2>
-        <a:srgbClr val="C0504D"/>
+        <a:srgbClr val="A5B4FC"/>
       </a:accent2>
       <a:accent3>
-        <a:srgbClr val="9BBB59"/>
+        <a:srgbClr val="94A3B8"/>
       </a:accent3>
       <a:accent4>
-        <a:srgbClr val="8064A2"/>
+        <a:srgbClr val="E2E8F0"/>
       </a:accent4>
       <a:accent5>
-        <a:srgbClr val="4BACC6"/>
+        <a:srgbClr val="38BDF8"/>
       </a:accent5>
       <a:accent6>
-        <a:srgbClr val="F79646"/>
+        <a:srgbClr val="F6C453"/>
       </a:accent6>
       <a:hlink>
         <a:srgbClr val="0000FF"/>
@@ -5196,19 +4868,19 @@
         <a:srgbClr val="FF00FF"/>
       </a:folHlink>
     </a:clrScheme>
-    <a:fontScheme name="Office Theme">
+    <a:fontScheme name="Stream_blue">
       <a:majorFont>
+        <a:latin typeface="Arial"/>
+        <a:ea typeface="Arial"/>
+        <a:cs typeface="Arial"/>
+      </a:majorFont>
+      <a:minorFont>
         <a:latin typeface="Helvetica"/>
         <a:ea typeface="Helvetica"/>
         <a:cs typeface="Helvetica"/>
-      </a:majorFont>
-      <a:minorFont>
-        <a:latin typeface="Calibri"/>
-        <a:ea typeface="Calibri"/>
-        <a:cs typeface="Calibri"/>
       </a:minorFont>
     </a:fontScheme>
-    <a:fmtScheme name="Office Theme">
+    <a:fmtScheme name="Stream_blue">
       <a:fillStyleLst>
         <a:solidFill>
           <a:schemeClr val="phClr"/>
@@ -5281,31 +4953,13 @@
       </a:lnStyleLst>
       <a:effectStyleLst>
         <a:effectStyle>
-          <a:effectLst>
-            <a:outerShdw blurRad="38100" dist="23000" dir="5400000" rotWithShape="0">
-              <a:srgbClr val="000000">
-                <a:alpha val="35000"/>
-              </a:srgbClr>
-            </a:outerShdw>
-          </a:effectLst>
+          <a:effectLst/>
         </a:effectStyle>
         <a:effectStyle>
-          <a:effectLst>
-            <a:outerShdw blurRad="38100" dist="23000" dir="5400000" rotWithShape="0">
-              <a:srgbClr val="000000">
-                <a:alpha val="35000"/>
-              </a:srgbClr>
-            </a:outerShdw>
-          </a:effectLst>
+          <a:effectLst/>
         </a:effectStyle>
         <a:effectStyle>
-          <a:effectLst>
-            <a:outerShdw blurRad="38100" dist="20000" dir="5400000" rotWithShape="0">
-              <a:srgbClr val="000000">
-                <a:alpha val="38000"/>
-              </a:srgbClr>
-            </a:outerShdw>
-          </a:effectLst>
+          <a:effectLst/>
         </a:effectStyle>
       </a:effectStyleLst>
       <a:bgFillStyleLst>
@@ -5364,7 +5018,7 @@
     <a:spDef>
       <a:spPr>
         <a:solidFill>
-          <a:srgbClr val="FFFFFF"/>
+          <a:srgbClr val="0B0F14"/>
         </a:solidFill>
         <a:ln w="25400" cap="flat">
           <a:solidFill>
@@ -5373,16 +5027,10 @@
           <a:prstDash val="solid"/>
           <a:round/>
         </a:ln>
-        <a:effectLst>
-          <a:outerShdw blurRad="38100" dist="23000" dir="5400000" rotWithShape="0">
-            <a:srgbClr val="000000">
-              <a:alpha val="35000"/>
-            </a:srgbClr>
-          </a:outerShdw>
-        </a:effectLst>
+        <a:effectLst/>
         <a:sp3d/>
       </a:spPr>
-      <a:bodyPr rot="0" spcFirstLastPara="1" vertOverflow="overflow" horzOverflow="overflow" vert="horz" wrap="square" lIns="45719" tIns="45719" rIns="45719" bIns="45719" numCol="1" spcCol="38100" rtlCol="0" anchor="ctr">
+      <a:bodyPr rot="0" spcFirstLastPara="1" vertOverflow="overflow" horzOverflow="overflow" vert="horz" wrap="square" lIns="45718" tIns="45718" rIns="45718" bIns="45718" numCol="1" spcCol="38100" rtlCol="0" anchor="t" upright="0">
         <a:spAutoFit/>
       </a:bodyPr>
       <a:lstStyle>
@@ -5401,19 +5049,19 @@
           <a:buFontTx/>
           <a:buNone/>
           <a:tabLst/>
-          <a:defRPr kumimoji="0" sz="1800" b="0" i="0" u="none" strike="noStrike" cap="none" spc="0" normalizeH="0" baseline="0">
+          <a:defRPr b="0" baseline="0" cap="none" i="0" spc="0" strike="noStrike" sz="1800" u="none" kumimoji="0" normalizeH="0">
             <a:ln>
               <a:noFill/>
             </a:ln>
             <a:solidFill>
-              <a:srgbClr val="000000"/>
+              <a:srgbClr val="0B0F14"/>
             </a:solidFill>
             <a:effectLst/>
             <a:uFillTx/>
-            <a:latin typeface="+mn-lt"/>
-            <a:ea typeface="+mn-ea"/>
-            <a:cs typeface="+mn-cs"/>
-            <a:sym typeface="Calibri"/>
+            <a:latin typeface="+mj-lt"/>
+            <a:ea typeface="+mj-ea"/>
+            <a:cs typeface="+mj-cs"/>
+            <a:sym typeface="Arial"/>
           </a:defRPr>
         </a:defPPr>
         <a:lvl1pPr marL="0" marR="0" indent="0" algn="l" defTabSz="914400" rtl="0" fontAlgn="auto" latinLnBrk="1" hangingPunct="0">
@@ -5431,7 +5079,7 @@
           <a:buFontTx/>
           <a:buNone/>
           <a:tabLst/>
-          <a:defRPr kumimoji="0" sz="1800" b="0" i="0" u="none" strike="noStrike" cap="none" spc="0" normalizeH="0" baseline="0">
+          <a:defRPr b="0" baseline="0" cap="none" i="0" spc="0" strike="noStrike" sz="1800" u="none" kumimoji="0" normalizeH="0">
             <a:ln>
               <a:noFill/>
             </a:ln>
@@ -5457,7 +5105,7 @@
           <a:buFontTx/>
           <a:buNone/>
           <a:tabLst/>
-          <a:defRPr kumimoji="0" sz="1800" b="0" i="0" u="none" strike="noStrike" cap="none" spc="0" normalizeH="0" baseline="0">
+          <a:defRPr b="0" baseline="0" cap="none" i="0" spc="0" strike="noStrike" sz="1800" u="none" kumimoji="0" normalizeH="0">
             <a:ln>
               <a:noFill/>
             </a:ln>
@@ -5483,7 +5131,7 @@
           <a:buFontTx/>
           <a:buNone/>
           <a:tabLst/>
-          <a:defRPr kumimoji="0" sz="1800" b="0" i="0" u="none" strike="noStrike" cap="none" spc="0" normalizeH="0" baseline="0">
+          <a:defRPr b="0" baseline="0" cap="none" i="0" spc="0" strike="noStrike" sz="1800" u="none" kumimoji="0" normalizeH="0">
             <a:ln>
               <a:noFill/>
             </a:ln>
@@ -5509,7 +5157,7 @@
           <a:buFontTx/>
           <a:buNone/>
           <a:tabLst/>
-          <a:defRPr kumimoji="0" sz="1800" b="0" i="0" u="none" strike="noStrike" cap="none" spc="0" normalizeH="0" baseline="0">
+          <a:defRPr b="0" baseline="0" cap="none" i="0" spc="0" strike="noStrike" sz="1800" u="none" kumimoji="0" normalizeH="0">
             <a:ln>
               <a:noFill/>
             </a:ln>
@@ -5535,7 +5183,7 @@
           <a:buFontTx/>
           <a:buNone/>
           <a:tabLst/>
-          <a:defRPr kumimoji="0" sz="1800" b="0" i="0" u="none" strike="noStrike" cap="none" spc="0" normalizeH="0" baseline="0">
+          <a:defRPr b="0" baseline="0" cap="none" i="0" spc="0" strike="noStrike" sz="1800" u="none" kumimoji="0" normalizeH="0">
             <a:ln>
               <a:noFill/>
             </a:ln>
@@ -5561,7 +5209,7 @@
           <a:buFontTx/>
           <a:buNone/>
           <a:tabLst/>
-          <a:defRPr kumimoji="0" sz="1800" b="0" i="0" u="none" strike="noStrike" cap="none" spc="0" normalizeH="0" baseline="0">
+          <a:defRPr b="0" baseline="0" cap="none" i="0" spc="0" strike="noStrike" sz="1800" u="none" kumimoji="0" normalizeH="0">
             <a:ln>
               <a:noFill/>
             </a:ln>
@@ -5587,7 +5235,7 @@
           <a:buFontTx/>
           <a:buNone/>
           <a:tabLst/>
-          <a:defRPr kumimoji="0" sz="1800" b="0" i="0" u="none" strike="noStrike" cap="none" spc="0" normalizeH="0" baseline="0">
+          <a:defRPr b="0" baseline="0" cap="none" i="0" spc="0" strike="noStrike" sz="1800" u="none" kumimoji="0" normalizeH="0">
             <a:ln>
               <a:noFill/>
             </a:ln>
@@ -5613,7 +5261,7 @@
           <a:buFontTx/>
           <a:buNone/>
           <a:tabLst/>
-          <a:defRPr kumimoji="0" sz="1800" b="0" i="0" u="none" strike="noStrike" cap="none" spc="0" normalizeH="0" baseline="0">
+          <a:defRPr b="0" baseline="0" cap="none" i="0" spc="0" strike="noStrike" sz="1800" u="none" kumimoji="0" normalizeH="0">
             <a:ln>
               <a:noFill/>
             </a:ln>
@@ -5639,7 +5287,7 @@
           <a:buFontTx/>
           <a:buNone/>
           <a:tabLst/>
-          <a:defRPr kumimoji="0" sz="1800" b="0" i="0" u="none" strike="noStrike" cap="none" spc="0" normalizeH="0" baseline="0">
+          <a:defRPr b="0" baseline="0" cap="none" i="0" spc="0" strike="noStrike" sz="1800" u="none" kumimoji="0" normalizeH="0">
             <a:ln>
               <a:noFill/>
             </a:ln>
@@ -5652,15 +5300,9 @@
         </a:lvl9pPr>
       </a:lstStyle>
       <a:style>
-        <a:lnRef idx="0">
-          <a:scrgbClr r="0" g="0" b="0"/>
-        </a:lnRef>
-        <a:fillRef idx="0">
-          <a:scrgbClr r="0" g="0" b="0"/>
-        </a:fillRef>
-        <a:effectRef idx="0">
-          <a:scrgbClr r="0" g="0" b="0"/>
-        </a:effectRef>
+        <a:lnRef idx="0"/>
+        <a:fillRef idx="0"/>
+        <a:effectRef idx="0"/>
         <a:fontRef idx="none"/>
       </a:style>
     </a:spDef>
@@ -5674,16 +5316,10 @@
           <a:prstDash val="solid"/>
           <a:round/>
         </a:ln>
-        <a:effectLst>
-          <a:outerShdw blurRad="38100" dist="20000" dir="5400000" rotWithShape="0">
-            <a:srgbClr val="000000">
-              <a:alpha val="38000"/>
-            </a:srgbClr>
-          </a:outerShdw>
-        </a:effectLst>
+        <a:effectLst/>
         <a:sp3d/>
       </a:spPr>
-      <a:bodyPr rot="0" spcFirstLastPara="1" vertOverflow="overflow" horzOverflow="overflow" vert="horz" wrap="square" lIns="91439" tIns="45719" rIns="91439" bIns="45719" numCol="1" spcCol="38100" rtlCol="0" anchor="t">
+      <a:bodyPr rot="0" spcFirstLastPara="1" vertOverflow="overflow" horzOverflow="overflow" vert="horz" wrap="square" lIns="91439" tIns="45719" rIns="91439" bIns="45719" numCol="1" spcCol="38100" rtlCol="0" anchor="t" upright="0">
         <a:noAutofit/>
       </a:bodyPr>
       <a:lstStyle>
@@ -5702,7 +5338,7 @@
           <a:buFontTx/>
           <a:buNone/>
           <a:tabLst/>
-          <a:defRPr kumimoji="0" sz="1800" b="0" i="0" u="none" strike="noStrike" cap="none" spc="0" normalizeH="0" baseline="0">
+          <a:defRPr b="0" baseline="0" cap="none" i="0" spc="0" strike="noStrike" sz="1800" u="none" kumimoji="0" normalizeH="0">
             <a:ln>
               <a:noFill/>
             </a:ln>
@@ -5728,7 +5364,7 @@
           <a:buFontTx/>
           <a:buNone/>
           <a:tabLst/>
-          <a:defRPr kumimoji="0" sz="1800" b="0" i="0" u="none" strike="noStrike" cap="none" spc="0" normalizeH="0" baseline="0">
+          <a:defRPr b="0" baseline="0" cap="none" i="0" spc="0" strike="noStrike" sz="1800" u="none" kumimoji="0" normalizeH="0">
             <a:ln>
               <a:noFill/>
             </a:ln>
@@ -5754,7 +5390,7 @@
           <a:buFontTx/>
           <a:buNone/>
           <a:tabLst/>
-          <a:defRPr kumimoji="0" sz="1800" b="0" i="0" u="none" strike="noStrike" cap="none" spc="0" normalizeH="0" baseline="0">
+          <a:defRPr b="0" baseline="0" cap="none" i="0" spc="0" strike="noStrike" sz="1800" u="none" kumimoji="0" normalizeH="0">
             <a:ln>
               <a:noFill/>
             </a:ln>
@@ -5780,7 +5416,7 @@
           <a:buFontTx/>
           <a:buNone/>
           <a:tabLst/>
-          <a:defRPr kumimoji="0" sz="1800" b="0" i="0" u="none" strike="noStrike" cap="none" spc="0" normalizeH="0" baseline="0">
+          <a:defRPr b="0" baseline="0" cap="none" i="0" spc="0" strike="noStrike" sz="1800" u="none" kumimoji="0" normalizeH="0">
             <a:ln>
               <a:noFill/>
             </a:ln>
@@ -5806,7 +5442,7 @@
           <a:buFontTx/>
           <a:buNone/>
           <a:tabLst/>
-          <a:defRPr kumimoji="0" sz="1800" b="0" i="0" u="none" strike="noStrike" cap="none" spc="0" normalizeH="0" baseline="0">
+          <a:defRPr b="0" baseline="0" cap="none" i="0" spc="0" strike="noStrike" sz="1800" u="none" kumimoji="0" normalizeH="0">
             <a:ln>
               <a:noFill/>
             </a:ln>
@@ -5832,7 +5468,7 @@
           <a:buFontTx/>
           <a:buNone/>
           <a:tabLst/>
-          <a:defRPr kumimoji="0" sz="1800" b="0" i="0" u="none" strike="noStrike" cap="none" spc="0" normalizeH="0" baseline="0">
+          <a:defRPr b="0" baseline="0" cap="none" i="0" spc="0" strike="noStrike" sz="1800" u="none" kumimoji="0" normalizeH="0">
             <a:ln>
               <a:noFill/>
             </a:ln>
@@ -5858,7 +5494,7 @@
           <a:buFontTx/>
           <a:buNone/>
           <a:tabLst/>
-          <a:defRPr kumimoji="0" sz="1800" b="0" i="0" u="none" strike="noStrike" cap="none" spc="0" normalizeH="0" baseline="0">
+          <a:defRPr b="0" baseline="0" cap="none" i="0" spc="0" strike="noStrike" sz="1800" u="none" kumimoji="0" normalizeH="0">
             <a:ln>
               <a:noFill/>
             </a:ln>
@@ -5884,7 +5520,7 @@
           <a:buFontTx/>
           <a:buNone/>
           <a:tabLst/>
-          <a:defRPr kumimoji="0" sz="1800" b="0" i="0" u="none" strike="noStrike" cap="none" spc="0" normalizeH="0" baseline="0">
+          <a:defRPr b="0" baseline="0" cap="none" i="0" spc="0" strike="noStrike" sz="1800" u="none" kumimoji="0" normalizeH="0">
             <a:ln>
               <a:noFill/>
             </a:ln>
@@ -5910,7 +5546,7 @@
           <a:buFontTx/>
           <a:buNone/>
           <a:tabLst/>
-          <a:defRPr kumimoji="0" sz="1800" b="0" i="0" u="none" strike="noStrike" cap="none" spc="0" normalizeH="0" baseline="0">
+          <a:defRPr b="0" baseline="0" cap="none" i="0" spc="0" strike="noStrike" sz="1800" u="none" kumimoji="0" normalizeH="0">
             <a:ln>
               <a:noFill/>
             </a:ln>
@@ -5936,7 +5572,7 @@
           <a:buFontTx/>
           <a:buNone/>
           <a:tabLst/>
-          <a:defRPr kumimoji="0" sz="1800" b="0" i="0" u="none" strike="noStrike" cap="none" spc="0" normalizeH="0" baseline="0">
+          <a:defRPr b="0" baseline="0" cap="none" i="0" spc="0" strike="noStrike" sz="1800" u="none" kumimoji="0" normalizeH="0">
             <a:ln>
               <a:noFill/>
             </a:ln>
@@ -5949,15 +5585,9 @@
         </a:lvl9pPr>
       </a:lstStyle>
       <a:style>
-        <a:lnRef idx="0">
-          <a:scrgbClr r="0" g="0" b="0"/>
-        </a:lnRef>
-        <a:fillRef idx="0">
-          <a:scrgbClr r="0" g="0" b="0"/>
-        </a:fillRef>
-        <a:effectRef idx="0">
-          <a:scrgbClr r="0" g="0" b="0"/>
-        </a:effectRef>
+        <a:lnRef idx="0"/>
+        <a:fillRef idx="0"/>
+        <a:effectRef idx="0"/>
         <a:fontRef idx="none"/>
       </a:style>
     </a:lnDef>
@@ -5971,7 +5601,7 @@
         <a:effectLst/>
         <a:sp3d/>
       </a:spPr>
-      <a:bodyPr rot="0" spcFirstLastPara="1" vertOverflow="overflow" horzOverflow="overflow" vert="horz" wrap="square" lIns="45719" tIns="45719" rIns="45719" bIns="45719" numCol="1" spcCol="38100" rtlCol="0" anchor="t">
+      <a:bodyPr rot="0" spcFirstLastPara="1" vertOverflow="overflow" horzOverflow="overflow" vert="horz" wrap="square" lIns="45718" tIns="45718" rIns="45718" bIns="45718" numCol="1" spcCol="38100" rtlCol="0" anchor="t" upright="0">
         <a:spAutoFit/>
       </a:bodyPr>
       <a:lstStyle>
@@ -5990,19 +5620,19 @@
           <a:buFontTx/>
           <a:buNone/>
           <a:tabLst/>
-          <a:defRPr kumimoji="0" sz="1800" b="0" i="0" u="none" strike="noStrike" cap="none" spc="0" normalizeH="0" baseline="0">
+          <a:defRPr b="0" baseline="0" cap="none" i="0" spc="0" strike="noStrike" sz="1800" u="none" kumimoji="0" normalizeH="0">
             <a:ln>
               <a:noFill/>
             </a:ln>
             <a:solidFill>
-              <a:srgbClr val="000000"/>
+              <a:srgbClr val="0B0F14"/>
             </a:solidFill>
             <a:effectLst/>
             <a:uFillTx/>
-            <a:latin typeface="+mn-lt"/>
-            <a:ea typeface="+mn-ea"/>
-            <a:cs typeface="+mn-cs"/>
-            <a:sym typeface="Calibri"/>
+            <a:latin typeface="+mj-lt"/>
+            <a:ea typeface="+mj-ea"/>
+            <a:cs typeface="+mj-cs"/>
+            <a:sym typeface="Arial"/>
           </a:defRPr>
         </a:defPPr>
         <a:lvl1pPr marL="0" marR="0" indent="0" algn="l" defTabSz="914400" rtl="0" fontAlgn="auto" latinLnBrk="1" hangingPunct="0">
@@ -6020,7 +5650,7 @@
           <a:buFontTx/>
           <a:buNone/>
           <a:tabLst/>
-          <a:defRPr kumimoji="0" sz="1800" b="0" i="0" u="none" strike="noStrike" cap="none" spc="0" normalizeH="0" baseline="0">
+          <a:defRPr b="0" baseline="0" cap="none" i="0" spc="0" strike="noStrike" sz="1800" u="none" kumimoji="0" normalizeH="0">
             <a:ln>
               <a:noFill/>
             </a:ln>
@@ -6046,7 +5676,7 @@
           <a:buFontTx/>
           <a:buNone/>
           <a:tabLst/>
-          <a:defRPr kumimoji="0" sz="1800" b="0" i="0" u="none" strike="noStrike" cap="none" spc="0" normalizeH="0" baseline="0">
+          <a:defRPr b="0" baseline="0" cap="none" i="0" spc="0" strike="noStrike" sz="1800" u="none" kumimoji="0" normalizeH="0">
             <a:ln>
               <a:noFill/>
             </a:ln>
@@ -6072,7 +5702,7 @@
           <a:buFontTx/>
           <a:buNone/>
           <a:tabLst/>
-          <a:defRPr kumimoji="0" sz="1800" b="0" i="0" u="none" strike="noStrike" cap="none" spc="0" normalizeH="0" baseline="0">
+          <a:defRPr b="0" baseline="0" cap="none" i="0" spc="0" strike="noStrike" sz="1800" u="none" kumimoji="0" normalizeH="0">
             <a:ln>
               <a:noFill/>
             </a:ln>
@@ -6098,7 +5728,7 @@
           <a:buFontTx/>
           <a:buNone/>
           <a:tabLst/>
-          <a:defRPr kumimoji="0" sz="1800" b="0" i="0" u="none" strike="noStrike" cap="none" spc="0" normalizeH="0" baseline="0">
+          <a:defRPr b="0" baseline="0" cap="none" i="0" spc="0" strike="noStrike" sz="1800" u="none" kumimoji="0" normalizeH="0">
             <a:ln>
               <a:noFill/>
             </a:ln>
@@ -6124,7 +5754,7 @@
           <a:buFontTx/>
           <a:buNone/>
           <a:tabLst/>
-          <a:defRPr kumimoji="0" sz="1800" b="0" i="0" u="none" strike="noStrike" cap="none" spc="0" normalizeH="0" baseline="0">
+          <a:defRPr b="0" baseline="0" cap="none" i="0" spc="0" strike="noStrike" sz="1800" u="none" kumimoji="0" normalizeH="0">
             <a:ln>
               <a:noFill/>
             </a:ln>
@@ -6150,7 +5780,7 @@
           <a:buFontTx/>
           <a:buNone/>
           <a:tabLst/>
-          <a:defRPr kumimoji="0" sz="1800" b="0" i="0" u="none" strike="noStrike" cap="none" spc="0" normalizeH="0" baseline="0">
+          <a:defRPr b="0" baseline="0" cap="none" i="0" spc="0" strike="noStrike" sz="1800" u="none" kumimoji="0" normalizeH="0">
             <a:ln>
               <a:noFill/>
             </a:ln>
@@ -6176,7 +5806,7 @@
           <a:buFontTx/>
           <a:buNone/>
           <a:tabLst/>
-          <a:defRPr kumimoji="0" sz="1800" b="0" i="0" u="none" strike="noStrike" cap="none" spc="0" normalizeH="0" baseline="0">
+          <a:defRPr b="0" baseline="0" cap="none" i="0" spc="0" strike="noStrike" sz="1800" u="none" kumimoji="0" normalizeH="0">
             <a:ln>
               <a:noFill/>
             </a:ln>
@@ -6202,7 +5832,7 @@
           <a:buFontTx/>
           <a:buNone/>
           <a:tabLst/>
-          <a:defRPr kumimoji="0" sz="1800" b="0" i="0" u="none" strike="noStrike" cap="none" spc="0" normalizeH="0" baseline="0">
+          <a:defRPr b="0" baseline="0" cap="none" i="0" spc="0" strike="noStrike" sz="1800" u="none" kumimoji="0" normalizeH="0">
             <a:ln>
               <a:noFill/>
             </a:ln>
@@ -6228,7 +5858,7 @@
           <a:buFontTx/>
           <a:buNone/>
           <a:tabLst/>
-          <a:defRPr kumimoji="0" sz="1800" b="0" i="0" u="none" strike="noStrike" cap="none" spc="0" normalizeH="0" baseline="0">
+          <a:defRPr b="0" baseline="0" cap="none" i="0" spc="0" strike="noStrike" sz="1800" u="none" kumimoji="0" normalizeH="0">
             <a:ln>
               <a:noFill/>
             </a:ln>
@@ -6241,27 +5871,20 @@
         </a:lvl9pPr>
       </a:lstStyle>
       <a:style>
-        <a:lnRef idx="0">
-          <a:scrgbClr r="0" g="0" b="0"/>
-        </a:lnRef>
-        <a:fillRef idx="0">
-          <a:scrgbClr r="0" g="0" b="0"/>
-        </a:fillRef>
-        <a:effectRef idx="0">
-          <a:scrgbClr r="0" g="0" b="0"/>
-        </a:effectRef>
+        <a:lnRef idx="0"/>
+        <a:fillRef idx="0"/>
+        <a:effectRef idx="0"/>
         <a:fontRef idx="none"/>
       </a:style>
     </a:txDef>
   </a:objectDefaults>
-  <a:extraClrSchemeLst/>
 </a:theme>
 </file>
 
 <file path=ppt/theme/theme2.xml><?xml version="1.0" encoding="utf-8"?>
-<a:theme xmlns:a="http://schemas.openxmlformats.org/drawingml/2006/main" name="Office Theme">
+<a:theme xmlns:a="http://schemas.openxmlformats.org/drawingml/2006/main" xmlns:r="http://schemas.openxmlformats.org/officeDocument/2006/relationships" name="Stream_blue">
   <a:themeElements>
-    <a:clrScheme name="Office Theme">
+    <a:clrScheme name="Stream_blue">
       <a:dk1>
         <a:srgbClr val="000000"/>
       </a:dk1>
@@ -6275,22 +5898,22 @@
         <a:srgbClr val="535353"/>
       </a:lt2>
       <a:accent1>
-        <a:srgbClr val="4F81BD"/>
+        <a:srgbClr val="7DD3FC"/>
       </a:accent1>
       <a:accent2>
-        <a:srgbClr val="C0504D"/>
+        <a:srgbClr val="A5B4FC"/>
       </a:accent2>
       <a:accent3>
-        <a:srgbClr val="9BBB59"/>
+        <a:srgbClr val="94A3B8"/>
       </a:accent3>
       <a:accent4>
-        <a:srgbClr val="8064A2"/>
+        <a:srgbClr val="E2E8F0"/>
       </a:accent4>
       <a:accent5>
-        <a:srgbClr val="4BACC6"/>
+        <a:srgbClr val="38BDF8"/>
       </a:accent5>
       <a:accent6>
-        <a:srgbClr val="F79646"/>
+        <a:srgbClr val="F6C453"/>
       </a:accent6>
       <a:hlink>
         <a:srgbClr val="0000FF"/>
@@ -6299,19 +5922,19 @@
         <a:srgbClr val="FF00FF"/>
       </a:folHlink>
     </a:clrScheme>
-    <a:fontScheme name="Office Theme">
+    <a:fontScheme name="Stream_blue">
       <a:majorFont>
+        <a:latin typeface="Arial"/>
+        <a:ea typeface="Arial"/>
+        <a:cs typeface="Arial"/>
+      </a:majorFont>
+      <a:minorFont>
         <a:latin typeface="Helvetica"/>
         <a:ea typeface="Helvetica"/>
         <a:cs typeface="Helvetica"/>
-      </a:majorFont>
-      <a:minorFont>
-        <a:latin typeface="Calibri"/>
-        <a:ea typeface="Calibri"/>
-        <a:cs typeface="Calibri"/>
       </a:minorFont>
     </a:fontScheme>
-    <a:fmtScheme name="Office Theme">
+    <a:fmtScheme name="Stream_blue">
       <a:fillStyleLst>
         <a:solidFill>
           <a:schemeClr val="phClr"/>
@@ -6384,31 +6007,13 @@
       </a:lnStyleLst>
       <a:effectStyleLst>
         <a:effectStyle>
-          <a:effectLst>
-            <a:outerShdw blurRad="38100" dist="23000" dir="5400000" rotWithShape="0">
-              <a:srgbClr val="000000">
-                <a:alpha val="35000"/>
-              </a:srgbClr>
-            </a:outerShdw>
-          </a:effectLst>
+          <a:effectLst/>
         </a:effectStyle>
         <a:effectStyle>
-          <a:effectLst>
-            <a:outerShdw blurRad="38100" dist="23000" dir="5400000" rotWithShape="0">
-              <a:srgbClr val="000000">
-                <a:alpha val="35000"/>
-              </a:srgbClr>
-            </a:outerShdw>
-          </a:effectLst>
+          <a:effectLst/>
         </a:effectStyle>
         <a:effectStyle>
-          <a:effectLst>
-            <a:outerShdw blurRad="38100" dist="20000" dir="5400000" rotWithShape="0">
-              <a:srgbClr val="000000">
-                <a:alpha val="38000"/>
-              </a:srgbClr>
-            </a:outerShdw>
-          </a:effectLst>
+          <a:effectLst/>
         </a:effectStyle>
       </a:effectStyleLst>
       <a:bgFillStyleLst>
@@ -6467,7 +6072,7 @@
     <a:spDef>
       <a:spPr>
         <a:solidFill>
-          <a:srgbClr val="FFFFFF"/>
+          <a:srgbClr val="0B0F14"/>
         </a:solidFill>
         <a:ln w="25400" cap="flat">
           <a:solidFill>
@@ -6476,16 +6081,10 @@
           <a:prstDash val="solid"/>
           <a:round/>
         </a:ln>
-        <a:effectLst>
-          <a:outerShdw blurRad="38100" dist="23000" dir="5400000" rotWithShape="0">
-            <a:srgbClr val="000000">
-              <a:alpha val="35000"/>
-            </a:srgbClr>
-          </a:outerShdw>
-        </a:effectLst>
+        <a:effectLst/>
         <a:sp3d/>
       </a:spPr>
-      <a:bodyPr rot="0" spcFirstLastPara="1" vertOverflow="overflow" horzOverflow="overflow" vert="horz" wrap="square" lIns="45719" tIns="45719" rIns="45719" bIns="45719" numCol="1" spcCol="38100" rtlCol="0" anchor="ctr">
+      <a:bodyPr rot="0" spcFirstLastPara="1" vertOverflow="overflow" horzOverflow="overflow" vert="horz" wrap="square" lIns="45718" tIns="45718" rIns="45718" bIns="45718" numCol="1" spcCol="38100" rtlCol="0" anchor="t" upright="0">
         <a:spAutoFit/>
       </a:bodyPr>
       <a:lstStyle>
@@ -6504,19 +6103,19 @@
           <a:buFontTx/>
           <a:buNone/>
           <a:tabLst/>
-          <a:defRPr kumimoji="0" sz="1800" b="0" i="0" u="none" strike="noStrike" cap="none" spc="0" normalizeH="0" baseline="0">
+          <a:defRPr b="0" baseline="0" cap="none" i="0" spc="0" strike="noStrike" sz="1800" u="none" kumimoji="0" normalizeH="0">
             <a:ln>
               <a:noFill/>
             </a:ln>
             <a:solidFill>
-              <a:srgbClr val="000000"/>
+              <a:srgbClr val="0B0F14"/>
             </a:solidFill>
             <a:effectLst/>
             <a:uFillTx/>
-            <a:latin typeface="+mn-lt"/>
-            <a:ea typeface="+mn-ea"/>
-            <a:cs typeface="+mn-cs"/>
-            <a:sym typeface="Calibri"/>
+            <a:latin typeface="+mj-lt"/>
+            <a:ea typeface="+mj-ea"/>
+            <a:cs typeface="+mj-cs"/>
+            <a:sym typeface="Arial"/>
           </a:defRPr>
         </a:defPPr>
         <a:lvl1pPr marL="0" marR="0" indent="0" algn="l" defTabSz="914400" rtl="0" fontAlgn="auto" latinLnBrk="1" hangingPunct="0">
@@ -6534,7 +6133,7 @@
           <a:buFontTx/>
           <a:buNone/>
           <a:tabLst/>
-          <a:defRPr kumimoji="0" sz="1800" b="0" i="0" u="none" strike="noStrike" cap="none" spc="0" normalizeH="0" baseline="0">
+          <a:defRPr b="0" baseline="0" cap="none" i="0" spc="0" strike="noStrike" sz="1800" u="none" kumimoji="0" normalizeH="0">
             <a:ln>
               <a:noFill/>
             </a:ln>
@@ -6560,7 +6159,7 @@
           <a:buFontTx/>
           <a:buNone/>
           <a:tabLst/>
-          <a:defRPr kumimoji="0" sz="1800" b="0" i="0" u="none" strike="noStrike" cap="none" spc="0" normalizeH="0" baseline="0">
+          <a:defRPr b="0" baseline="0" cap="none" i="0" spc="0" strike="noStrike" sz="1800" u="none" kumimoji="0" normalizeH="0">
             <a:ln>
               <a:noFill/>
             </a:ln>
@@ -6586,7 +6185,7 @@
           <a:buFontTx/>
           <a:buNone/>
           <a:tabLst/>
-          <a:defRPr kumimoji="0" sz="1800" b="0" i="0" u="none" strike="noStrike" cap="none" spc="0" normalizeH="0" baseline="0">
+          <a:defRPr b="0" baseline="0" cap="none" i="0" spc="0" strike="noStrike" sz="1800" u="none" kumimoji="0" normalizeH="0">
             <a:ln>
               <a:noFill/>
             </a:ln>
@@ -6612,7 +6211,7 @@
           <a:buFontTx/>
           <a:buNone/>
           <a:tabLst/>
-          <a:defRPr kumimoji="0" sz="1800" b="0" i="0" u="none" strike="noStrike" cap="none" spc="0" normalizeH="0" baseline="0">
+          <a:defRPr b="0" baseline="0" cap="none" i="0" spc="0" strike="noStrike" sz="1800" u="none" kumimoji="0" normalizeH="0">
             <a:ln>
               <a:noFill/>
             </a:ln>
@@ -6638,7 +6237,7 @@
           <a:buFontTx/>
           <a:buNone/>
           <a:tabLst/>
-          <a:defRPr kumimoji="0" sz="1800" b="0" i="0" u="none" strike="noStrike" cap="none" spc="0" normalizeH="0" baseline="0">
+          <a:defRPr b="0" baseline="0" cap="none" i="0" spc="0" strike="noStrike" sz="1800" u="none" kumimoji="0" normalizeH="0">
             <a:ln>
               <a:noFill/>
             </a:ln>
@@ -6664,7 +6263,7 @@
           <a:buFontTx/>
           <a:buNone/>
           <a:tabLst/>
-          <a:defRPr kumimoji="0" sz="1800" b="0" i="0" u="none" strike="noStrike" cap="none" spc="0" normalizeH="0" baseline="0">
+          <a:defRPr b="0" baseline="0" cap="none" i="0" spc="0" strike="noStrike" sz="1800" u="none" kumimoji="0" normalizeH="0">
             <a:ln>
               <a:noFill/>
             </a:ln>
@@ -6690,7 +6289,7 @@
           <a:buFontTx/>
           <a:buNone/>
           <a:tabLst/>
-          <a:defRPr kumimoji="0" sz="1800" b="0" i="0" u="none" strike="noStrike" cap="none" spc="0" normalizeH="0" baseline="0">
+          <a:defRPr b="0" baseline="0" cap="none" i="0" spc="0" strike="noStrike" sz="1800" u="none" kumimoji="0" normalizeH="0">
             <a:ln>
               <a:noFill/>
             </a:ln>
@@ -6716,7 +6315,7 @@
           <a:buFontTx/>
           <a:buNone/>
           <a:tabLst/>
-          <a:defRPr kumimoji="0" sz="1800" b="0" i="0" u="none" strike="noStrike" cap="none" spc="0" normalizeH="0" baseline="0">
+          <a:defRPr b="0" baseline="0" cap="none" i="0" spc="0" strike="noStrike" sz="1800" u="none" kumimoji="0" normalizeH="0">
             <a:ln>
               <a:noFill/>
             </a:ln>
@@ -6742,7 +6341,7 @@
           <a:buFontTx/>
           <a:buNone/>
           <a:tabLst/>
-          <a:defRPr kumimoji="0" sz="1800" b="0" i="0" u="none" strike="noStrike" cap="none" spc="0" normalizeH="0" baseline="0">
+          <a:defRPr b="0" baseline="0" cap="none" i="0" spc="0" strike="noStrike" sz="1800" u="none" kumimoji="0" normalizeH="0">
             <a:ln>
               <a:noFill/>
             </a:ln>
@@ -6755,15 +6354,9 @@
         </a:lvl9pPr>
       </a:lstStyle>
       <a:style>
-        <a:lnRef idx="0">
-          <a:scrgbClr r="0" g="0" b="0"/>
-        </a:lnRef>
-        <a:fillRef idx="0">
-          <a:scrgbClr r="0" g="0" b="0"/>
-        </a:fillRef>
-        <a:effectRef idx="0">
-          <a:scrgbClr r="0" g="0" b="0"/>
-        </a:effectRef>
+        <a:lnRef idx="0"/>
+        <a:fillRef idx="0"/>
+        <a:effectRef idx="0"/>
         <a:fontRef idx="none"/>
       </a:style>
     </a:spDef>
@@ -6777,16 +6370,10 @@
           <a:prstDash val="solid"/>
           <a:round/>
         </a:ln>
-        <a:effectLst>
-          <a:outerShdw blurRad="38100" dist="20000" dir="5400000" rotWithShape="0">
-            <a:srgbClr val="000000">
-              <a:alpha val="38000"/>
-            </a:srgbClr>
-          </a:outerShdw>
-        </a:effectLst>
+        <a:effectLst/>
         <a:sp3d/>
       </a:spPr>
-      <a:bodyPr rot="0" spcFirstLastPara="1" vertOverflow="overflow" horzOverflow="overflow" vert="horz" wrap="square" lIns="91439" tIns="45719" rIns="91439" bIns="45719" numCol="1" spcCol="38100" rtlCol="0" anchor="t">
+      <a:bodyPr rot="0" spcFirstLastPara="1" vertOverflow="overflow" horzOverflow="overflow" vert="horz" wrap="square" lIns="91439" tIns="45719" rIns="91439" bIns="45719" numCol="1" spcCol="38100" rtlCol="0" anchor="t" upright="0">
         <a:noAutofit/>
       </a:bodyPr>
       <a:lstStyle>
@@ -6805,7 +6392,7 @@
           <a:buFontTx/>
           <a:buNone/>
           <a:tabLst/>
-          <a:defRPr kumimoji="0" sz="1800" b="0" i="0" u="none" strike="noStrike" cap="none" spc="0" normalizeH="0" baseline="0">
+          <a:defRPr b="0" baseline="0" cap="none" i="0" spc="0" strike="noStrike" sz="1800" u="none" kumimoji="0" normalizeH="0">
             <a:ln>
               <a:noFill/>
             </a:ln>
@@ -6831,7 +6418,7 @@
           <a:buFontTx/>
           <a:buNone/>
           <a:tabLst/>
-          <a:defRPr kumimoji="0" sz="1800" b="0" i="0" u="none" strike="noStrike" cap="none" spc="0" normalizeH="0" baseline="0">
+          <a:defRPr b="0" baseline="0" cap="none" i="0" spc="0" strike="noStrike" sz="1800" u="none" kumimoji="0" normalizeH="0">
             <a:ln>
               <a:noFill/>
             </a:ln>
@@ -6857,7 +6444,7 @@
           <a:buFontTx/>
           <a:buNone/>
           <a:tabLst/>
-          <a:defRPr kumimoji="0" sz="1800" b="0" i="0" u="none" strike="noStrike" cap="none" spc="0" normalizeH="0" baseline="0">
+          <a:defRPr b="0" baseline="0" cap="none" i="0" spc="0" strike="noStrike" sz="1800" u="none" kumimoji="0" normalizeH="0">
             <a:ln>
               <a:noFill/>
             </a:ln>
@@ -6883,7 +6470,7 @@
           <a:buFontTx/>
           <a:buNone/>
           <a:tabLst/>
-          <a:defRPr kumimoji="0" sz="1800" b="0" i="0" u="none" strike="noStrike" cap="none" spc="0" normalizeH="0" baseline="0">
+          <a:defRPr b="0" baseline="0" cap="none" i="0" spc="0" strike="noStrike" sz="1800" u="none" kumimoji="0" normalizeH="0">
             <a:ln>
               <a:noFill/>
             </a:ln>
@@ -6909,7 +6496,7 @@
           <a:buFontTx/>
           <a:buNone/>
           <a:tabLst/>
-          <a:defRPr kumimoji="0" sz="1800" b="0" i="0" u="none" strike="noStrike" cap="none" spc="0" normalizeH="0" baseline="0">
+          <a:defRPr b="0" baseline="0" cap="none" i="0" spc="0" strike="noStrike" sz="1800" u="none" kumimoji="0" normalizeH="0">
             <a:ln>
               <a:noFill/>
             </a:ln>
@@ -6935,7 +6522,7 @@
           <a:buFontTx/>
           <a:buNone/>
           <a:tabLst/>
-          <a:defRPr kumimoji="0" sz="1800" b="0" i="0" u="none" strike="noStrike" cap="none" spc="0" normalizeH="0" baseline="0">
+          <a:defRPr b="0" baseline="0" cap="none" i="0" spc="0" strike="noStrike" sz="1800" u="none" kumimoji="0" normalizeH="0">
             <a:ln>
               <a:noFill/>
             </a:ln>
@@ -6961,7 +6548,7 @@
           <a:buFontTx/>
           <a:buNone/>
           <a:tabLst/>
-          <a:defRPr kumimoji="0" sz="1800" b="0" i="0" u="none" strike="noStrike" cap="none" spc="0" normalizeH="0" baseline="0">
+          <a:defRPr b="0" baseline="0" cap="none" i="0" spc="0" strike="noStrike" sz="1800" u="none" kumimoji="0" normalizeH="0">
             <a:ln>
               <a:noFill/>
             </a:ln>
@@ -6987,7 +6574,7 @@
           <a:buFontTx/>
           <a:buNone/>
           <a:tabLst/>
-          <a:defRPr kumimoji="0" sz="1800" b="0" i="0" u="none" strike="noStrike" cap="none" spc="0" normalizeH="0" baseline="0">
+          <a:defRPr b="0" baseline="0" cap="none" i="0" spc="0" strike="noStrike" sz="1800" u="none" kumimoji="0" normalizeH="0">
             <a:ln>
               <a:noFill/>
             </a:ln>
@@ -7013,7 +6600,7 @@
           <a:buFontTx/>
           <a:buNone/>
           <a:tabLst/>
-          <a:defRPr kumimoji="0" sz="1800" b="0" i="0" u="none" strike="noStrike" cap="none" spc="0" normalizeH="0" baseline="0">
+          <a:defRPr b="0" baseline="0" cap="none" i="0" spc="0" strike="noStrike" sz="1800" u="none" kumimoji="0" normalizeH="0">
             <a:ln>
               <a:noFill/>
             </a:ln>
@@ -7039,7 +6626,7 @@
           <a:buFontTx/>
           <a:buNone/>
           <a:tabLst/>
-          <a:defRPr kumimoji="0" sz="1800" b="0" i="0" u="none" strike="noStrike" cap="none" spc="0" normalizeH="0" baseline="0">
+          <a:defRPr b="0" baseline="0" cap="none" i="0" spc="0" strike="noStrike" sz="1800" u="none" kumimoji="0" normalizeH="0">
             <a:ln>
               <a:noFill/>
             </a:ln>
@@ -7052,15 +6639,9 @@
         </a:lvl9pPr>
       </a:lstStyle>
       <a:style>
-        <a:lnRef idx="0">
-          <a:scrgbClr r="0" g="0" b="0"/>
-        </a:lnRef>
-        <a:fillRef idx="0">
-          <a:scrgbClr r="0" g="0" b="0"/>
-        </a:fillRef>
-        <a:effectRef idx="0">
-          <a:scrgbClr r="0" g="0" b="0"/>
-        </a:effectRef>
+        <a:lnRef idx="0"/>
+        <a:fillRef idx="0"/>
+        <a:effectRef idx="0"/>
         <a:fontRef idx="none"/>
       </a:style>
     </a:lnDef>
@@ -7074,7 +6655,7 @@
         <a:effectLst/>
         <a:sp3d/>
       </a:spPr>
-      <a:bodyPr rot="0" spcFirstLastPara="1" vertOverflow="overflow" horzOverflow="overflow" vert="horz" wrap="square" lIns="45719" tIns="45719" rIns="45719" bIns="45719" numCol="1" spcCol="38100" rtlCol="0" anchor="t">
+      <a:bodyPr rot="0" spcFirstLastPara="1" vertOverflow="overflow" horzOverflow="overflow" vert="horz" wrap="square" lIns="45718" tIns="45718" rIns="45718" bIns="45718" numCol="1" spcCol="38100" rtlCol="0" anchor="t" upright="0">
         <a:spAutoFit/>
       </a:bodyPr>
       <a:lstStyle>
@@ -7093,19 +6674,19 @@
           <a:buFontTx/>
           <a:buNone/>
           <a:tabLst/>
-          <a:defRPr kumimoji="0" sz="1800" b="0" i="0" u="none" strike="noStrike" cap="none" spc="0" normalizeH="0" baseline="0">
+          <a:defRPr b="0" baseline="0" cap="none" i="0" spc="0" strike="noStrike" sz="1800" u="none" kumimoji="0" normalizeH="0">
             <a:ln>
               <a:noFill/>
             </a:ln>
             <a:solidFill>
-              <a:srgbClr val="000000"/>
+              <a:srgbClr val="0B0F14"/>
             </a:solidFill>
             <a:effectLst/>
             <a:uFillTx/>
-            <a:latin typeface="+mn-lt"/>
-            <a:ea typeface="+mn-ea"/>
-            <a:cs typeface="+mn-cs"/>
-            <a:sym typeface="Calibri"/>
+            <a:latin typeface="+mj-lt"/>
+            <a:ea typeface="+mj-ea"/>
+            <a:cs typeface="+mj-cs"/>
+            <a:sym typeface="Arial"/>
           </a:defRPr>
         </a:defPPr>
         <a:lvl1pPr marL="0" marR="0" indent="0" algn="l" defTabSz="914400" rtl="0" fontAlgn="auto" latinLnBrk="1" hangingPunct="0">
@@ -7123,7 +6704,7 @@
           <a:buFontTx/>
           <a:buNone/>
           <a:tabLst/>
-          <a:defRPr kumimoji="0" sz="1800" b="0" i="0" u="none" strike="noStrike" cap="none" spc="0" normalizeH="0" baseline="0">
+          <a:defRPr b="0" baseline="0" cap="none" i="0" spc="0" strike="noStrike" sz="1800" u="none" kumimoji="0" normalizeH="0">
             <a:ln>
               <a:noFill/>
             </a:ln>
@@ -7149,7 +6730,7 @@
           <a:buFontTx/>
           <a:buNone/>
           <a:tabLst/>
-          <a:defRPr kumimoji="0" sz="1800" b="0" i="0" u="none" strike="noStrike" cap="none" spc="0" normalizeH="0" baseline="0">
+          <a:defRPr b="0" baseline="0" cap="none" i="0" spc="0" strike="noStrike" sz="1800" u="none" kumimoji="0" normalizeH="0">
             <a:ln>
               <a:noFill/>
             </a:ln>
@@ -7175,7 +6756,7 @@
           <a:buFontTx/>
           <a:buNone/>
           <a:tabLst/>
-          <a:defRPr kumimoji="0" sz="1800" b="0" i="0" u="none" strike="noStrike" cap="none" spc="0" normalizeH="0" baseline="0">
+          <a:defRPr b="0" baseline="0" cap="none" i="0" spc="0" strike="noStrike" sz="1800" u="none" kumimoji="0" normalizeH="0">
             <a:ln>
               <a:noFill/>
             </a:ln>
@@ -7201,7 +6782,7 @@
           <a:buFontTx/>
           <a:buNone/>
           <a:tabLst/>
-          <a:defRPr kumimoji="0" sz="1800" b="0" i="0" u="none" strike="noStrike" cap="none" spc="0" normalizeH="0" baseline="0">
+          <a:defRPr b="0" baseline="0" cap="none" i="0" spc="0" strike="noStrike" sz="1800" u="none" kumimoji="0" normalizeH="0">
             <a:ln>
               <a:noFill/>
             </a:ln>
@@ -7227,7 +6808,7 @@
           <a:buFontTx/>
           <a:buNone/>
           <a:tabLst/>
-          <a:defRPr kumimoji="0" sz="1800" b="0" i="0" u="none" strike="noStrike" cap="none" spc="0" normalizeH="0" baseline="0">
+          <a:defRPr b="0" baseline="0" cap="none" i="0" spc="0" strike="noStrike" sz="1800" u="none" kumimoji="0" normalizeH="0">
             <a:ln>
               <a:noFill/>
             </a:ln>
@@ -7253,7 +6834,7 @@
           <a:buFontTx/>
           <a:buNone/>
           <a:tabLst/>
-          <a:defRPr kumimoji="0" sz="1800" b="0" i="0" u="none" strike="noStrike" cap="none" spc="0" normalizeH="0" baseline="0">
+          <a:defRPr b="0" baseline="0" cap="none" i="0" spc="0" strike="noStrike" sz="1800" u="none" kumimoji="0" normalizeH="0">
             <a:ln>
               <a:noFill/>
             </a:ln>
@@ -7279,7 +6860,7 @@
           <a:buFontTx/>
           <a:buNone/>
           <a:tabLst/>
-          <a:defRPr kumimoji="0" sz="1800" b="0" i="0" u="none" strike="noStrike" cap="none" spc="0" normalizeH="0" baseline="0">
+          <a:defRPr b="0" baseline="0" cap="none" i="0" spc="0" strike="noStrike" sz="1800" u="none" kumimoji="0" normalizeH="0">
             <a:ln>
               <a:noFill/>
             </a:ln>
@@ -7305,7 +6886,7 @@
           <a:buFontTx/>
           <a:buNone/>
           <a:tabLst/>
-          <a:defRPr kumimoji="0" sz="1800" b="0" i="0" u="none" strike="noStrike" cap="none" spc="0" normalizeH="0" baseline="0">
+          <a:defRPr b="0" baseline="0" cap="none" i="0" spc="0" strike="noStrike" sz="1800" u="none" kumimoji="0" normalizeH="0">
             <a:ln>
               <a:noFill/>
             </a:ln>
@@ -7331,7 +6912,7 @@
           <a:buFontTx/>
           <a:buNone/>
           <a:tabLst/>
-          <a:defRPr kumimoji="0" sz="1800" b="0" i="0" u="none" strike="noStrike" cap="none" spc="0" normalizeH="0" baseline="0">
+          <a:defRPr b="0" baseline="0" cap="none" i="0" spc="0" strike="noStrike" sz="1800" u="none" kumimoji="0" normalizeH="0">
             <a:ln>
               <a:noFill/>
             </a:ln>
@@ -7344,19 +6925,12 @@
         </a:lvl9pPr>
       </a:lstStyle>
       <a:style>
-        <a:lnRef idx="0">
-          <a:scrgbClr r="0" g="0" b="0"/>
-        </a:lnRef>
-        <a:fillRef idx="0">
-          <a:scrgbClr r="0" g="0" b="0"/>
-        </a:fillRef>
-        <a:effectRef idx="0">
-          <a:scrgbClr r="0" g="0" b="0"/>
-        </a:effectRef>
+        <a:lnRef idx="0"/>
+        <a:fillRef idx="0"/>
+        <a:effectRef idx="0"/>
         <a:fontRef idx="none"/>
       </a:style>
     </a:txDef>
   </a:objectDefaults>
-  <a:extraClrSchemeLst/>
 </a:theme>
 </file>